--- a/DAG-Based Blockchain in Wireless Network/pics/Figures.pptx
+++ b/DAG-Based Blockchain in Wireless Network/pics/Figures.pptx
@@ -106,6 +106,11 @@
       </a:defRPr>
     </a:lvl9pPr>
   </p:defaultTextStyle>
+  <p:extLst>
+    <p:ext uri="{EFAFB233-063F-42B5-8137-9DF3F51BA10A}">
+      <p15:sldGuideLst xmlns:p15="http://schemas.microsoft.com/office/powerpoint/2012/main"/>
+    </p:ext>
+  </p:extLst>
 </p:presentation>
 </file>
 
@@ -256,7 +261,7 @@
           <a:p>
             <a:fld id="{1631C2A1-E7D6-4A3E-A218-67FBB258D4DC}" type="datetimeFigureOut">
               <a:rPr lang="zh-CN" altLang="en-US" smtClean="0"/>
-              <a:t>2021/12/9</a:t>
+              <a:t>2021/12/10</a:t>
             </a:fld>
             <a:endParaRPr lang="zh-CN" altLang="en-US"/>
           </a:p>
@@ -454,7 +459,7 @@
           <a:p>
             <a:fld id="{1631C2A1-E7D6-4A3E-A218-67FBB258D4DC}" type="datetimeFigureOut">
               <a:rPr lang="zh-CN" altLang="en-US" smtClean="0"/>
-              <a:t>2021/12/9</a:t>
+              <a:t>2021/12/10</a:t>
             </a:fld>
             <a:endParaRPr lang="zh-CN" altLang="en-US"/>
           </a:p>
@@ -662,7 +667,7 @@
           <a:p>
             <a:fld id="{1631C2A1-E7D6-4A3E-A218-67FBB258D4DC}" type="datetimeFigureOut">
               <a:rPr lang="zh-CN" altLang="en-US" smtClean="0"/>
-              <a:t>2021/12/9</a:t>
+              <a:t>2021/12/10</a:t>
             </a:fld>
             <a:endParaRPr lang="zh-CN" altLang="en-US"/>
           </a:p>
@@ -860,7 +865,7 @@
           <a:p>
             <a:fld id="{1631C2A1-E7D6-4A3E-A218-67FBB258D4DC}" type="datetimeFigureOut">
               <a:rPr lang="zh-CN" altLang="en-US" smtClean="0"/>
-              <a:t>2021/12/9</a:t>
+              <a:t>2021/12/10</a:t>
             </a:fld>
             <a:endParaRPr lang="zh-CN" altLang="en-US"/>
           </a:p>
@@ -1135,7 +1140,7 @@
           <a:p>
             <a:fld id="{1631C2A1-E7D6-4A3E-A218-67FBB258D4DC}" type="datetimeFigureOut">
               <a:rPr lang="zh-CN" altLang="en-US" smtClean="0"/>
-              <a:t>2021/12/9</a:t>
+              <a:t>2021/12/10</a:t>
             </a:fld>
             <a:endParaRPr lang="zh-CN" altLang="en-US"/>
           </a:p>
@@ -1400,7 +1405,7 @@
           <a:p>
             <a:fld id="{1631C2A1-E7D6-4A3E-A218-67FBB258D4DC}" type="datetimeFigureOut">
               <a:rPr lang="zh-CN" altLang="en-US" smtClean="0"/>
-              <a:t>2021/12/9</a:t>
+              <a:t>2021/12/10</a:t>
             </a:fld>
             <a:endParaRPr lang="zh-CN" altLang="en-US"/>
           </a:p>
@@ -1812,7 +1817,7 @@
           <a:p>
             <a:fld id="{1631C2A1-E7D6-4A3E-A218-67FBB258D4DC}" type="datetimeFigureOut">
               <a:rPr lang="zh-CN" altLang="en-US" smtClean="0"/>
-              <a:t>2021/12/9</a:t>
+              <a:t>2021/12/10</a:t>
             </a:fld>
             <a:endParaRPr lang="zh-CN" altLang="en-US"/>
           </a:p>
@@ -1953,7 +1958,7 @@
           <a:p>
             <a:fld id="{1631C2A1-E7D6-4A3E-A218-67FBB258D4DC}" type="datetimeFigureOut">
               <a:rPr lang="zh-CN" altLang="en-US" smtClean="0"/>
-              <a:t>2021/12/9</a:t>
+              <a:t>2021/12/10</a:t>
             </a:fld>
             <a:endParaRPr lang="zh-CN" altLang="en-US"/>
           </a:p>
@@ -2066,7 +2071,7 @@
           <a:p>
             <a:fld id="{1631C2A1-E7D6-4A3E-A218-67FBB258D4DC}" type="datetimeFigureOut">
               <a:rPr lang="zh-CN" altLang="en-US" smtClean="0"/>
-              <a:t>2021/12/9</a:t>
+              <a:t>2021/12/10</a:t>
             </a:fld>
             <a:endParaRPr lang="zh-CN" altLang="en-US"/>
           </a:p>
@@ -2377,7 +2382,7 @@
           <a:p>
             <a:fld id="{1631C2A1-E7D6-4A3E-A218-67FBB258D4DC}" type="datetimeFigureOut">
               <a:rPr lang="zh-CN" altLang="en-US" smtClean="0"/>
-              <a:t>2021/12/9</a:t>
+              <a:t>2021/12/10</a:t>
             </a:fld>
             <a:endParaRPr lang="zh-CN" altLang="en-US"/>
           </a:p>
@@ -2665,7 +2670,7 @@
           <a:p>
             <a:fld id="{1631C2A1-E7D6-4A3E-A218-67FBB258D4DC}" type="datetimeFigureOut">
               <a:rPr lang="zh-CN" altLang="en-US" smtClean="0"/>
-              <a:t>2021/12/9</a:t>
+              <a:t>2021/12/10</a:t>
             </a:fld>
             <a:endParaRPr lang="zh-CN" altLang="en-US"/>
           </a:p>
@@ -2906,7 +2911,7 @@
           <a:p>
             <a:fld id="{1631C2A1-E7D6-4A3E-A218-67FBB258D4DC}" type="datetimeFigureOut">
               <a:rPr lang="zh-CN" altLang="en-US" smtClean="0"/>
-              <a:t>2021/12/9</a:t>
+              <a:t>2021/12/10</a:t>
             </a:fld>
             <a:endParaRPr lang="zh-CN" altLang="en-US"/>
           </a:p>
@@ -8479,8 +8484,8 @@
             </a:fontRef>
           </p:style>
         </p:cxnSp>
-        <mc:AlternateContent xmlns:mc="http://schemas.openxmlformats.org/markup-compatibility/2006">
-          <mc:Choice xmlns:a14="http://schemas.microsoft.com/office/drawing/2010/main" Requires="a14">
+        <mc:AlternateContent xmlns:mc="http://schemas.openxmlformats.org/markup-compatibility/2006" xmlns:a14="http://schemas.microsoft.com/office/drawing/2010/main">
+          <mc:Choice Requires="a14">
             <p:sp>
               <p:nvSpPr>
                 <p:cNvPr id="50" name="矩形 49">
@@ -8570,7 +8575,7 @@
               </p:txBody>
             </p:sp>
           </mc:Choice>
-          <mc:Fallback>
+          <mc:Fallback xmlns="">
             <p:sp>
               <p:nvSpPr>
                 <p:cNvPr id="50" name="矩形 49">
@@ -8657,8 +8662,8 @@
             </a:fontRef>
           </p:style>
         </p:cxnSp>
-        <mc:AlternateContent xmlns:mc="http://schemas.openxmlformats.org/markup-compatibility/2006">
-          <mc:Choice xmlns:a14="http://schemas.microsoft.com/office/drawing/2010/main" Requires="a14">
+        <mc:AlternateContent xmlns:mc="http://schemas.openxmlformats.org/markup-compatibility/2006" xmlns:a14="http://schemas.microsoft.com/office/drawing/2010/main">
+          <mc:Choice Requires="a14">
             <p:sp>
               <p:nvSpPr>
                 <p:cNvPr id="71" name="矩形 70">
@@ -8748,7 +8753,7 @@
               </p:txBody>
             </p:sp>
           </mc:Choice>
-          <mc:Fallback>
+          <mc:Fallback xmlns="">
             <p:sp>
               <p:nvSpPr>
                 <p:cNvPr id="71" name="矩形 70">
@@ -8835,8 +8840,8 @@
             </a:fontRef>
           </p:style>
         </p:cxnSp>
-        <mc:AlternateContent xmlns:mc="http://schemas.openxmlformats.org/markup-compatibility/2006">
-          <mc:Choice xmlns:a14="http://schemas.microsoft.com/office/drawing/2010/main" Requires="a14">
+        <mc:AlternateContent xmlns:mc="http://schemas.openxmlformats.org/markup-compatibility/2006" xmlns:a14="http://schemas.microsoft.com/office/drawing/2010/main">
+          <mc:Choice Requires="a14">
             <p:sp>
               <p:nvSpPr>
                 <p:cNvPr id="167" name="矩形 166">
@@ -8926,7 +8931,7 @@
               </p:txBody>
             </p:sp>
           </mc:Choice>
-          <mc:Fallback>
+          <mc:Fallback xmlns="">
             <p:sp>
               <p:nvSpPr>
                 <p:cNvPr id="167" name="矩形 166">
@@ -8975,8 +8980,8 @@
           </mc:Fallback>
         </mc:AlternateContent>
       </p:grpSp>
-      <mc:AlternateContent xmlns:mc="http://schemas.openxmlformats.org/markup-compatibility/2006">
-        <mc:Choice xmlns:a14="http://schemas.microsoft.com/office/drawing/2010/main" Requires="a14">
+      <mc:AlternateContent xmlns:mc="http://schemas.openxmlformats.org/markup-compatibility/2006" xmlns:a14="http://schemas.microsoft.com/office/drawing/2010/main">
+        <mc:Choice Requires="a14">
           <p:sp>
             <p:nvSpPr>
               <p:cNvPr id="169" name="矩形 168">
@@ -9045,7 +9050,7 @@
             </p:txBody>
           </p:sp>
         </mc:Choice>
-        <mc:Fallback>
+        <mc:Fallback xmlns="">
           <p:sp>
             <p:nvSpPr>
               <p:cNvPr id="169" name="矩形 168">
@@ -9093,8 +9098,8 @@
           </p:sp>
         </mc:Fallback>
       </mc:AlternateContent>
-      <mc:AlternateContent xmlns:mc="http://schemas.openxmlformats.org/markup-compatibility/2006">
-        <mc:Choice xmlns:a14="http://schemas.microsoft.com/office/drawing/2010/main" Requires="a14">
+      <mc:AlternateContent xmlns:mc="http://schemas.openxmlformats.org/markup-compatibility/2006" xmlns:a14="http://schemas.microsoft.com/office/drawing/2010/main">
+        <mc:Choice Requires="a14">
           <p:sp>
             <p:nvSpPr>
               <p:cNvPr id="170" name="矩形 169">
@@ -9163,7 +9168,7 @@
             </p:txBody>
           </p:sp>
         </mc:Choice>
-        <mc:Fallback>
+        <mc:Fallback xmlns="">
           <p:sp>
             <p:nvSpPr>
               <p:cNvPr id="170" name="矩形 169">
@@ -9543,8 +9548,8 @@
             </p:style>
           </p:cxnSp>
         </p:grpSp>
-        <mc:AlternateContent xmlns:mc="http://schemas.openxmlformats.org/markup-compatibility/2006">
-          <mc:Choice xmlns:a14="http://schemas.microsoft.com/office/drawing/2010/main" Requires="a14">
+        <mc:AlternateContent xmlns:mc="http://schemas.openxmlformats.org/markup-compatibility/2006" xmlns:a14="http://schemas.microsoft.com/office/drawing/2010/main">
+          <mc:Choice Requires="a14">
             <p:sp>
               <p:nvSpPr>
                 <p:cNvPr id="16" name="矩形 15">
@@ -9609,7 +9614,7 @@
               </p:txBody>
             </p:sp>
           </mc:Choice>
-          <mc:Fallback>
+          <mc:Fallback xmlns="">
             <p:sp>
               <p:nvSpPr>
                 <p:cNvPr id="16" name="矩形 15">
@@ -9657,8 +9662,8 @@
             </p:sp>
           </mc:Fallback>
         </mc:AlternateContent>
-        <mc:AlternateContent xmlns:mc="http://schemas.openxmlformats.org/markup-compatibility/2006">
-          <mc:Choice xmlns:a14="http://schemas.microsoft.com/office/drawing/2010/main" Requires="a14">
+        <mc:AlternateContent xmlns:mc="http://schemas.openxmlformats.org/markup-compatibility/2006" xmlns:a14="http://schemas.microsoft.com/office/drawing/2010/main">
+          <mc:Choice Requires="a14">
             <p:sp>
               <p:nvSpPr>
                 <p:cNvPr id="17" name="矩形 16">
@@ -9742,7 +9747,7 @@
               </p:txBody>
             </p:sp>
           </mc:Choice>
-          <mc:Fallback>
+          <mc:Fallback xmlns="">
             <p:sp>
               <p:nvSpPr>
                 <p:cNvPr id="17" name="矩形 16">
@@ -9790,8 +9795,8 @@
             </p:sp>
           </mc:Fallback>
         </mc:AlternateContent>
-        <mc:AlternateContent xmlns:mc="http://schemas.openxmlformats.org/markup-compatibility/2006">
-          <mc:Choice xmlns:a14="http://schemas.microsoft.com/office/drawing/2010/main" Requires="a14">
+        <mc:AlternateContent xmlns:mc="http://schemas.openxmlformats.org/markup-compatibility/2006" xmlns:a14="http://schemas.microsoft.com/office/drawing/2010/main">
+          <mc:Choice Requires="a14">
             <p:sp>
               <p:nvSpPr>
                 <p:cNvPr id="18" name="矩形 17">
@@ -9875,7 +9880,7 @@
               </p:txBody>
             </p:sp>
           </mc:Choice>
-          <mc:Fallback>
+          <mc:Fallback xmlns="">
             <p:sp>
               <p:nvSpPr>
                 <p:cNvPr id="18" name="矩形 17">
@@ -9923,8 +9928,8 @@
             </p:sp>
           </mc:Fallback>
         </mc:AlternateContent>
-        <mc:AlternateContent xmlns:mc="http://schemas.openxmlformats.org/markup-compatibility/2006">
-          <mc:Choice xmlns:a14="http://schemas.microsoft.com/office/drawing/2010/main" Requires="a14">
+        <mc:AlternateContent xmlns:mc="http://schemas.openxmlformats.org/markup-compatibility/2006" xmlns:a14="http://schemas.microsoft.com/office/drawing/2010/main">
+          <mc:Choice Requires="a14">
             <p:sp>
               <p:nvSpPr>
                 <p:cNvPr id="19" name="矩形 18">
@@ -10008,7 +10013,7 @@
               </p:txBody>
             </p:sp>
           </mc:Choice>
-          <mc:Fallback>
+          <mc:Fallback xmlns="">
             <p:sp>
               <p:nvSpPr>
                 <p:cNvPr id="19" name="矩形 18">
@@ -10293,8 +10298,8 @@
             </p:style>
           </p:cxnSp>
         </p:grpSp>
-        <mc:AlternateContent xmlns:mc="http://schemas.openxmlformats.org/markup-compatibility/2006">
-          <mc:Choice xmlns:a14="http://schemas.microsoft.com/office/drawing/2010/main" Requires="a14">
+        <mc:AlternateContent xmlns:mc="http://schemas.openxmlformats.org/markup-compatibility/2006" xmlns:a14="http://schemas.microsoft.com/office/drawing/2010/main">
+          <mc:Choice Requires="a14">
             <p:sp>
               <p:nvSpPr>
                 <p:cNvPr id="23" name="矩形 22">
@@ -10359,7 +10364,7 @@
               </p:txBody>
             </p:sp>
           </mc:Choice>
-          <mc:Fallback>
+          <mc:Fallback xmlns="">
             <p:sp>
               <p:nvSpPr>
                 <p:cNvPr id="23" name="矩形 22">
@@ -10407,8 +10412,8 @@
             </p:sp>
           </mc:Fallback>
         </mc:AlternateContent>
-        <mc:AlternateContent xmlns:mc="http://schemas.openxmlformats.org/markup-compatibility/2006">
-          <mc:Choice xmlns:a14="http://schemas.microsoft.com/office/drawing/2010/main" Requires="a14">
+        <mc:AlternateContent xmlns:mc="http://schemas.openxmlformats.org/markup-compatibility/2006" xmlns:a14="http://schemas.microsoft.com/office/drawing/2010/main">
+          <mc:Choice Requires="a14">
             <p:sp>
               <p:nvSpPr>
                 <p:cNvPr id="24" name="矩形 23">
@@ -10492,7 +10497,7 @@
               </p:txBody>
             </p:sp>
           </mc:Choice>
-          <mc:Fallback>
+          <mc:Fallback xmlns="">
             <p:sp>
               <p:nvSpPr>
                 <p:cNvPr id="24" name="矩形 23">
@@ -10540,8 +10545,8 @@
             </p:sp>
           </mc:Fallback>
         </mc:AlternateContent>
-        <mc:AlternateContent xmlns:mc="http://schemas.openxmlformats.org/markup-compatibility/2006">
-          <mc:Choice xmlns:a14="http://schemas.microsoft.com/office/drawing/2010/main" Requires="a14">
+        <mc:AlternateContent xmlns:mc="http://schemas.openxmlformats.org/markup-compatibility/2006" xmlns:a14="http://schemas.microsoft.com/office/drawing/2010/main">
+          <mc:Choice Requires="a14">
             <p:sp>
               <p:nvSpPr>
                 <p:cNvPr id="25" name="矩形 24">
@@ -10625,7 +10630,7 @@
               </p:txBody>
             </p:sp>
           </mc:Choice>
-          <mc:Fallback>
+          <mc:Fallback xmlns="">
             <p:sp>
               <p:nvSpPr>
                 <p:cNvPr id="25" name="矩形 24">
@@ -10673,8 +10678,8 @@
             </p:sp>
           </mc:Fallback>
         </mc:AlternateContent>
-        <mc:AlternateContent xmlns:mc="http://schemas.openxmlformats.org/markup-compatibility/2006">
-          <mc:Choice xmlns:a14="http://schemas.microsoft.com/office/drawing/2010/main" Requires="a14">
+        <mc:AlternateContent xmlns:mc="http://schemas.openxmlformats.org/markup-compatibility/2006" xmlns:a14="http://schemas.microsoft.com/office/drawing/2010/main">
+          <mc:Choice Requires="a14">
             <p:sp>
               <p:nvSpPr>
                 <p:cNvPr id="26" name="矩形 25">
@@ -10758,7 +10763,7 @@
               </p:txBody>
             </p:sp>
           </mc:Choice>
-          <mc:Fallback>
+          <mc:Fallback xmlns="">
             <p:sp>
               <p:nvSpPr>
                 <p:cNvPr id="26" name="矩形 25">
@@ -10910,8 +10915,8 @@
         </p:nvSpPr>
         <p:spPr>
           <a:xfrm rot="5400000">
-            <a:off x="4940310" y="2022830"/>
-            <a:ext cx="159298" cy="2152066"/>
+            <a:off x="4899328" y="2063809"/>
+            <a:ext cx="241259" cy="2152068"/>
           </a:xfrm>
           <a:prstGeom prst="leftBrace">
             <a:avLst/>
@@ -10954,13 +10959,18 @@
           <p:nvPr/>
         </p:nvSpPr>
         <p:spPr>
-          <a:xfrm rot="16200000">
-            <a:off x="3483266" y="3026067"/>
+          <a:xfrm rot="5400000">
+            <a:off x="3488451" y="2778895"/>
             <a:ext cx="140852" cy="780467"/>
           </a:xfrm>
           <a:prstGeom prst="leftBrace">
             <a:avLst/>
           </a:prstGeom>
+          <a:ln>
+            <a:solidFill>
+              <a:srgbClr val="FF0000"/>
+            </a:solidFill>
+          </a:ln>
         </p:spPr>
         <p:style>
           <a:lnRef idx="3">
@@ -10981,12 +10991,16 @@
           <a:lstStyle/>
           <a:p>
             <a:pPr algn="ctr"/>
-            <a:endParaRPr lang="zh-CN" altLang="en-US"/>
+            <a:endParaRPr lang="zh-CN" altLang="en-US">
+              <a:solidFill>
+                <a:srgbClr val="FF0000"/>
+              </a:solidFill>
+            </a:endParaRPr>
           </a:p>
         </p:txBody>
       </p:sp>
-      <mc:AlternateContent xmlns:mc="http://schemas.openxmlformats.org/markup-compatibility/2006">
-        <mc:Choice xmlns:a14="http://schemas.microsoft.com/office/drawing/2010/main" Requires="a14">
+      <mc:AlternateContent xmlns:mc="http://schemas.openxmlformats.org/markup-compatibility/2006" xmlns:a14="http://schemas.microsoft.com/office/drawing/2010/main">
+        <mc:Choice Requires="a14">
           <p:sp>
             <p:nvSpPr>
               <p:cNvPr id="39" name="矩形 38">
@@ -11070,7 +11084,7 @@
             </p:txBody>
           </p:sp>
         </mc:Choice>
-        <mc:Fallback>
+        <mc:Fallback xmlns="">
           <p:sp>
             <p:nvSpPr>
               <p:cNvPr id="39" name="矩形 38">
@@ -11118,8 +11132,8 @@
           </p:sp>
         </mc:Fallback>
       </mc:AlternateContent>
-      <mc:AlternateContent xmlns:mc="http://schemas.openxmlformats.org/markup-compatibility/2006">
-        <mc:Choice xmlns:a14="http://schemas.microsoft.com/office/drawing/2010/main" Requires="a14">
+      <mc:AlternateContent xmlns:mc="http://schemas.openxmlformats.org/markup-compatibility/2006" xmlns:a14="http://schemas.microsoft.com/office/drawing/2010/main">
+        <mc:Choice Requires="a14">
           <p:sp>
             <p:nvSpPr>
               <p:cNvPr id="40" name="矩形 39">
@@ -11203,7 +11217,7 @@
             </p:txBody>
           </p:sp>
         </mc:Choice>
-        <mc:Fallback>
+        <mc:Fallback xmlns="">
           <p:sp>
             <p:nvSpPr>
               <p:cNvPr id="40" name="矩形 39">
@@ -11251,8 +11265,8 @@
           </p:sp>
         </mc:Fallback>
       </mc:AlternateContent>
-      <mc:AlternateContent xmlns:mc="http://schemas.openxmlformats.org/markup-compatibility/2006">
-        <mc:Choice xmlns:a14="http://schemas.microsoft.com/office/drawing/2010/main" Requires="a14">
+      <mc:AlternateContent xmlns:mc="http://schemas.openxmlformats.org/markup-compatibility/2006" xmlns:a14="http://schemas.microsoft.com/office/drawing/2010/main">
+        <mc:Choice Requires="a14">
           <p:sp>
             <p:nvSpPr>
               <p:cNvPr id="41" name="矩形 40">
@@ -11336,7 +11350,7 @@
             </p:txBody>
           </p:sp>
         </mc:Choice>
-        <mc:Fallback>
+        <mc:Fallback xmlns="">
           <p:sp>
             <p:nvSpPr>
               <p:cNvPr id="41" name="矩形 40">
@@ -11384,8 +11398,8 @@
           </p:sp>
         </mc:Fallback>
       </mc:AlternateContent>
-      <mc:AlternateContent xmlns:mc="http://schemas.openxmlformats.org/markup-compatibility/2006">
-        <mc:Choice xmlns:a14="http://schemas.microsoft.com/office/drawing/2010/main" Requires="a14">
+      <mc:AlternateContent xmlns:mc="http://schemas.openxmlformats.org/markup-compatibility/2006" xmlns:a14="http://schemas.microsoft.com/office/drawing/2010/main">
+        <mc:Choice Requires="a14">
           <p:sp>
             <p:nvSpPr>
               <p:cNvPr id="42" name="矩形 41">
@@ -11469,7 +11483,7 @@
             </p:txBody>
           </p:sp>
         </mc:Choice>
-        <mc:Fallback>
+        <mc:Fallback xmlns="">
           <p:sp>
             <p:nvSpPr>
               <p:cNvPr id="42" name="矩形 41">
@@ -11517,8 +11531,8 @@
           </p:sp>
         </mc:Fallback>
       </mc:AlternateContent>
-      <mc:AlternateContent xmlns:mc="http://schemas.openxmlformats.org/markup-compatibility/2006">
-        <mc:Choice xmlns:a14="http://schemas.microsoft.com/office/drawing/2010/main" Requires="a14">
+      <mc:AlternateContent xmlns:mc="http://schemas.openxmlformats.org/markup-compatibility/2006" xmlns:a14="http://schemas.microsoft.com/office/drawing/2010/main">
+        <mc:Choice Requires="a14">
           <p:sp>
             <p:nvSpPr>
               <p:cNvPr id="43" name="矩形 42">
@@ -11636,7 +11650,7 @@
             </p:txBody>
           </p:sp>
         </mc:Choice>
-        <mc:Fallback>
+        <mc:Fallback xmlns="">
           <p:sp>
             <p:nvSpPr>
               <p:cNvPr id="43" name="矩形 42">
@@ -11684,8 +11698,8 @@
           </p:sp>
         </mc:Fallback>
       </mc:AlternateContent>
-      <mc:AlternateContent xmlns:mc="http://schemas.openxmlformats.org/markup-compatibility/2006">
-        <mc:Choice xmlns:a14="http://schemas.microsoft.com/office/drawing/2010/main" Requires="a14">
+      <mc:AlternateContent xmlns:mc="http://schemas.openxmlformats.org/markup-compatibility/2006" xmlns:a14="http://schemas.microsoft.com/office/drawing/2010/main">
+        <mc:Choice Requires="a14">
           <p:sp>
             <p:nvSpPr>
               <p:cNvPr id="44" name="矩形 43">
@@ -11803,7 +11817,7 @@
             </p:txBody>
           </p:sp>
         </mc:Choice>
-        <mc:Fallback>
+        <mc:Fallback xmlns="">
           <p:sp>
             <p:nvSpPr>
               <p:cNvPr id="44" name="矩形 43">
@@ -11865,8 +11879,8 @@
         </p:nvSpPr>
         <p:spPr>
           <a:xfrm rot="16200000">
-            <a:off x="4949533" y="2333314"/>
-            <a:ext cx="140852" cy="2152065"/>
+            <a:off x="4538507" y="1963870"/>
+            <a:ext cx="182436" cy="2932537"/>
           </a:xfrm>
           <a:prstGeom prst="leftBrace">
             <a:avLst/>
@@ -11911,7 +11925,7 @@
             </p:nvSpPr>
             <p:spPr>
               <a:xfrm>
-                <a:off x="3431312" y="3567539"/>
+                <a:off x="3388004" y="2699236"/>
                 <a:ext cx="341745" cy="240137"/>
               </a:xfrm>
               <a:prstGeom prst="rect">
@@ -11965,13 +11979,10 @@
                         </m:e>
                         <m:sub>
                           <m:r>
-                            <m:rPr>
-                              <m:sty m:val="p"/>
-                            </m:rPr>
-                            <a:rPr lang="el-GR" altLang="zh-CN" b="0" i="1" smtClean="0">
+                            <a:rPr lang="en-US" altLang="zh-CN" b="0" i="1" smtClean="0">
                               <a:latin typeface="Cambria Math" panose="02040503050406030204" pitchFamily="18" charset="0"/>
                             </a:rPr>
-                            <m:t>α</m:t>
+                            <m:t>𝑝</m:t>
                           </m:r>
                         </m:sub>
                       </m:sSub>
@@ -12000,7 +12011,7 @@
             </p:nvSpPr>
             <p:spPr>
               <a:xfrm>
-                <a:off x="3431312" y="3567539"/>
+                <a:off x="3388004" y="2699236"/>
                 <a:ext cx="341745" cy="240137"/>
               </a:xfrm>
               <a:prstGeom prst="rect">
@@ -12009,7 +12020,7 @@
               <a:blipFill>
                 <a:blip r:embed="rId16"/>
                 <a:stretch>
-                  <a:fillRect l="-23214" t="-2500" b="-20000"/>
+                  <a:fillRect l="-21429" t="-5128" b="-38462"/>
                 </a:stretch>
               </a:blipFill>
               <a:ln>
@@ -12079,68 +12090,205 @@
               <a:lstStyle/>
               <a:p>
                 <a:pPr algn="ctr"/>
-                <a:r>
-                  <a:rPr lang="en-US" altLang="zh-CN" b="1" dirty="0">
-                    <a:solidFill>
-                      <a:schemeClr val="tx1"/>
-                    </a:solidFill>
-                    <a:latin typeface="Times New Roman" panose="02020603050405020304" pitchFamily="18" charset="0"/>
-                    <a:cs typeface="Times New Roman" panose="02020603050405020304" pitchFamily="18" charset="0"/>
-                  </a:rPr>
-                  <a:t>The influence of </a:t>
-                </a:r>
                 <a14:m>
-                  <m:oMath xmlns:m="http://schemas.openxmlformats.org/officeDocument/2006/math">
-                    <m:sSub>
-                      <m:sSubPr>
-                        <m:ctrlPr>
-                          <a:rPr lang="en-US" altLang="zh-CN" b="1" i="1" smtClean="0">
-                            <a:solidFill>
-                              <a:schemeClr val="tx1"/>
-                            </a:solidFill>
-                            <a:latin typeface="Cambria Math" panose="02040503050406030204" pitchFamily="18" charset="0"/>
-                            <a:cs typeface="Times New Roman" panose="02020603050405020304" pitchFamily="18" charset="0"/>
-                          </a:rPr>
-                        </m:ctrlPr>
-                      </m:sSubPr>
-                      <m:e>
-                        <m:r>
-                          <a:rPr lang="en-US" altLang="zh-CN" b="1" i="1" smtClean="0">
-                            <a:solidFill>
-                              <a:schemeClr val="tx1"/>
-                            </a:solidFill>
-                            <a:latin typeface="Cambria Math" panose="02040503050406030204" pitchFamily="18" charset="0"/>
-                            <a:cs typeface="Times New Roman" panose="02020603050405020304" pitchFamily="18" charset="0"/>
-                          </a:rPr>
-                          <m:t>𝒕</m:t>
-                        </m:r>
-                      </m:e>
-                      <m:sub>
-                        <m:r>
-                          <a:rPr lang="en-US" altLang="zh-CN" b="1" i="1" smtClean="0">
-                            <a:solidFill>
-                              <a:schemeClr val="tx1"/>
-                            </a:solidFill>
-                            <a:latin typeface="Cambria Math" panose="02040503050406030204" pitchFamily="18" charset="0"/>
-                            <a:cs typeface="Times New Roman" panose="02020603050405020304" pitchFamily="18" charset="0"/>
-                          </a:rPr>
-                          <m:t>𝟏</m:t>
-                        </m:r>
-                      </m:sub>
-                    </m:sSub>
-                  </m:oMath>
+                  <m:oMathPara xmlns:m="http://schemas.openxmlformats.org/officeDocument/2006/math">
+                    <m:oMathParaPr>
+                      <m:jc m:val="centerGroup"/>
+                    </m:oMathParaPr>
+                    <m:oMath xmlns:m="http://schemas.openxmlformats.org/officeDocument/2006/math">
+                      <m:r>
+                        <a:rPr lang="en-US" altLang="zh-CN" sz="1400" b="1" i="0" smtClean="0">
+                          <a:solidFill>
+                            <a:schemeClr val="tx1"/>
+                          </a:solidFill>
+                          <a:latin typeface="Cambria Math" panose="02040503050406030204" pitchFamily="18" charset="0"/>
+                          <a:cs typeface="Times New Roman" panose="02020603050405020304" pitchFamily="18" charset="0"/>
+                        </a:rPr>
+                        <m:t>𝐀𝐭𝐭𝐚𝐜𝐤𝐞𝐫</m:t>
+                      </m:r>
+                      <m:r>
+                        <a:rPr lang="en-US" altLang="zh-CN" sz="1400" b="1" i="0" smtClean="0">
+                          <a:solidFill>
+                            <a:schemeClr val="tx1"/>
+                          </a:solidFill>
+                          <a:latin typeface="Cambria Math" panose="02040503050406030204" pitchFamily="18" charset="0"/>
+                          <a:cs typeface="Times New Roman" panose="02020603050405020304" pitchFamily="18" charset="0"/>
+                        </a:rPr>
+                        <m:t> </m:t>
+                      </m:r>
+                      <m:r>
+                        <a:rPr lang="en-US" altLang="zh-CN" sz="1400" b="1" i="0" smtClean="0">
+                          <a:solidFill>
+                            <a:schemeClr val="tx1"/>
+                          </a:solidFill>
+                          <a:latin typeface="Cambria Math" panose="02040503050406030204" pitchFamily="18" charset="0"/>
+                          <a:cs typeface="Times New Roman" panose="02020603050405020304" pitchFamily="18" charset="0"/>
+                        </a:rPr>
+                        <m:t>𝐜𝐨𝐧𝐬𝐭𝐫𝐮𝐜𝐭</m:t>
+                      </m:r>
+                      <m:r>
+                        <a:rPr lang="en-US" altLang="zh-CN" sz="1400" b="1" i="0" smtClean="0">
+                          <a:solidFill>
+                            <a:schemeClr val="tx1"/>
+                          </a:solidFill>
+                          <a:latin typeface="Cambria Math" panose="02040503050406030204" pitchFamily="18" charset="0"/>
+                          <a:cs typeface="Times New Roman" panose="02020603050405020304" pitchFamily="18" charset="0"/>
+                        </a:rPr>
+                        <m:t> </m:t>
+                      </m:r>
+                      <m:r>
+                        <a:rPr lang="en-US" altLang="zh-CN" sz="1400" b="1" i="0" smtClean="0">
+                          <a:solidFill>
+                            <a:schemeClr val="tx1"/>
+                          </a:solidFill>
+                          <a:latin typeface="Cambria Math" panose="02040503050406030204" pitchFamily="18" charset="0"/>
+                          <a:cs typeface="Times New Roman" panose="02020603050405020304" pitchFamily="18" charset="0"/>
+                        </a:rPr>
+                        <m:t>𝐟𝐫𝐚𝐮𝐝𝐮𝐥𝐞𝐧𝐭</m:t>
+                      </m:r>
+                      <m:r>
+                        <a:rPr lang="en-US" altLang="zh-CN" sz="1400" b="1" i="0" smtClean="0">
+                          <a:solidFill>
+                            <a:schemeClr val="tx1"/>
+                          </a:solidFill>
+                          <a:latin typeface="Cambria Math" panose="02040503050406030204" pitchFamily="18" charset="0"/>
+                          <a:cs typeface="Times New Roman" panose="02020603050405020304" pitchFamily="18" charset="0"/>
+                        </a:rPr>
+                        <m:t> </m:t>
+                      </m:r>
+                      <m:r>
+                        <a:rPr lang="en-US" altLang="zh-CN" sz="1400" b="1" i="0" smtClean="0">
+                          <a:solidFill>
+                            <a:schemeClr val="tx1"/>
+                          </a:solidFill>
+                          <a:latin typeface="Cambria Math" panose="02040503050406030204" pitchFamily="18" charset="0"/>
+                          <a:cs typeface="Times New Roman" panose="02020603050405020304" pitchFamily="18" charset="0"/>
+                        </a:rPr>
+                        <m:t>𝐜𝐡𝐚𝐢𝐧</m:t>
+                      </m:r>
+                      <m:r>
+                        <a:rPr lang="en-US" altLang="zh-CN" sz="1400" b="1" i="0" smtClean="0">
+                          <a:solidFill>
+                            <a:schemeClr val="tx1"/>
+                          </a:solidFill>
+                          <a:latin typeface="Cambria Math" panose="02040503050406030204" pitchFamily="18" charset="0"/>
+                          <a:cs typeface="Times New Roman" panose="02020603050405020304" pitchFamily="18" charset="0"/>
+                        </a:rPr>
+                        <m:t> </m:t>
+                      </m:r>
+                    </m:oMath>
+                  </m:oMathPara>
                 </a14:m>
-                <a:r>
-                  <a:rPr lang="en-US" altLang="zh-CN" b="1" dirty="0">
-                    <a:solidFill>
-                      <a:schemeClr val="tx1"/>
-                    </a:solidFill>
-                    <a:latin typeface="Times New Roman" panose="02020603050405020304" pitchFamily="18" charset="0"/>
-                    <a:cs typeface="Times New Roman" panose="02020603050405020304" pitchFamily="18" charset="0"/>
-                  </a:rPr>
-                  <a:t> </a:t>
-                </a:r>
-                <a:endParaRPr lang="zh-CN" altLang="en-US" b="1" dirty="0">
+                <a:endParaRPr lang="en-US" altLang="zh-CN" sz="1400" b="1" i="0" dirty="0">
+                  <a:solidFill>
+                    <a:schemeClr val="tx1"/>
+                  </a:solidFill>
+                  <a:latin typeface="Cambria Math" panose="02040503050406030204" pitchFamily="18" charset="0"/>
+                  <a:cs typeface="Times New Roman" panose="02020603050405020304" pitchFamily="18" charset="0"/>
+                </a:endParaRPr>
+              </a:p>
+              <a:p>
+                <a:pPr algn="ctr"/>
+                <a14:m>
+                  <m:oMathPara xmlns:m="http://schemas.openxmlformats.org/officeDocument/2006/math">
+                    <m:oMathParaPr>
+                      <m:jc m:val="centerGroup"/>
+                    </m:oMathParaPr>
+                    <m:oMath xmlns:m="http://schemas.openxmlformats.org/officeDocument/2006/math">
+                      <m:r>
+                        <a:rPr lang="en-US" altLang="zh-CN" sz="1400" b="1" i="0" smtClean="0">
+                          <a:solidFill>
+                            <a:schemeClr val="tx1"/>
+                          </a:solidFill>
+                          <a:latin typeface="Cambria Math" panose="02040503050406030204" pitchFamily="18" charset="0"/>
+                          <a:cs typeface="Times New Roman" panose="02020603050405020304" pitchFamily="18" charset="0"/>
+                        </a:rPr>
+                        <m:t>𝐛𝐞𝐟𝐨𝐫𝐞</m:t>
+                      </m:r>
+                      <m:r>
+                        <a:rPr lang="en-US" altLang="zh-CN" sz="1400" b="1" i="0" smtClean="0">
+                          <a:solidFill>
+                            <a:schemeClr val="tx1"/>
+                          </a:solidFill>
+                          <a:latin typeface="Cambria Math" panose="02040503050406030204" pitchFamily="18" charset="0"/>
+                          <a:cs typeface="Times New Roman" panose="02020603050405020304" pitchFamily="18" charset="0"/>
+                        </a:rPr>
+                        <m:t> </m:t>
+                      </m:r>
+                      <m:r>
+                        <a:rPr lang="en-US" altLang="zh-CN" sz="1400" b="1" i="0" smtClean="0">
+                          <a:solidFill>
+                            <a:schemeClr val="tx1"/>
+                          </a:solidFill>
+                          <a:latin typeface="Cambria Math" panose="02040503050406030204" pitchFamily="18" charset="0"/>
+                          <a:cs typeface="Times New Roman" panose="02020603050405020304" pitchFamily="18" charset="0"/>
+                        </a:rPr>
+                        <m:t>𝐛𝐫𝐨𝐚𝐝𝐜𝐚𝐬𝐭𝐢𝐧𝐠</m:t>
+                      </m:r>
+                      <m:r>
+                        <a:rPr lang="en-US" altLang="zh-CN" sz="1400" b="1" i="0" smtClean="0">
+                          <a:solidFill>
+                            <a:schemeClr val="tx1"/>
+                          </a:solidFill>
+                          <a:latin typeface="Cambria Math" panose="02040503050406030204" pitchFamily="18" charset="0"/>
+                          <a:cs typeface="Times New Roman" panose="02020603050405020304" pitchFamily="18" charset="0"/>
+                        </a:rPr>
+                        <m:t>  </m:t>
+                      </m:r>
+                      <m:r>
+                        <a:rPr lang="en-US" altLang="zh-CN" sz="1400" b="1" i="0" smtClean="0">
+                          <a:solidFill>
+                            <a:schemeClr val="tx1"/>
+                          </a:solidFill>
+                          <a:latin typeface="Cambria Math" panose="02040503050406030204" pitchFamily="18" charset="0"/>
+                          <a:cs typeface="Times New Roman" panose="02020603050405020304" pitchFamily="18" charset="0"/>
+                        </a:rPr>
+                        <m:t>𝐭𝐡𝐞</m:t>
+                      </m:r>
+                      <m:r>
+                        <a:rPr lang="en-US" altLang="zh-CN" sz="1400" b="1" i="0" smtClean="0">
+                          <a:solidFill>
+                            <a:schemeClr val="tx1"/>
+                          </a:solidFill>
+                          <a:latin typeface="Cambria Math" panose="02040503050406030204" pitchFamily="18" charset="0"/>
+                          <a:cs typeface="Times New Roman" panose="02020603050405020304" pitchFamily="18" charset="0"/>
+                        </a:rPr>
+                        <m:t> </m:t>
+                      </m:r>
+                      <m:r>
+                        <a:rPr lang="en-US" altLang="zh-CN" sz="1400" b="1" i="0" smtClean="0">
+                          <a:solidFill>
+                            <a:schemeClr val="tx1"/>
+                          </a:solidFill>
+                          <a:latin typeface="Cambria Math" panose="02040503050406030204" pitchFamily="18" charset="0"/>
+                          <a:cs typeface="Times New Roman" panose="02020603050405020304" pitchFamily="18" charset="0"/>
+                        </a:rPr>
+                        <m:t>𝐡𝐨𝐧𝐞𝐬𝐭</m:t>
+                      </m:r>
+                      <m:r>
+                        <a:rPr lang="en-US" altLang="zh-CN" sz="1400" b="1" i="0" smtClean="0">
+                          <a:solidFill>
+                            <a:schemeClr val="tx1"/>
+                          </a:solidFill>
+                          <a:latin typeface="Cambria Math" panose="02040503050406030204" pitchFamily="18" charset="0"/>
+                          <a:cs typeface="Times New Roman" panose="02020603050405020304" pitchFamily="18" charset="0"/>
+                        </a:rPr>
+                        <m:t> </m:t>
+                      </m:r>
+                      <m:r>
+                        <a:rPr lang="en-US" altLang="zh-CN" sz="1400" b="1" i="0" smtClean="0">
+                          <a:solidFill>
+                            <a:schemeClr val="tx1"/>
+                          </a:solidFill>
+                          <a:latin typeface="Cambria Math" panose="02040503050406030204" pitchFamily="18" charset="0"/>
+                          <a:cs typeface="Times New Roman" panose="02020603050405020304" pitchFamily="18" charset="0"/>
+                        </a:rPr>
+                        <m:t>𝐭𝐫𝐚𝐧𝐬𝐚𝐜𝐭𝐢𝐨𝐧</m:t>
+                      </m:r>
+                    </m:oMath>
+                  </m:oMathPara>
+                </a14:m>
+                <a:endParaRPr lang="zh-CN" altLang="en-US" sz="1400" b="1" dirty="0">
                   <a:solidFill>
                     <a:schemeClr val="tx1"/>
                   </a:solidFill>
@@ -12177,7 +12325,7 @@
               <a:blipFill>
                 <a:blip r:embed="rId17"/>
                 <a:stretch>
-                  <a:fillRect t="-8197" b="-24590"/>
+                  <a:fillRect t="-4918" b="-27869"/>
                 </a:stretch>
               </a:blipFill>
               <a:ln>

--- a/DAG-Based Blockchain in Wireless Network/pics/Figures.pptx
+++ b/DAG-Based Blockchain in Wireless Network/pics/Figures.pptx
@@ -261,7 +261,7 @@
           <a:p>
             <a:fld id="{1631C2A1-E7D6-4A3E-A218-67FBB258D4DC}" type="datetimeFigureOut">
               <a:rPr lang="zh-CN" altLang="en-US" smtClean="0"/>
-              <a:t>2021/12/10</a:t>
+              <a:t>2021/12/15</a:t>
             </a:fld>
             <a:endParaRPr lang="zh-CN" altLang="en-US"/>
           </a:p>
@@ -459,7 +459,7 @@
           <a:p>
             <a:fld id="{1631C2A1-E7D6-4A3E-A218-67FBB258D4DC}" type="datetimeFigureOut">
               <a:rPr lang="zh-CN" altLang="en-US" smtClean="0"/>
-              <a:t>2021/12/10</a:t>
+              <a:t>2021/12/15</a:t>
             </a:fld>
             <a:endParaRPr lang="zh-CN" altLang="en-US"/>
           </a:p>
@@ -667,7 +667,7 @@
           <a:p>
             <a:fld id="{1631C2A1-E7D6-4A3E-A218-67FBB258D4DC}" type="datetimeFigureOut">
               <a:rPr lang="zh-CN" altLang="en-US" smtClean="0"/>
-              <a:t>2021/12/10</a:t>
+              <a:t>2021/12/15</a:t>
             </a:fld>
             <a:endParaRPr lang="zh-CN" altLang="en-US"/>
           </a:p>
@@ -865,7 +865,7 @@
           <a:p>
             <a:fld id="{1631C2A1-E7D6-4A3E-A218-67FBB258D4DC}" type="datetimeFigureOut">
               <a:rPr lang="zh-CN" altLang="en-US" smtClean="0"/>
-              <a:t>2021/12/10</a:t>
+              <a:t>2021/12/15</a:t>
             </a:fld>
             <a:endParaRPr lang="zh-CN" altLang="en-US"/>
           </a:p>
@@ -1140,7 +1140,7 @@
           <a:p>
             <a:fld id="{1631C2A1-E7D6-4A3E-A218-67FBB258D4DC}" type="datetimeFigureOut">
               <a:rPr lang="zh-CN" altLang="en-US" smtClean="0"/>
-              <a:t>2021/12/10</a:t>
+              <a:t>2021/12/15</a:t>
             </a:fld>
             <a:endParaRPr lang="zh-CN" altLang="en-US"/>
           </a:p>
@@ -1405,7 +1405,7 @@
           <a:p>
             <a:fld id="{1631C2A1-E7D6-4A3E-A218-67FBB258D4DC}" type="datetimeFigureOut">
               <a:rPr lang="zh-CN" altLang="en-US" smtClean="0"/>
-              <a:t>2021/12/10</a:t>
+              <a:t>2021/12/15</a:t>
             </a:fld>
             <a:endParaRPr lang="zh-CN" altLang="en-US"/>
           </a:p>
@@ -1817,7 +1817,7 @@
           <a:p>
             <a:fld id="{1631C2A1-E7D6-4A3E-A218-67FBB258D4DC}" type="datetimeFigureOut">
               <a:rPr lang="zh-CN" altLang="en-US" smtClean="0"/>
-              <a:t>2021/12/10</a:t>
+              <a:t>2021/12/15</a:t>
             </a:fld>
             <a:endParaRPr lang="zh-CN" altLang="en-US"/>
           </a:p>
@@ -1958,7 +1958,7 @@
           <a:p>
             <a:fld id="{1631C2A1-E7D6-4A3E-A218-67FBB258D4DC}" type="datetimeFigureOut">
               <a:rPr lang="zh-CN" altLang="en-US" smtClean="0"/>
-              <a:t>2021/12/10</a:t>
+              <a:t>2021/12/15</a:t>
             </a:fld>
             <a:endParaRPr lang="zh-CN" altLang="en-US"/>
           </a:p>
@@ -2071,7 +2071,7 @@
           <a:p>
             <a:fld id="{1631C2A1-E7D6-4A3E-A218-67FBB258D4DC}" type="datetimeFigureOut">
               <a:rPr lang="zh-CN" altLang="en-US" smtClean="0"/>
-              <a:t>2021/12/10</a:t>
+              <a:t>2021/12/15</a:t>
             </a:fld>
             <a:endParaRPr lang="zh-CN" altLang="en-US"/>
           </a:p>
@@ -2382,7 +2382,7 @@
           <a:p>
             <a:fld id="{1631C2A1-E7D6-4A3E-A218-67FBB258D4DC}" type="datetimeFigureOut">
               <a:rPr lang="zh-CN" altLang="en-US" smtClean="0"/>
-              <a:t>2021/12/10</a:t>
+              <a:t>2021/12/15</a:t>
             </a:fld>
             <a:endParaRPr lang="zh-CN" altLang="en-US"/>
           </a:p>
@@ -2670,7 +2670,7 @@
           <a:p>
             <a:fld id="{1631C2A1-E7D6-4A3E-A218-67FBB258D4DC}" type="datetimeFigureOut">
               <a:rPr lang="zh-CN" altLang="en-US" smtClean="0"/>
-              <a:t>2021/12/10</a:t>
+              <a:t>2021/12/15</a:t>
             </a:fld>
             <a:endParaRPr lang="zh-CN" altLang="en-US"/>
           </a:p>
@@ -2911,7 +2911,7 @@
           <a:p>
             <a:fld id="{1631C2A1-E7D6-4A3E-A218-67FBB258D4DC}" type="datetimeFigureOut">
               <a:rPr lang="zh-CN" altLang="en-US" smtClean="0"/>
-              <a:t>2021/12/10</a:t>
+              <a:t>2021/12/15</a:t>
             </a:fld>
             <a:endParaRPr lang="zh-CN" altLang="en-US"/>
           </a:p>
@@ -5118,3280 +5118,12 @@
           <a:chExt cx="0" cy="0"/>
         </a:xfrm>
       </p:grpSpPr>
-      <p:sp>
-        <p:nvSpPr>
-          <p:cNvPr id="172" name="云形 171">
+      <p:grpSp>
+        <p:nvGrpSpPr>
+          <p:cNvPr id="7" name="组合 6">
             <a:extLst>
               <a:ext uri="{FF2B5EF4-FFF2-40B4-BE49-F238E27FC236}">
-                <a16:creationId xmlns:a16="http://schemas.microsoft.com/office/drawing/2014/main" id="{CDAD3637-9E3D-4D10-A173-2651AA7857F4}"/>
-              </a:ext>
-            </a:extLst>
-          </p:cNvPr>
-          <p:cNvSpPr/>
-          <p:nvPr/>
-        </p:nvSpPr>
-        <p:spPr>
-          <a:xfrm>
-            <a:off x="4940406" y="480294"/>
-            <a:ext cx="4645809" cy="1871376"/>
-          </a:xfrm>
-          <a:prstGeom prst="cloud">
-            <a:avLst/>
-          </a:prstGeom>
-        </p:spPr>
-        <p:style>
-          <a:lnRef idx="1">
-            <a:schemeClr val="accent6"/>
-          </a:lnRef>
-          <a:fillRef idx="2">
-            <a:schemeClr val="accent6"/>
-          </a:fillRef>
-          <a:effectRef idx="1">
-            <a:schemeClr val="accent6"/>
-          </a:effectRef>
-          <a:fontRef idx="minor">
-            <a:schemeClr val="dk1"/>
-          </a:fontRef>
-        </p:style>
-        <p:txBody>
-          <a:bodyPr rtlCol="0" anchor="ctr"/>
-          <a:lstStyle/>
-          <a:p>
-            <a:pPr algn="ctr"/>
-            <a:endParaRPr lang="zh-CN" altLang="en-US"/>
-          </a:p>
-        </p:txBody>
-      </p:sp>
-      <p:sp>
-        <p:nvSpPr>
-          <p:cNvPr id="171" name="云形 170">
-            <a:extLst>
-              <a:ext uri="{FF2B5EF4-FFF2-40B4-BE49-F238E27FC236}">
-                <a16:creationId xmlns:a16="http://schemas.microsoft.com/office/drawing/2014/main" id="{B013D269-E267-44D1-989F-5B943FE17B8C}"/>
-              </a:ext>
-            </a:extLst>
-          </p:cNvPr>
-          <p:cNvSpPr/>
-          <p:nvPr/>
-        </p:nvSpPr>
-        <p:spPr>
-          <a:xfrm rot="448691">
-            <a:off x="4720477" y="2454450"/>
-            <a:ext cx="4226669" cy="1590968"/>
-          </a:xfrm>
-          <a:prstGeom prst="cloud">
-            <a:avLst/>
-          </a:prstGeom>
-        </p:spPr>
-        <p:style>
-          <a:lnRef idx="1">
-            <a:schemeClr val="accent3"/>
-          </a:lnRef>
-          <a:fillRef idx="2">
-            <a:schemeClr val="accent3"/>
-          </a:fillRef>
-          <a:effectRef idx="1">
-            <a:schemeClr val="accent3"/>
-          </a:effectRef>
-          <a:fontRef idx="minor">
-            <a:schemeClr val="dk1"/>
-          </a:fontRef>
-        </p:style>
-        <p:txBody>
-          <a:bodyPr rtlCol="0" anchor="ctr"/>
-          <a:lstStyle/>
-          <a:p>
-            <a:pPr algn="ctr"/>
-            <a:endParaRPr lang="zh-CN" altLang="en-US"/>
-          </a:p>
-        </p:txBody>
-      </p:sp>
-      <p:sp>
-        <p:nvSpPr>
-          <p:cNvPr id="2" name="矩形 1">
-            <a:extLst>
-              <a:ext uri="{FF2B5EF4-FFF2-40B4-BE49-F238E27FC236}">
-                <a16:creationId xmlns:a16="http://schemas.microsoft.com/office/drawing/2014/main" id="{AAD80EDA-6707-4ECA-8EBA-9A7E64A30C78}"/>
-              </a:ext>
-            </a:extLst>
-          </p:cNvPr>
-          <p:cNvSpPr/>
-          <p:nvPr/>
-        </p:nvSpPr>
-        <p:spPr>
-          <a:xfrm>
-            <a:off x="1034473" y="2068945"/>
-            <a:ext cx="277091" cy="221673"/>
-          </a:xfrm>
-          <a:prstGeom prst="rect">
-            <a:avLst/>
-          </a:prstGeom>
-        </p:spPr>
-        <p:style>
-          <a:lnRef idx="1">
-            <a:schemeClr val="accent1"/>
-          </a:lnRef>
-          <a:fillRef idx="2">
-            <a:schemeClr val="accent1"/>
-          </a:fillRef>
-          <a:effectRef idx="1">
-            <a:schemeClr val="accent1"/>
-          </a:effectRef>
-          <a:fontRef idx="minor">
-            <a:schemeClr val="dk1"/>
-          </a:fontRef>
-        </p:style>
-        <p:txBody>
-          <a:bodyPr rtlCol="0" anchor="ctr"/>
-          <a:lstStyle/>
-          <a:p>
-            <a:pPr algn="ctr"/>
-            <a:r>
-              <a:rPr lang="en-US" altLang="zh-CN" sz="1400" dirty="0">
-                <a:latin typeface="Times New Roman" panose="02020603050405020304" pitchFamily="18" charset="0"/>
-                <a:cs typeface="Times New Roman" panose="02020603050405020304" pitchFamily="18" charset="0"/>
-              </a:rPr>
-              <a:t>H</a:t>
-            </a:r>
-            <a:endParaRPr lang="zh-CN" altLang="en-US" sz="1400" dirty="0">
-              <a:latin typeface="Times New Roman" panose="02020603050405020304" pitchFamily="18" charset="0"/>
-              <a:cs typeface="Times New Roman" panose="02020603050405020304" pitchFamily="18" charset="0"/>
-            </a:endParaRPr>
-          </a:p>
-        </p:txBody>
-      </p:sp>
-      <p:sp>
-        <p:nvSpPr>
-          <p:cNvPr id="3" name="矩形 2">
-            <a:extLst>
-              <a:ext uri="{FF2B5EF4-FFF2-40B4-BE49-F238E27FC236}">
-                <a16:creationId xmlns:a16="http://schemas.microsoft.com/office/drawing/2014/main" id="{A00FA477-FB4D-4128-9794-DFBCD535984F}"/>
-              </a:ext>
-            </a:extLst>
-          </p:cNvPr>
-          <p:cNvSpPr/>
-          <p:nvPr/>
-        </p:nvSpPr>
-        <p:spPr>
-          <a:xfrm>
-            <a:off x="1390073" y="2590800"/>
-            <a:ext cx="277091" cy="221673"/>
-          </a:xfrm>
-          <a:prstGeom prst="rect">
-            <a:avLst/>
-          </a:prstGeom>
-        </p:spPr>
-        <p:style>
-          <a:lnRef idx="1">
-            <a:schemeClr val="accent1"/>
-          </a:lnRef>
-          <a:fillRef idx="2">
-            <a:schemeClr val="accent1"/>
-          </a:fillRef>
-          <a:effectRef idx="1">
-            <a:schemeClr val="accent1"/>
-          </a:effectRef>
-          <a:fontRef idx="minor">
-            <a:schemeClr val="dk1"/>
-          </a:fontRef>
-        </p:style>
-        <p:txBody>
-          <a:bodyPr rtlCol="0" anchor="ctr"/>
-          <a:lstStyle/>
-          <a:p>
-            <a:pPr algn="ctr"/>
-            <a:r>
-              <a:rPr lang="en-US" altLang="zh-CN" sz="1400" dirty="0">
-                <a:latin typeface="Times New Roman" panose="02020603050405020304" pitchFamily="18" charset="0"/>
-                <a:cs typeface="Times New Roman" panose="02020603050405020304" pitchFamily="18" charset="0"/>
-              </a:rPr>
-              <a:t>H</a:t>
-            </a:r>
-            <a:endParaRPr lang="zh-CN" altLang="en-US" sz="1400" dirty="0">
-              <a:latin typeface="Times New Roman" panose="02020603050405020304" pitchFamily="18" charset="0"/>
-              <a:cs typeface="Times New Roman" panose="02020603050405020304" pitchFamily="18" charset="0"/>
-            </a:endParaRPr>
-          </a:p>
-        </p:txBody>
-      </p:sp>
-      <p:sp>
-        <p:nvSpPr>
-          <p:cNvPr id="4" name="矩形 3">
-            <a:extLst>
-              <a:ext uri="{FF2B5EF4-FFF2-40B4-BE49-F238E27FC236}">
-                <a16:creationId xmlns:a16="http://schemas.microsoft.com/office/drawing/2014/main" id="{0113013D-FBF9-461F-BB10-43C8A1E2F478}"/>
-              </a:ext>
-            </a:extLst>
-          </p:cNvPr>
-          <p:cNvSpPr/>
-          <p:nvPr/>
-        </p:nvSpPr>
-        <p:spPr>
-          <a:xfrm>
-            <a:off x="2789383" y="1671780"/>
-            <a:ext cx="277091" cy="221673"/>
-          </a:xfrm>
-          <a:prstGeom prst="rect">
-            <a:avLst/>
-          </a:prstGeom>
-        </p:spPr>
-        <p:style>
-          <a:lnRef idx="1">
-            <a:schemeClr val="accent1"/>
-          </a:lnRef>
-          <a:fillRef idx="2">
-            <a:schemeClr val="accent1"/>
-          </a:fillRef>
-          <a:effectRef idx="1">
-            <a:schemeClr val="accent1"/>
-          </a:effectRef>
-          <a:fontRef idx="minor">
-            <a:schemeClr val="dk1"/>
-          </a:fontRef>
-        </p:style>
-        <p:txBody>
-          <a:bodyPr rtlCol="0" anchor="ctr"/>
-          <a:lstStyle/>
-          <a:p>
-            <a:pPr algn="ctr"/>
-            <a:r>
-              <a:rPr lang="en-US" altLang="zh-CN" sz="1400" dirty="0">
-                <a:latin typeface="Times New Roman" panose="02020603050405020304" pitchFamily="18" charset="0"/>
-                <a:cs typeface="Times New Roman" panose="02020603050405020304" pitchFamily="18" charset="0"/>
-              </a:rPr>
-              <a:t>H</a:t>
-            </a:r>
-            <a:endParaRPr lang="zh-CN" altLang="en-US" sz="1400" dirty="0">
-              <a:latin typeface="Times New Roman" panose="02020603050405020304" pitchFamily="18" charset="0"/>
-              <a:cs typeface="Times New Roman" panose="02020603050405020304" pitchFamily="18" charset="0"/>
-            </a:endParaRPr>
-          </a:p>
-        </p:txBody>
-      </p:sp>
-      <p:sp>
-        <p:nvSpPr>
-          <p:cNvPr id="5" name="矩形 4">
-            <a:extLst>
-              <a:ext uri="{FF2B5EF4-FFF2-40B4-BE49-F238E27FC236}">
-                <a16:creationId xmlns:a16="http://schemas.microsoft.com/office/drawing/2014/main" id="{A612DAC0-42E4-4A29-B419-48EF88AFCB5D}"/>
-              </a:ext>
-            </a:extLst>
-          </p:cNvPr>
-          <p:cNvSpPr/>
-          <p:nvPr/>
-        </p:nvSpPr>
-        <p:spPr>
-          <a:xfrm>
-            <a:off x="2230582" y="2812473"/>
-            <a:ext cx="277091" cy="221673"/>
-          </a:xfrm>
-          <a:prstGeom prst="rect">
-            <a:avLst/>
-          </a:prstGeom>
-        </p:spPr>
-        <p:style>
-          <a:lnRef idx="1">
-            <a:schemeClr val="accent1"/>
-          </a:lnRef>
-          <a:fillRef idx="2">
-            <a:schemeClr val="accent1"/>
-          </a:fillRef>
-          <a:effectRef idx="1">
-            <a:schemeClr val="accent1"/>
-          </a:effectRef>
-          <a:fontRef idx="minor">
-            <a:schemeClr val="dk1"/>
-          </a:fontRef>
-        </p:style>
-        <p:txBody>
-          <a:bodyPr rtlCol="0" anchor="ctr"/>
-          <a:lstStyle/>
-          <a:p>
-            <a:pPr algn="ctr"/>
-            <a:r>
-              <a:rPr lang="en-US" altLang="zh-CN" sz="1400" dirty="0">
-                <a:latin typeface="Times New Roman" panose="02020603050405020304" pitchFamily="18" charset="0"/>
-                <a:cs typeface="Times New Roman" panose="02020603050405020304" pitchFamily="18" charset="0"/>
-              </a:rPr>
-              <a:t>H</a:t>
-            </a:r>
-            <a:endParaRPr lang="zh-CN" altLang="en-US" sz="1400" dirty="0">
-              <a:latin typeface="Times New Roman" panose="02020603050405020304" pitchFamily="18" charset="0"/>
-              <a:cs typeface="Times New Roman" panose="02020603050405020304" pitchFamily="18" charset="0"/>
-            </a:endParaRPr>
-          </a:p>
-        </p:txBody>
-      </p:sp>
-      <p:sp>
-        <p:nvSpPr>
-          <p:cNvPr id="6" name="矩形 5">
-            <a:extLst>
-              <a:ext uri="{FF2B5EF4-FFF2-40B4-BE49-F238E27FC236}">
-                <a16:creationId xmlns:a16="http://schemas.microsoft.com/office/drawing/2014/main" id="{5CCBF17A-1233-4871-BCF1-FA2CB8FA57AB}"/>
-              </a:ext>
-            </a:extLst>
-          </p:cNvPr>
-          <p:cNvSpPr/>
-          <p:nvPr/>
-        </p:nvSpPr>
-        <p:spPr>
-          <a:xfrm>
-            <a:off x="1810328" y="1671781"/>
-            <a:ext cx="277091" cy="221673"/>
-          </a:xfrm>
-          <a:prstGeom prst="rect">
-            <a:avLst/>
-          </a:prstGeom>
-        </p:spPr>
-        <p:style>
-          <a:lnRef idx="1">
-            <a:schemeClr val="accent1"/>
-          </a:lnRef>
-          <a:fillRef idx="2">
-            <a:schemeClr val="accent1"/>
-          </a:fillRef>
-          <a:effectRef idx="1">
-            <a:schemeClr val="accent1"/>
-          </a:effectRef>
-          <a:fontRef idx="minor">
-            <a:schemeClr val="dk1"/>
-          </a:fontRef>
-        </p:style>
-        <p:txBody>
-          <a:bodyPr rtlCol="0" anchor="ctr"/>
-          <a:lstStyle/>
-          <a:p>
-            <a:pPr algn="ctr"/>
-            <a:r>
-              <a:rPr lang="en-US" altLang="zh-CN" sz="1400" dirty="0">
-                <a:latin typeface="Times New Roman" panose="02020603050405020304" pitchFamily="18" charset="0"/>
-                <a:cs typeface="Times New Roman" panose="02020603050405020304" pitchFamily="18" charset="0"/>
-              </a:rPr>
-              <a:t>H</a:t>
-            </a:r>
-            <a:endParaRPr lang="zh-CN" altLang="en-US" sz="1400" dirty="0">
-              <a:latin typeface="Times New Roman" panose="02020603050405020304" pitchFamily="18" charset="0"/>
-              <a:cs typeface="Times New Roman" panose="02020603050405020304" pitchFamily="18" charset="0"/>
-            </a:endParaRPr>
-          </a:p>
-        </p:txBody>
-      </p:sp>
-      <p:cxnSp>
-        <p:nvCxnSpPr>
-          <p:cNvPr id="8" name="直接箭头连接符 7">
-            <a:extLst>
-              <a:ext uri="{FF2B5EF4-FFF2-40B4-BE49-F238E27FC236}">
-                <a16:creationId xmlns:a16="http://schemas.microsoft.com/office/drawing/2014/main" id="{EB8A32DC-1295-4257-BD14-18F6CFA91B54}"/>
-              </a:ext>
-            </a:extLst>
-          </p:cNvPr>
-          <p:cNvCxnSpPr>
-            <a:stCxn id="6" idx="1"/>
-            <a:endCxn id="2" idx="0"/>
-          </p:cNvCxnSpPr>
-          <p:nvPr/>
-        </p:nvCxnSpPr>
-        <p:spPr>
-          <a:xfrm flipH="1">
-            <a:off x="1173019" y="1782618"/>
-            <a:ext cx="637309" cy="286327"/>
-          </a:xfrm>
-          <a:prstGeom prst="straightConnector1">
-            <a:avLst/>
-          </a:prstGeom>
-          <a:ln w="19050">
-            <a:tailEnd type="triangle"/>
-          </a:ln>
-        </p:spPr>
-        <p:style>
-          <a:lnRef idx="1">
-            <a:schemeClr val="dk1"/>
-          </a:lnRef>
-          <a:fillRef idx="0">
-            <a:schemeClr val="dk1"/>
-          </a:fillRef>
-          <a:effectRef idx="0">
-            <a:schemeClr val="dk1"/>
-          </a:effectRef>
-          <a:fontRef idx="minor">
-            <a:schemeClr val="tx1"/>
-          </a:fontRef>
-        </p:style>
-      </p:cxnSp>
-      <p:cxnSp>
-        <p:nvCxnSpPr>
-          <p:cNvPr id="10" name="直接箭头连接符 9">
-            <a:extLst>
-              <a:ext uri="{FF2B5EF4-FFF2-40B4-BE49-F238E27FC236}">
-                <a16:creationId xmlns:a16="http://schemas.microsoft.com/office/drawing/2014/main" id="{B3FE5F72-89ED-49FD-82D1-CF53B9EECF66}"/>
-              </a:ext>
-            </a:extLst>
-          </p:cNvPr>
-          <p:cNvCxnSpPr>
-            <a:stCxn id="3" idx="0"/>
-            <a:endCxn id="2" idx="2"/>
-          </p:cNvCxnSpPr>
-          <p:nvPr/>
-        </p:nvCxnSpPr>
-        <p:spPr>
-          <a:xfrm flipH="1" flipV="1">
-            <a:off x="1173019" y="2290618"/>
-            <a:ext cx="355600" cy="300182"/>
-          </a:xfrm>
-          <a:prstGeom prst="straightConnector1">
-            <a:avLst/>
-          </a:prstGeom>
-          <a:ln w="19050">
-            <a:tailEnd type="triangle"/>
-          </a:ln>
-        </p:spPr>
-        <p:style>
-          <a:lnRef idx="1">
-            <a:schemeClr val="dk1"/>
-          </a:lnRef>
-          <a:fillRef idx="0">
-            <a:schemeClr val="dk1"/>
-          </a:fillRef>
-          <a:effectRef idx="0">
-            <a:schemeClr val="dk1"/>
-          </a:effectRef>
-          <a:fontRef idx="minor">
-            <a:schemeClr val="tx1"/>
-          </a:fontRef>
-        </p:style>
-      </p:cxnSp>
-      <p:cxnSp>
-        <p:nvCxnSpPr>
-          <p:cNvPr id="11" name="直接箭头连接符 10">
-            <a:extLst>
-              <a:ext uri="{FF2B5EF4-FFF2-40B4-BE49-F238E27FC236}">
-                <a16:creationId xmlns:a16="http://schemas.microsoft.com/office/drawing/2014/main" id="{9DBF6852-6DD0-4DE6-A8B8-F21B5A73F534}"/>
-              </a:ext>
-            </a:extLst>
-          </p:cNvPr>
-          <p:cNvCxnSpPr>
-            <a:cxnSpLocks/>
-            <a:stCxn id="6" idx="2"/>
-            <a:endCxn id="3" idx="0"/>
-          </p:cNvCxnSpPr>
-          <p:nvPr/>
-        </p:nvCxnSpPr>
-        <p:spPr>
-          <a:xfrm flipH="1">
-            <a:off x="1528619" y="1893454"/>
-            <a:ext cx="420255" cy="697346"/>
-          </a:xfrm>
-          <a:prstGeom prst="straightConnector1">
-            <a:avLst/>
-          </a:prstGeom>
-          <a:ln w="19050">
-            <a:tailEnd type="triangle"/>
-          </a:ln>
-        </p:spPr>
-        <p:style>
-          <a:lnRef idx="1">
-            <a:schemeClr val="dk1"/>
-          </a:lnRef>
-          <a:fillRef idx="0">
-            <a:schemeClr val="dk1"/>
-          </a:fillRef>
-          <a:effectRef idx="0">
-            <a:schemeClr val="dk1"/>
-          </a:effectRef>
-          <a:fontRef idx="minor">
-            <a:schemeClr val="tx1"/>
-          </a:fontRef>
-        </p:style>
-      </p:cxnSp>
-      <p:cxnSp>
-        <p:nvCxnSpPr>
-          <p:cNvPr id="18" name="直接箭头连接符 17">
-            <a:extLst>
-              <a:ext uri="{FF2B5EF4-FFF2-40B4-BE49-F238E27FC236}">
-                <a16:creationId xmlns:a16="http://schemas.microsoft.com/office/drawing/2014/main" id="{66CA6588-715B-40AE-AF73-1506E8DFC45F}"/>
-              </a:ext>
-            </a:extLst>
-          </p:cNvPr>
-          <p:cNvCxnSpPr>
-            <a:stCxn id="5" idx="0"/>
-            <a:endCxn id="6" idx="2"/>
-          </p:cNvCxnSpPr>
-          <p:nvPr/>
-        </p:nvCxnSpPr>
-        <p:spPr>
-          <a:xfrm flipH="1" flipV="1">
-            <a:off x="1948874" y="1893454"/>
-            <a:ext cx="420254" cy="919019"/>
-          </a:xfrm>
-          <a:prstGeom prst="straightConnector1">
-            <a:avLst/>
-          </a:prstGeom>
-          <a:ln w="19050">
-            <a:tailEnd type="triangle"/>
-          </a:ln>
-        </p:spPr>
-        <p:style>
-          <a:lnRef idx="1">
-            <a:schemeClr val="dk1"/>
-          </a:lnRef>
-          <a:fillRef idx="0">
-            <a:schemeClr val="dk1"/>
-          </a:fillRef>
-          <a:effectRef idx="0">
-            <a:schemeClr val="dk1"/>
-          </a:effectRef>
-          <a:fontRef idx="minor">
-            <a:schemeClr val="tx1"/>
-          </a:fontRef>
-        </p:style>
-      </p:cxnSp>
-      <p:cxnSp>
-        <p:nvCxnSpPr>
-          <p:cNvPr id="20" name="直接箭头连接符 19">
-            <a:extLst>
-              <a:ext uri="{FF2B5EF4-FFF2-40B4-BE49-F238E27FC236}">
-                <a16:creationId xmlns:a16="http://schemas.microsoft.com/office/drawing/2014/main" id="{926E90E1-3744-46D1-B840-9C63A3E173F0}"/>
-              </a:ext>
-            </a:extLst>
-          </p:cNvPr>
-          <p:cNvCxnSpPr>
-            <a:stCxn id="5" idx="1"/>
-            <a:endCxn id="3" idx="3"/>
-          </p:cNvCxnSpPr>
-          <p:nvPr/>
-        </p:nvCxnSpPr>
-        <p:spPr>
-          <a:xfrm flipH="1" flipV="1">
-            <a:off x="1667164" y="2701637"/>
-            <a:ext cx="563418" cy="221673"/>
-          </a:xfrm>
-          <a:prstGeom prst="straightConnector1">
-            <a:avLst/>
-          </a:prstGeom>
-          <a:ln w="19050">
-            <a:tailEnd type="triangle"/>
-          </a:ln>
-        </p:spPr>
-        <p:style>
-          <a:lnRef idx="1">
-            <a:schemeClr val="dk1"/>
-          </a:lnRef>
-          <a:fillRef idx="0">
-            <a:schemeClr val="dk1"/>
-          </a:fillRef>
-          <a:effectRef idx="0">
-            <a:schemeClr val="dk1"/>
-          </a:effectRef>
-          <a:fontRef idx="minor">
-            <a:schemeClr val="tx1"/>
-          </a:fontRef>
-        </p:style>
-      </p:cxnSp>
-      <p:cxnSp>
-        <p:nvCxnSpPr>
-          <p:cNvPr id="22" name="直接箭头连接符 21">
-            <a:extLst>
-              <a:ext uri="{FF2B5EF4-FFF2-40B4-BE49-F238E27FC236}">
-                <a16:creationId xmlns:a16="http://schemas.microsoft.com/office/drawing/2014/main" id="{58AADDFD-769F-4126-A5A4-D9E2E831132E}"/>
-              </a:ext>
-            </a:extLst>
-          </p:cNvPr>
-          <p:cNvCxnSpPr>
-            <a:stCxn id="4" idx="1"/>
-            <a:endCxn id="6" idx="3"/>
-          </p:cNvCxnSpPr>
-          <p:nvPr/>
-        </p:nvCxnSpPr>
-        <p:spPr>
-          <a:xfrm flipH="1">
-            <a:off x="2087419" y="1782617"/>
-            <a:ext cx="701964" cy="1"/>
-          </a:xfrm>
-          <a:prstGeom prst="straightConnector1">
-            <a:avLst/>
-          </a:prstGeom>
-          <a:ln w="19050">
-            <a:tailEnd type="triangle"/>
-          </a:ln>
-        </p:spPr>
-        <p:style>
-          <a:lnRef idx="1">
-            <a:schemeClr val="dk1"/>
-          </a:lnRef>
-          <a:fillRef idx="0">
-            <a:schemeClr val="dk1"/>
-          </a:fillRef>
-          <a:effectRef idx="0">
-            <a:schemeClr val="dk1"/>
-          </a:effectRef>
-          <a:fontRef idx="minor">
-            <a:schemeClr val="tx1"/>
-          </a:fontRef>
-        </p:style>
-      </p:cxnSp>
-      <p:cxnSp>
-        <p:nvCxnSpPr>
-          <p:cNvPr id="24" name="直接箭头连接符 23">
-            <a:extLst>
-              <a:ext uri="{FF2B5EF4-FFF2-40B4-BE49-F238E27FC236}">
-                <a16:creationId xmlns:a16="http://schemas.microsoft.com/office/drawing/2014/main" id="{E866AB82-1510-4295-B52B-132459FA3756}"/>
-              </a:ext>
-            </a:extLst>
-          </p:cNvPr>
-          <p:cNvCxnSpPr>
-            <a:stCxn id="4" idx="2"/>
-            <a:endCxn id="5" idx="0"/>
-          </p:cNvCxnSpPr>
-          <p:nvPr/>
-        </p:nvCxnSpPr>
-        <p:spPr>
-          <a:xfrm flipH="1">
-            <a:off x="2369128" y="1893453"/>
-            <a:ext cx="558801" cy="919020"/>
-          </a:xfrm>
-          <a:prstGeom prst="straightConnector1">
-            <a:avLst/>
-          </a:prstGeom>
-          <a:ln w="19050">
-            <a:tailEnd type="triangle"/>
-          </a:ln>
-        </p:spPr>
-        <p:style>
-          <a:lnRef idx="1">
-            <a:schemeClr val="dk1"/>
-          </a:lnRef>
-          <a:fillRef idx="0">
-            <a:schemeClr val="dk1"/>
-          </a:fillRef>
-          <a:effectRef idx="0">
-            <a:schemeClr val="dk1"/>
-          </a:effectRef>
-          <a:fontRef idx="minor">
-            <a:schemeClr val="tx1"/>
-          </a:fontRef>
-        </p:style>
-      </p:cxnSp>
-      <p:sp>
-        <p:nvSpPr>
-          <p:cNvPr id="25" name="矩形 24">
-            <a:extLst>
-              <a:ext uri="{FF2B5EF4-FFF2-40B4-BE49-F238E27FC236}">
-                <a16:creationId xmlns:a16="http://schemas.microsoft.com/office/drawing/2014/main" id="{CD81D343-859C-4890-8263-5717BC8C325D}"/>
-              </a:ext>
-            </a:extLst>
-          </p:cNvPr>
-          <p:cNvSpPr/>
-          <p:nvPr/>
-        </p:nvSpPr>
-        <p:spPr>
-          <a:xfrm>
-            <a:off x="3184240" y="3020292"/>
-            <a:ext cx="277091" cy="221673"/>
-          </a:xfrm>
-          <a:prstGeom prst="rect">
-            <a:avLst/>
-          </a:prstGeom>
-        </p:spPr>
-        <p:style>
-          <a:lnRef idx="1">
-            <a:schemeClr val="accent1"/>
-          </a:lnRef>
-          <a:fillRef idx="2">
-            <a:schemeClr val="accent1"/>
-          </a:fillRef>
-          <a:effectRef idx="1">
-            <a:schemeClr val="accent1"/>
-          </a:effectRef>
-          <a:fontRef idx="minor">
-            <a:schemeClr val="dk1"/>
-          </a:fontRef>
-        </p:style>
-        <p:txBody>
-          <a:bodyPr rtlCol="0" anchor="ctr"/>
-          <a:lstStyle/>
-          <a:p>
-            <a:pPr algn="ctr"/>
-            <a:r>
-              <a:rPr lang="en-US" altLang="zh-CN" sz="1400" dirty="0">
-                <a:latin typeface="Times New Roman" panose="02020603050405020304" pitchFamily="18" charset="0"/>
-                <a:cs typeface="Times New Roman" panose="02020603050405020304" pitchFamily="18" charset="0"/>
-              </a:rPr>
-              <a:t>H</a:t>
-            </a:r>
-            <a:endParaRPr lang="zh-CN" altLang="en-US" sz="1400" dirty="0">
-              <a:latin typeface="Times New Roman" panose="02020603050405020304" pitchFamily="18" charset="0"/>
-              <a:cs typeface="Times New Roman" panose="02020603050405020304" pitchFamily="18" charset="0"/>
-            </a:endParaRPr>
-          </a:p>
-        </p:txBody>
-      </p:sp>
-      <p:cxnSp>
-        <p:nvCxnSpPr>
-          <p:cNvPr id="26" name="直接箭头连接符 25">
-            <a:extLst>
-              <a:ext uri="{FF2B5EF4-FFF2-40B4-BE49-F238E27FC236}">
-                <a16:creationId xmlns:a16="http://schemas.microsoft.com/office/drawing/2014/main" id="{311A3312-1DFE-444B-A1C1-87D4008631E4}"/>
-              </a:ext>
-            </a:extLst>
-          </p:cNvPr>
-          <p:cNvCxnSpPr>
-            <a:cxnSpLocks/>
-            <a:stCxn id="25" idx="0"/>
-            <a:endCxn id="4" idx="2"/>
-          </p:cNvCxnSpPr>
-          <p:nvPr/>
-        </p:nvCxnSpPr>
-        <p:spPr>
-          <a:xfrm flipH="1" flipV="1">
-            <a:off x="2927929" y="1893453"/>
-            <a:ext cx="394857" cy="1126839"/>
-          </a:xfrm>
-          <a:prstGeom prst="straightConnector1">
-            <a:avLst/>
-          </a:prstGeom>
-          <a:ln w="19050">
-            <a:tailEnd type="triangle"/>
-          </a:ln>
-        </p:spPr>
-        <p:style>
-          <a:lnRef idx="1">
-            <a:schemeClr val="dk1"/>
-          </a:lnRef>
-          <a:fillRef idx="0">
-            <a:schemeClr val="dk1"/>
-          </a:fillRef>
-          <a:effectRef idx="0">
-            <a:schemeClr val="dk1"/>
-          </a:effectRef>
-          <a:fontRef idx="minor">
-            <a:schemeClr val="tx1"/>
-          </a:fontRef>
-        </p:style>
-      </p:cxnSp>
-      <p:cxnSp>
-        <p:nvCxnSpPr>
-          <p:cNvPr id="27" name="直接箭头连接符 26">
-            <a:extLst>
-              <a:ext uri="{FF2B5EF4-FFF2-40B4-BE49-F238E27FC236}">
-                <a16:creationId xmlns:a16="http://schemas.microsoft.com/office/drawing/2014/main" id="{AC90C36C-B6EC-49D8-9BC6-2284E6CA9975}"/>
-              </a:ext>
-            </a:extLst>
-          </p:cNvPr>
-          <p:cNvCxnSpPr>
-            <a:cxnSpLocks/>
-            <a:stCxn id="25" idx="1"/>
-            <a:endCxn id="5" idx="3"/>
-          </p:cNvCxnSpPr>
-          <p:nvPr/>
-        </p:nvCxnSpPr>
-        <p:spPr>
-          <a:xfrm flipH="1" flipV="1">
-            <a:off x="2507673" y="2923310"/>
-            <a:ext cx="676567" cy="207819"/>
-          </a:xfrm>
-          <a:prstGeom prst="straightConnector1">
-            <a:avLst/>
-          </a:prstGeom>
-          <a:ln w="19050">
-            <a:tailEnd type="triangle"/>
-          </a:ln>
-        </p:spPr>
-        <p:style>
-          <a:lnRef idx="1">
-            <a:schemeClr val="dk1"/>
-          </a:lnRef>
-          <a:fillRef idx="0">
-            <a:schemeClr val="dk1"/>
-          </a:fillRef>
-          <a:effectRef idx="0">
-            <a:schemeClr val="dk1"/>
-          </a:effectRef>
-          <a:fontRef idx="minor">
-            <a:schemeClr val="tx1"/>
-          </a:fontRef>
-        </p:style>
-      </p:cxnSp>
-      <p:sp>
-        <p:nvSpPr>
-          <p:cNvPr id="32" name="矩形 31">
-            <a:extLst>
-              <a:ext uri="{FF2B5EF4-FFF2-40B4-BE49-F238E27FC236}">
-                <a16:creationId xmlns:a16="http://schemas.microsoft.com/office/drawing/2014/main" id="{8366657D-5A49-498B-91E6-62B227F92F97}"/>
-              </a:ext>
-            </a:extLst>
-          </p:cNvPr>
-          <p:cNvSpPr/>
-          <p:nvPr/>
-        </p:nvSpPr>
-        <p:spPr>
-          <a:xfrm>
-            <a:off x="3768438" y="1671779"/>
-            <a:ext cx="277091" cy="221673"/>
-          </a:xfrm>
-          <a:prstGeom prst="rect">
-            <a:avLst/>
-          </a:prstGeom>
-        </p:spPr>
-        <p:style>
-          <a:lnRef idx="1">
-            <a:schemeClr val="accent6"/>
-          </a:lnRef>
-          <a:fillRef idx="2">
-            <a:schemeClr val="accent6"/>
-          </a:fillRef>
-          <a:effectRef idx="1">
-            <a:schemeClr val="accent6"/>
-          </a:effectRef>
-          <a:fontRef idx="minor">
-            <a:schemeClr val="dk1"/>
-          </a:fontRef>
-        </p:style>
-        <p:txBody>
-          <a:bodyPr rtlCol="0" anchor="ctr"/>
-          <a:lstStyle/>
-          <a:p>
-            <a:pPr algn="ctr"/>
-            <a:r>
-              <a:rPr lang="en-US" altLang="zh-CN" sz="1400" dirty="0">
-                <a:latin typeface="Times New Roman" panose="02020603050405020304" pitchFamily="18" charset="0"/>
-                <a:cs typeface="Times New Roman" panose="02020603050405020304" pitchFamily="18" charset="0"/>
-              </a:rPr>
-              <a:t>H</a:t>
-            </a:r>
-            <a:endParaRPr lang="zh-CN" altLang="en-US" sz="1400" dirty="0">
-              <a:latin typeface="Times New Roman" panose="02020603050405020304" pitchFamily="18" charset="0"/>
-              <a:cs typeface="Times New Roman" panose="02020603050405020304" pitchFamily="18" charset="0"/>
-            </a:endParaRPr>
-          </a:p>
-        </p:txBody>
-      </p:sp>
-      <p:cxnSp>
-        <p:nvCxnSpPr>
-          <p:cNvPr id="33" name="直接箭头连接符 32">
-            <a:extLst>
-              <a:ext uri="{FF2B5EF4-FFF2-40B4-BE49-F238E27FC236}">
-                <a16:creationId xmlns:a16="http://schemas.microsoft.com/office/drawing/2014/main" id="{8BE36E16-6C53-4B0D-BA70-ED2DE04976CB}"/>
-              </a:ext>
-            </a:extLst>
-          </p:cNvPr>
-          <p:cNvCxnSpPr>
-            <a:stCxn id="32" idx="1"/>
-          </p:cNvCxnSpPr>
-          <p:nvPr/>
-        </p:nvCxnSpPr>
-        <p:spPr>
-          <a:xfrm flipH="1">
-            <a:off x="3066474" y="1782616"/>
-            <a:ext cx="701964" cy="1"/>
-          </a:xfrm>
-          <a:prstGeom prst="straightConnector1">
-            <a:avLst/>
-          </a:prstGeom>
-          <a:ln w="19050">
-            <a:tailEnd type="triangle"/>
-          </a:ln>
-        </p:spPr>
-        <p:style>
-          <a:lnRef idx="1">
-            <a:schemeClr val="dk1"/>
-          </a:lnRef>
-          <a:fillRef idx="0">
-            <a:schemeClr val="dk1"/>
-          </a:fillRef>
-          <a:effectRef idx="0">
-            <a:schemeClr val="dk1"/>
-          </a:effectRef>
-          <a:fontRef idx="minor">
-            <a:schemeClr val="tx1"/>
-          </a:fontRef>
-        </p:style>
-      </p:cxnSp>
-      <p:cxnSp>
-        <p:nvCxnSpPr>
-          <p:cNvPr id="34" name="直接箭头连接符 33">
-            <a:extLst>
-              <a:ext uri="{FF2B5EF4-FFF2-40B4-BE49-F238E27FC236}">
-                <a16:creationId xmlns:a16="http://schemas.microsoft.com/office/drawing/2014/main" id="{18B972D5-FFBF-47F8-BAC9-DCFAE56CC81C}"/>
-              </a:ext>
-            </a:extLst>
-          </p:cNvPr>
-          <p:cNvCxnSpPr>
-            <a:cxnSpLocks/>
-            <a:stCxn id="32" idx="2"/>
-            <a:endCxn id="36" idx="0"/>
-          </p:cNvCxnSpPr>
-          <p:nvPr/>
-        </p:nvCxnSpPr>
-        <p:spPr>
-          <a:xfrm flipH="1">
-            <a:off x="3599877" y="1893452"/>
-            <a:ext cx="307107" cy="348674"/>
-          </a:xfrm>
-          <a:prstGeom prst="straightConnector1">
-            <a:avLst/>
-          </a:prstGeom>
-          <a:ln w="19050">
-            <a:tailEnd type="triangle"/>
-          </a:ln>
-        </p:spPr>
-        <p:style>
-          <a:lnRef idx="1">
-            <a:schemeClr val="dk1"/>
-          </a:lnRef>
-          <a:fillRef idx="0">
-            <a:schemeClr val="dk1"/>
-          </a:fillRef>
-          <a:effectRef idx="0">
-            <a:schemeClr val="dk1"/>
-          </a:effectRef>
-          <a:fontRef idx="minor">
-            <a:schemeClr val="tx1"/>
-          </a:fontRef>
-        </p:style>
-      </p:cxnSp>
-      <p:sp>
-        <p:nvSpPr>
-          <p:cNvPr id="36" name="矩形 35">
-            <a:extLst>
-              <a:ext uri="{FF2B5EF4-FFF2-40B4-BE49-F238E27FC236}">
-                <a16:creationId xmlns:a16="http://schemas.microsoft.com/office/drawing/2014/main" id="{A1CDBB8E-4027-418B-B7BA-5693E2ADF73D}"/>
-              </a:ext>
-            </a:extLst>
-          </p:cNvPr>
-          <p:cNvSpPr/>
-          <p:nvPr/>
-        </p:nvSpPr>
-        <p:spPr>
-          <a:xfrm>
-            <a:off x="3461331" y="2242126"/>
-            <a:ext cx="277091" cy="221673"/>
-          </a:xfrm>
-          <a:prstGeom prst="rect">
-            <a:avLst/>
-          </a:prstGeom>
-        </p:spPr>
-        <p:style>
-          <a:lnRef idx="1">
-            <a:schemeClr val="accent1"/>
-          </a:lnRef>
-          <a:fillRef idx="2">
-            <a:schemeClr val="accent1"/>
-          </a:fillRef>
-          <a:effectRef idx="1">
-            <a:schemeClr val="accent1"/>
-          </a:effectRef>
-          <a:fontRef idx="minor">
-            <a:schemeClr val="dk1"/>
-          </a:fontRef>
-        </p:style>
-        <p:txBody>
-          <a:bodyPr rtlCol="0" anchor="ctr"/>
-          <a:lstStyle/>
-          <a:p>
-            <a:pPr algn="ctr"/>
-            <a:r>
-              <a:rPr lang="en-US" altLang="zh-CN" sz="1400" dirty="0">
-                <a:latin typeface="Times New Roman" panose="02020603050405020304" pitchFamily="18" charset="0"/>
-                <a:cs typeface="Times New Roman" panose="02020603050405020304" pitchFamily="18" charset="0"/>
-              </a:rPr>
-              <a:t>H</a:t>
-            </a:r>
-            <a:endParaRPr lang="zh-CN" altLang="en-US" sz="1400" dirty="0">
-              <a:latin typeface="Times New Roman" panose="02020603050405020304" pitchFamily="18" charset="0"/>
-              <a:cs typeface="Times New Roman" panose="02020603050405020304" pitchFamily="18" charset="0"/>
-            </a:endParaRPr>
-          </a:p>
-        </p:txBody>
-      </p:sp>
-      <p:cxnSp>
-        <p:nvCxnSpPr>
-          <p:cNvPr id="38" name="直接箭头连接符 37">
-            <a:extLst>
-              <a:ext uri="{FF2B5EF4-FFF2-40B4-BE49-F238E27FC236}">
-                <a16:creationId xmlns:a16="http://schemas.microsoft.com/office/drawing/2014/main" id="{3F231456-5B84-4762-80D5-6C3EBE5D1EEB}"/>
-              </a:ext>
-            </a:extLst>
-          </p:cNvPr>
-          <p:cNvCxnSpPr>
-            <a:cxnSpLocks/>
-            <a:stCxn id="36" idx="1"/>
-            <a:endCxn id="4" idx="3"/>
-          </p:cNvCxnSpPr>
-          <p:nvPr/>
-        </p:nvCxnSpPr>
-        <p:spPr>
-          <a:xfrm flipH="1" flipV="1">
-            <a:off x="3066474" y="1782617"/>
-            <a:ext cx="394857" cy="570346"/>
-          </a:xfrm>
-          <a:prstGeom prst="straightConnector1">
-            <a:avLst/>
-          </a:prstGeom>
-          <a:ln w="19050">
-            <a:tailEnd type="triangle"/>
-          </a:ln>
-        </p:spPr>
-        <p:style>
-          <a:lnRef idx="1">
-            <a:schemeClr val="dk1"/>
-          </a:lnRef>
-          <a:fillRef idx="0">
-            <a:schemeClr val="dk1"/>
-          </a:fillRef>
-          <a:effectRef idx="0">
-            <a:schemeClr val="dk1"/>
-          </a:effectRef>
-          <a:fontRef idx="minor">
-            <a:schemeClr val="tx1"/>
-          </a:fontRef>
-        </p:style>
-      </p:cxnSp>
-      <p:cxnSp>
-        <p:nvCxnSpPr>
-          <p:cNvPr id="39" name="直接箭头连接符 38">
-            <a:extLst>
-              <a:ext uri="{FF2B5EF4-FFF2-40B4-BE49-F238E27FC236}">
-                <a16:creationId xmlns:a16="http://schemas.microsoft.com/office/drawing/2014/main" id="{FC09AB86-671B-40F5-A846-68EDC8460EBC}"/>
-              </a:ext>
-            </a:extLst>
-          </p:cNvPr>
-          <p:cNvCxnSpPr>
-            <a:cxnSpLocks/>
-            <a:stCxn id="36" idx="2"/>
-            <a:endCxn id="25" idx="0"/>
-          </p:cNvCxnSpPr>
-          <p:nvPr/>
-        </p:nvCxnSpPr>
-        <p:spPr>
-          <a:xfrm flipH="1">
-            <a:off x="3322786" y="2463799"/>
-            <a:ext cx="277091" cy="556493"/>
-          </a:xfrm>
-          <a:prstGeom prst="straightConnector1">
-            <a:avLst/>
-          </a:prstGeom>
-          <a:ln w="19050">
-            <a:tailEnd type="triangle"/>
-          </a:ln>
-        </p:spPr>
-        <p:style>
-          <a:lnRef idx="1">
-            <a:schemeClr val="dk1"/>
-          </a:lnRef>
-          <a:fillRef idx="0">
-            <a:schemeClr val="dk1"/>
-          </a:fillRef>
-          <a:effectRef idx="0">
-            <a:schemeClr val="dk1"/>
-          </a:effectRef>
-          <a:fontRef idx="minor">
-            <a:schemeClr val="tx1"/>
-          </a:fontRef>
-        </p:style>
-      </p:cxnSp>
-      <p:sp>
-        <p:nvSpPr>
-          <p:cNvPr id="51" name="矩形 50">
-            <a:extLst>
-              <a:ext uri="{FF2B5EF4-FFF2-40B4-BE49-F238E27FC236}">
-                <a16:creationId xmlns:a16="http://schemas.microsoft.com/office/drawing/2014/main" id="{73A49805-C4FA-4FDB-B431-271A1A6D89F3}"/>
-              </a:ext>
-            </a:extLst>
-          </p:cNvPr>
-          <p:cNvSpPr/>
-          <p:nvPr/>
-        </p:nvSpPr>
-        <p:spPr>
-          <a:xfrm>
-            <a:off x="4137901" y="2909455"/>
-            <a:ext cx="277091" cy="221673"/>
-          </a:xfrm>
-          <a:prstGeom prst="rect">
-            <a:avLst/>
-          </a:prstGeom>
-        </p:spPr>
-        <p:style>
-          <a:lnRef idx="1">
-            <a:schemeClr val="accent1"/>
-          </a:lnRef>
-          <a:fillRef idx="2">
-            <a:schemeClr val="accent1"/>
-          </a:fillRef>
-          <a:effectRef idx="1">
-            <a:schemeClr val="accent1"/>
-          </a:effectRef>
-          <a:fontRef idx="minor">
-            <a:schemeClr val="dk1"/>
-          </a:fontRef>
-        </p:style>
-        <p:txBody>
-          <a:bodyPr rtlCol="0" anchor="ctr"/>
-          <a:lstStyle/>
-          <a:p>
-            <a:pPr algn="ctr"/>
-            <a:r>
-              <a:rPr lang="en-US" altLang="zh-CN" sz="1400" dirty="0">
-                <a:latin typeface="Times New Roman" panose="02020603050405020304" pitchFamily="18" charset="0"/>
-                <a:cs typeface="Times New Roman" panose="02020603050405020304" pitchFamily="18" charset="0"/>
-              </a:rPr>
-              <a:t>H</a:t>
-            </a:r>
-            <a:endParaRPr lang="zh-CN" altLang="en-US" sz="1400" dirty="0">
-              <a:latin typeface="Times New Roman" panose="02020603050405020304" pitchFamily="18" charset="0"/>
-              <a:cs typeface="Times New Roman" panose="02020603050405020304" pitchFamily="18" charset="0"/>
-            </a:endParaRPr>
-          </a:p>
-        </p:txBody>
-      </p:sp>
-      <p:cxnSp>
-        <p:nvCxnSpPr>
-          <p:cNvPr id="52" name="直接箭头连接符 51">
-            <a:extLst>
-              <a:ext uri="{FF2B5EF4-FFF2-40B4-BE49-F238E27FC236}">
-                <a16:creationId xmlns:a16="http://schemas.microsoft.com/office/drawing/2014/main" id="{D9F7402D-891F-4268-8F6D-248A8FB1D6FC}"/>
-              </a:ext>
-            </a:extLst>
-          </p:cNvPr>
-          <p:cNvCxnSpPr>
-            <a:cxnSpLocks/>
-            <a:stCxn id="51" idx="1"/>
-            <a:endCxn id="36" idx="3"/>
-          </p:cNvCxnSpPr>
-          <p:nvPr/>
-        </p:nvCxnSpPr>
-        <p:spPr>
-          <a:xfrm flipH="1" flipV="1">
-            <a:off x="3738422" y="2352963"/>
-            <a:ext cx="399479" cy="667329"/>
-          </a:xfrm>
-          <a:prstGeom prst="straightConnector1">
-            <a:avLst/>
-          </a:prstGeom>
-          <a:ln w="19050">
-            <a:tailEnd type="triangle"/>
-          </a:ln>
-        </p:spPr>
-        <p:style>
-          <a:lnRef idx="1">
-            <a:schemeClr val="dk1"/>
-          </a:lnRef>
-          <a:fillRef idx="0">
-            <a:schemeClr val="dk1"/>
-          </a:fillRef>
-          <a:effectRef idx="0">
-            <a:schemeClr val="dk1"/>
-          </a:effectRef>
-          <a:fontRef idx="minor">
-            <a:schemeClr val="tx1"/>
-          </a:fontRef>
-        </p:style>
-      </p:cxnSp>
-      <p:cxnSp>
-        <p:nvCxnSpPr>
-          <p:cNvPr id="53" name="直接箭头连接符 52">
-            <a:extLst>
-              <a:ext uri="{FF2B5EF4-FFF2-40B4-BE49-F238E27FC236}">
-                <a16:creationId xmlns:a16="http://schemas.microsoft.com/office/drawing/2014/main" id="{F4AAB267-E333-4AB0-82E8-90516DB70821}"/>
-              </a:ext>
-            </a:extLst>
-          </p:cNvPr>
-          <p:cNvCxnSpPr>
-            <a:cxnSpLocks/>
-            <a:stCxn id="51" idx="1"/>
-            <a:endCxn id="25" idx="3"/>
-          </p:cNvCxnSpPr>
-          <p:nvPr/>
-        </p:nvCxnSpPr>
-        <p:spPr>
-          <a:xfrm flipH="1">
-            <a:off x="3461331" y="3020292"/>
-            <a:ext cx="676570" cy="110837"/>
-          </a:xfrm>
-          <a:prstGeom prst="straightConnector1">
-            <a:avLst/>
-          </a:prstGeom>
-          <a:ln w="19050">
-            <a:tailEnd type="triangle"/>
-          </a:ln>
-        </p:spPr>
-        <p:style>
-          <a:lnRef idx="1">
-            <a:schemeClr val="dk1"/>
-          </a:lnRef>
-          <a:fillRef idx="0">
-            <a:schemeClr val="dk1"/>
-          </a:fillRef>
-          <a:effectRef idx="0">
-            <a:schemeClr val="dk1"/>
-          </a:effectRef>
-          <a:fontRef idx="minor">
-            <a:schemeClr val="tx1"/>
-          </a:fontRef>
-        </p:style>
-      </p:cxnSp>
-      <p:sp>
-        <p:nvSpPr>
-          <p:cNvPr id="56" name="矩形 55">
-            <a:extLst>
-              <a:ext uri="{FF2B5EF4-FFF2-40B4-BE49-F238E27FC236}">
-                <a16:creationId xmlns:a16="http://schemas.microsoft.com/office/drawing/2014/main" id="{8A1B8017-E789-43C3-867D-59811FF89FB4}"/>
-              </a:ext>
-            </a:extLst>
-          </p:cNvPr>
-          <p:cNvSpPr/>
-          <p:nvPr/>
-        </p:nvSpPr>
-        <p:spPr>
-          <a:xfrm>
-            <a:off x="4263750" y="2182089"/>
-            <a:ext cx="277091" cy="221673"/>
-          </a:xfrm>
-          <a:prstGeom prst="rect">
-            <a:avLst/>
-          </a:prstGeom>
-        </p:spPr>
-        <p:style>
-          <a:lnRef idx="1">
-            <a:schemeClr val="accent1"/>
-          </a:lnRef>
-          <a:fillRef idx="2">
-            <a:schemeClr val="accent1"/>
-          </a:fillRef>
-          <a:effectRef idx="1">
-            <a:schemeClr val="accent1"/>
-          </a:effectRef>
-          <a:fontRef idx="minor">
-            <a:schemeClr val="dk1"/>
-          </a:fontRef>
-        </p:style>
-        <p:txBody>
-          <a:bodyPr rtlCol="0" anchor="ctr"/>
-          <a:lstStyle/>
-          <a:p>
-            <a:pPr algn="ctr"/>
-            <a:r>
-              <a:rPr lang="en-US" altLang="zh-CN" sz="1400" dirty="0">
-                <a:latin typeface="Times New Roman" panose="02020603050405020304" pitchFamily="18" charset="0"/>
-                <a:cs typeface="Times New Roman" panose="02020603050405020304" pitchFamily="18" charset="0"/>
-              </a:rPr>
-              <a:t>H</a:t>
-            </a:r>
-            <a:endParaRPr lang="zh-CN" altLang="en-US" sz="1400" dirty="0">
-              <a:latin typeface="Times New Roman" panose="02020603050405020304" pitchFamily="18" charset="0"/>
-              <a:cs typeface="Times New Roman" panose="02020603050405020304" pitchFamily="18" charset="0"/>
-            </a:endParaRPr>
-          </a:p>
-        </p:txBody>
-      </p:sp>
-      <p:cxnSp>
-        <p:nvCxnSpPr>
-          <p:cNvPr id="57" name="直接箭头连接符 56">
-            <a:extLst>
-              <a:ext uri="{FF2B5EF4-FFF2-40B4-BE49-F238E27FC236}">
-                <a16:creationId xmlns:a16="http://schemas.microsoft.com/office/drawing/2014/main" id="{7C274385-E411-4BDD-AD52-21C32258E411}"/>
-              </a:ext>
-            </a:extLst>
-          </p:cNvPr>
-          <p:cNvCxnSpPr>
-            <a:cxnSpLocks/>
-            <a:stCxn id="56" idx="1"/>
-            <a:endCxn id="4" idx="3"/>
-          </p:cNvCxnSpPr>
-          <p:nvPr/>
-        </p:nvCxnSpPr>
-        <p:spPr>
-          <a:xfrm flipH="1" flipV="1">
-            <a:off x="3066474" y="1782617"/>
-            <a:ext cx="1197276" cy="510309"/>
-          </a:xfrm>
-          <a:prstGeom prst="straightConnector1">
-            <a:avLst/>
-          </a:prstGeom>
-          <a:ln w="19050">
-            <a:tailEnd type="triangle"/>
-          </a:ln>
-        </p:spPr>
-        <p:style>
-          <a:lnRef idx="1">
-            <a:schemeClr val="dk1"/>
-          </a:lnRef>
-          <a:fillRef idx="0">
-            <a:schemeClr val="dk1"/>
-          </a:fillRef>
-          <a:effectRef idx="0">
-            <a:schemeClr val="dk1"/>
-          </a:effectRef>
-          <a:fontRef idx="minor">
-            <a:schemeClr val="tx1"/>
-          </a:fontRef>
-        </p:style>
-      </p:cxnSp>
-      <p:cxnSp>
-        <p:nvCxnSpPr>
-          <p:cNvPr id="58" name="直接箭头连接符 57">
-            <a:extLst>
-              <a:ext uri="{FF2B5EF4-FFF2-40B4-BE49-F238E27FC236}">
-                <a16:creationId xmlns:a16="http://schemas.microsoft.com/office/drawing/2014/main" id="{96C44EEC-272B-472B-AB9C-859E9FEB8C58}"/>
-              </a:ext>
-            </a:extLst>
-          </p:cNvPr>
-          <p:cNvCxnSpPr>
-            <a:cxnSpLocks/>
-            <a:stCxn id="56" idx="2"/>
-            <a:endCxn id="25" idx="3"/>
-          </p:cNvCxnSpPr>
-          <p:nvPr/>
-        </p:nvCxnSpPr>
-        <p:spPr>
-          <a:xfrm flipH="1">
-            <a:off x="3461331" y="2403762"/>
-            <a:ext cx="940965" cy="727367"/>
-          </a:xfrm>
-          <a:prstGeom prst="straightConnector1">
-            <a:avLst/>
-          </a:prstGeom>
-          <a:ln w="19050">
-            <a:tailEnd type="triangle"/>
-          </a:ln>
-        </p:spPr>
-        <p:style>
-          <a:lnRef idx="1">
-            <a:schemeClr val="dk1"/>
-          </a:lnRef>
-          <a:fillRef idx="0">
-            <a:schemeClr val="dk1"/>
-          </a:fillRef>
-          <a:effectRef idx="0">
-            <a:schemeClr val="dk1"/>
-          </a:effectRef>
-          <a:fontRef idx="minor">
-            <a:schemeClr val="tx1"/>
-          </a:fontRef>
-        </p:style>
-      </p:cxnSp>
-      <p:sp>
-        <p:nvSpPr>
-          <p:cNvPr id="66" name="矩形 65">
-            <a:extLst>
-              <a:ext uri="{FF2B5EF4-FFF2-40B4-BE49-F238E27FC236}">
-                <a16:creationId xmlns:a16="http://schemas.microsoft.com/office/drawing/2014/main" id="{4AF28A61-C094-4BE5-B057-8D5EE1EF8070}"/>
-              </a:ext>
-            </a:extLst>
-          </p:cNvPr>
-          <p:cNvSpPr/>
-          <p:nvPr/>
-        </p:nvSpPr>
-        <p:spPr>
-          <a:xfrm>
-            <a:off x="4906825" y="2923309"/>
-            <a:ext cx="277091" cy="221673"/>
-          </a:xfrm>
-          <a:prstGeom prst="rect">
-            <a:avLst/>
-          </a:prstGeom>
-        </p:spPr>
-        <p:style>
-          <a:lnRef idx="1">
-            <a:schemeClr val="accent2"/>
-          </a:lnRef>
-          <a:fillRef idx="2">
-            <a:schemeClr val="accent2"/>
-          </a:fillRef>
-          <a:effectRef idx="1">
-            <a:schemeClr val="accent2"/>
-          </a:effectRef>
-          <a:fontRef idx="minor">
-            <a:schemeClr val="dk1"/>
-          </a:fontRef>
-        </p:style>
-        <p:txBody>
-          <a:bodyPr rtlCol="0" anchor="ctr"/>
-          <a:lstStyle/>
-          <a:p>
-            <a:pPr algn="ctr"/>
-            <a:r>
-              <a:rPr lang="en-US" altLang="zh-CN" sz="1400" dirty="0">
-                <a:latin typeface="Times New Roman" panose="02020603050405020304" pitchFamily="18" charset="0"/>
-                <a:cs typeface="Times New Roman" panose="02020603050405020304" pitchFamily="18" charset="0"/>
-              </a:rPr>
-              <a:t>C</a:t>
-            </a:r>
-            <a:endParaRPr lang="zh-CN" altLang="en-US" sz="1400" dirty="0">
-              <a:latin typeface="Times New Roman" panose="02020603050405020304" pitchFamily="18" charset="0"/>
-              <a:cs typeface="Times New Roman" panose="02020603050405020304" pitchFamily="18" charset="0"/>
-            </a:endParaRPr>
-          </a:p>
-        </p:txBody>
-      </p:sp>
-      <p:cxnSp>
-        <p:nvCxnSpPr>
-          <p:cNvPr id="67" name="直接箭头连接符 66">
-            <a:extLst>
-              <a:ext uri="{FF2B5EF4-FFF2-40B4-BE49-F238E27FC236}">
-                <a16:creationId xmlns:a16="http://schemas.microsoft.com/office/drawing/2014/main" id="{66232AF1-4CE0-4049-8FAF-97F06D34A43E}"/>
-              </a:ext>
-            </a:extLst>
-          </p:cNvPr>
-          <p:cNvCxnSpPr>
-            <a:cxnSpLocks/>
-            <a:stCxn id="66" idx="1"/>
-            <a:endCxn id="56" idx="3"/>
-          </p:cNvCxnSpPr>
-          <p:nvPr/>
-        </p:nvCxnSpPr>
-        <p:spPr>
-          <a:xfrm flipH="1" flipV="1">
-            <a:off x="4540841" y="2292926"/>
-            <a:ext cx="365984" cy="741220"/>
-          </a:xfrm>
-          <a:prstGeom prst="straightConnector1">
-            <a:avLst/>
-          </a:prstGeom>
-          <a:ln w="19050">
-            <a:tailEnd type="triangle"/>
-          </a:ln>
-        </p:spPr>
-        <p:style>
-          <a:lnRef idx="1">
-            <a:schemeClr val="dk1"/>
-          </a:lnRef>
-          <a:fillRef idx="0">
-            <a:schemeClr val="dk1"/>
-          </a:fillRef>
-          <a:effectRef idx="0">
-            <a:schemeClr val="dk1"/>
-          </a:effectRef>
-          <a:fontRef idx="minor">
-            <a:schemeClr val="tx1"/>
-          </a:fontRef>
-        </p:style>
-      </p:cxnSp>
-      <p:cxnSp>
-        <p:nvCxnSpPr>
-          <p:cNvPr id="68" name="直接箭头连接符 67">
-            <a:extLst>
-              <a:ext uri="{FF2B5EF4-FFF2-40B4-BE49-F238E27FC236}">
-                <a16:creationId xmlns:a16="http://schemas.microsoft.com/office/drawing/2014/main" id="{E7916AF1-5DBE-405F-8080-459E11AD14DB}"/>
-              </a:ext>
-            </a:extLst>
-          </p:cNvPr>
-          <p:cNvCxnSpPr>
-            <a:cxnSpLocks/>
-            <a:stCxn id="66" idx="1"/>
-            <a:endCxn id="51" idx="3"/>
-          </p:cNvCxnSpPr>
-          <p:nvPr/>
-        </p:nvCxnSpPr>
-        <p:spPr>
-          <a:xfrm flipH="1" flipV="1">
-            <a:off x="4414992" y="3020292"/>
-            <a:ext cx="491833" cy="13854"/>
-          </a:xfrm>
-          <a:prstGeom prst="straightConnector1">
-            <a:avLst/>
-          </a:prstGeom>
-          <a:ln w="19050">
-            <a:tailEnd type="triangle"/>
-          </a:ln>
-        </p:spPr>
-        <p:style>
-          <a:lnRef idx="1">
-            <a:schemeClr val="dk1"/>
-          </a:lnRef>
-          <a:fillRef idx="0">
-            <a:schemeClr val="dk1"/>
-          </a:fillRef>
-          <a:effectRef idx="0">
-            <a:schemeClr val="dk1"/>
-          </a:effectRef>
-          <a:fontRef idx="minor">
-            <a:schemeClr val="tx1"/>
-          </a:fontRef>
-        </p:style>
-      </p:cxnSp>
-      <p:sp>
-        <p:nvSpPr>
-          <p:cNvPr id="77" name="矩形 76">
-            <a:extLst>
-              <a:ext uri="{FF2B5EF4-FFF2-40B4-BE49-F238E27FC236}">
-                <a16:creationId xmlns:a16="http://schemas.microsoft.com/office/drawing/2014/main" id="{542BD5EF-4D61-42C0-B013-B0FA26C1A7B3}"/>
-              </a:ext>
-            </a:extLst>
-          </p:cNvPr>
-          <p:cNvSpPr/>
-          <p:nvPr/>
-        </p:nvSpPr>
-        <p:spPr>
-          <a:xfrm>
-            <a:off x="5265908" y="1163785"/>
-            <a:ext cx="277091" cy="221673"/>
-          </a:xfrm>
-          <a:prstGeom prst="rect">
-            <a:avLst/>
-          </a:prstGeom>
-        </p:spPr>
-        <p:style>
-          <a:lnRef idx="1">
-            <a:schemeClr val="accent1"/>
-          </a:lnRef>
-          <a:fillRef idx="2">
-            <a:schemeClr val="accent1"/>
-          </a:fillRef>
-          <a:effectRef idx="1">
-            <a:schemeClr val="accent1"/>
-          </a:effectRef>
-          <a:fontRef idx="minor">
-            <a:schemeClr val="dk1"/>
-          </a:fontRef>
-        </p:style>
-        <p:txBody>
-          <a:bodyPr rtlCol="0" anchor="ctr"/>
-          <a:lstStyle/>
-          <a:p>
-            <a:pPr algn="ctr"/>
-            <a:r>
-              <a:rPr lang="en-US" altLang="zh-CN" sz="1400" dirty="0">
-                <a:latin typeface="Times New Roman" panose="02020603050405020304" pitchFamily="18" charset="0"/>
-                <a:cs typeface="Times New Roman" panose="02020603050405020304" pitchFamily="18" charset="0"/>
-              </a:rPr>
-              <a:t>H</a:t>
-            </a:r>
-            <a:endParaRPr lang="zh-CN" altLang="en-US" sz="1400" dirty="0">
-              <a:latin typeface="Times New Roman" panose="02020603050405020304" pitchFamily="18" charset="0"/>
-              <a:cs typeface="Times New Roman" panose="02020603050405020304" pitchFamily="18" charset="0"/>
-            </a:endParaRPr>
-          </a:p>
-        </p:txBody>
-      </p:sp>
-      <p:cxnSp>
-        <p:nvCxnSpPr>
-          <p:cNvPr id="78" name="直接箭头连接符 77">
-            <a:extLst>
-              <a:ext uri="{FF2B5EF4-FFF2-40B4-BE49-F238E27FC236}">
-                <a16:creationId xmlns:a16="http://schemas.microsoft.com/office/drawing/2014/main" id="{A0C11833-6A13-4A6E-BA3D-A23DA1A751EB}"/>
-              </a:ext>
-            </a:extLst>
-          </p:cNvPr>
-          <p:cNvCxnSpPr>
-            <a:cxnSpLocks/>
-            <a:stCxn id="77" idx="1"/>
-            <a:endCxn id="32" idx="3"/>
-          </p:cNvCxnSpPr>
-          <p:nvPr/>
-        </p:nvCxnSpPr>
-        <p:spPr>
-          <a:xfrm flipH="1">
-            <a:off x="4045529" y="1274622"/>
-            <a:ext cx="1220379" cy="507994"/>
-          </a:xfrm>
-          <a:prstGeom prst="straightConnector1">
-            <a:avLst/>
-          </a:prstGeom>
-          <a:ln w="19050">
-            <a:tailEnd type="triangle"/>
-          </a:ln>
-        </p:spPr>
-        <p:style>
-          <a:lnRef idx="1">
-            <a:schemeClr val="dk1"/>
-          </a:lnRef>
-          <a:fillRef idx="0">
-            <a:schemeClr val="dk1"/>
-          </a:fillRef>
-          <a:effectRef idx="0">
-            <a:schemeClr val="dk1"/>
-          </a:effectRef>
-          <a:fontRef idx="minor">
-            <a:schemeClr val="tx1"/>
-          </a:fontRef>
-        </p:style>
-      </p:cxnSp>
-      <p:cxnSp>
-        <p:nvCxnSpPr>
-          <p:cNvPr id="79" name="直接箭头连接符 78">
-            <a:extLst>
-              <a:ext uri="{FF2B5EF4-FFF2-40B4-BE49-F238E27FC236}">
-                <a16:creationId xmlns:a16="http://schemas.microsoft.com/office/drawing/2014/main" id="{F2B12E19-5B2C-40B0-B48B-00C73F2F6074}"/>
-              </a:ext>
-            </a:extLst>
-          </p:cNvPr>
-          <p:cNvCxnSpPr>
-            <a:cxnSpLocks/>
-            <a:stCxn id="77" idx="2"/>
-            <a:endCxn id="56" idx="3"/>
-          </p:cNvCxnSpPr>
-          <p:nvPr/>
-        </p:nvCxnSpPr>
-        <p:spPr>
-          <a:xfrm flipH="1">
-            <a:off x="4540841" y="1385458"/>
-            <a:ext cx="863613" cy="907468"/>
-          </a:xfrm>
-          <a:prstGeom prst="straightConnector1">
-            <a:avLst/>
-          </a:prstGeom>
-          <a:ln w="19050">
-            <a:tailEnd type="triangle"/>
-          </a:ln>
-        </p:spPr>
-        <p:style>
-          <a:lnRef idx="1">
-            <a:schemeClr val="dk1"/>
-          </a:lnRef>
-          <a:fillRef idx="0">
-            <a:schemeClr val="dk1"/>
-          </a:fillRef>
-          <a:effectRef idx="0">
-            <a:schemeClr val="dk1"/>
-          </a:effectRef>
-          <a:fontRef idx="minor">
-            <a:schemeClr val="tx1"/>
-          </a:fontRef>
-        </p:style>
-      </p:cxnSp>
-      <p:sp>
-        <p:nvSpPr>
-          <p:cNvPr id="82" name="矩形 81">
-            <a:extLst>
-              <a:ext uri="{FF2B5EF4-FFF2-40B4-BE49-F238E27FC236}">
-                <a16:creationId xmlns:a16="http://schemas.microsoft.com/office/drawing/2014/main" id="{970FFF46-4182-4E9E-A2D8-A7C372BF7D1A}"/>
-              </a:ext>
-            </a:extLst>
-          </p:cNvPr>
-          <p:cNvSpPr/>
-          <p:nvPr/>
-        </p:nvSpPr>
-        <p:spPr>
-          <a:xfrm>
-            <a:off x="5726548" y="1759524"/>
-            <a:ext cx="277091" cy="221673"/>
-          </a:xfrm>
-          <a:prstGeom prst="rect">
-            <a:avLst/>
-          </a:prstGeom>
-        </p:spPr>
-        <p:style>
-          <a:lnRef idx="1">
-            <a:schemeClr val="accent1"/>
-          </a:lnRef>
-          <a:fillRef idx="2">
-            <a:schemeClr val="accent1"/>
-          </a:fillRef>
-          <a:effectRef idx="1">
-            <a:schemeClr val="accent1"/>
-          </a:effectRef>
-          <a:fontRef idx="minor">
-            <a:schemeClr val="dk1"/>
-          </a:fontRef>
-        </p:style>
-        <p:txBody>
-          <a:bodyPr rtlCol="0" anchor="ctr"/>
-          <a:lstStyle/>
-          <a:p>
-            <a:pPr algn="ctr"/>
-            <a:r>
-              <a:rPr lang="en-US" altLang="zh-CN" sz="1400" dirty="0">
-                <a:latin typeface="Times New Roman" panose="02020603050405020304" pitchFamily="18" charset="0"/>
-                <a:cs typeface="Times New Roman" panose="02020603050405020304" pitchFamily="18" charset="0"/>
-              </a:rPr>
-              <a:t>H</a:t>
-            </a:r>
-            <a:endParaRPr lang="zh-CN" altLang="en-US" sz="1400" dirty="0">
-              <a:latin typeface="Times New Roman" panose="02020603050405020304" pitchFamily="18" charset="0"/>
-              <a:cs typeface="Times New Roman" panose="02020603050405020304" pitchFamily="18" charset="0"/>
-            </a:endParaRPr>
-          </a:p>
-        </p:txBody>
-      </p:sp>
-      <p:cxnSp>
-        <p:nvCxnSpPr>
-          <p:cNvPr id="83" name="直接箭头连接符 82">
-            <a:extLst>
-              <a:ext uri="{FF2B5EF4-FFF2-40B4-BE49-F238E27FC236}">
-                <a16:creationId xmlns:a16="http://schemas.microsoft.com/office/drawing/2014/main" id="{B69A91B8-79F8-403D-A089-ABCE5AC2301F}"/>
-              </a:ext>
-            </a:extLst>
-          </p:cNvPr>
-          <p:cNvCxnSpPr>
-            <a:cxnSpLocks/>
-            <a:stCxn id="82" idx="1"/>
-            <a:endCxn id="77" idx="2"/>
-          </p:cNvCxnSpPr>
-          <p:nvPr/>
-        </p:nvCxnSpPr>
-        <p:spPr>
-          <a:xfrm flipH="1" flipV="1">
-            <a:off x="5404454" y="1385458"/>
-            <a:ext cx="322094" cy="484903"/>
-          </a:xfrm>
-          <a:prstGeom prst="straightConnector1">
-            <a:avLst/>
-          </a:prstGeom>
-          <a:ln w="19050">
-            <a:tailEnd type="triangle"/>
-          </a:ln>
-        </p:spPr>
-        <p:style>
-          <a:lnRef idx="1">
-            <a:schemeClr val="dk1"/>
-          </a:lnRef>
-          <a:fillRef idx="0">
-            <a:schemeClr val="dk1"/>
-          </a:fillRef>
-          <a:effectRef idx="0">
-            <a:schemeClr val="dk1"/>
-          </a:effectRef>
-          <a:fontRef idx="minor">
-            <a:schemeClr val="tx1"/>
-          </a:fontRef>
-        </p:style>
-      </p:cxnSp>
-      <p:cxnSp>
-        <p:nvCxnSpPr>
-          <p:cNvPr id="84" name="直接箭头连接符 83">
-            <a:extLst>
-              <a:ext uri="{FF2B5EF4-FFF2-40B4-BE49-F238E27FC236}">
-                <a16:creationId xmlns:a16="http://schemas.microsoft.com/office/drawing/2014/main" id="{D56BEE38-C23A-45FF-B5AE-2BACE439BD14}"/>
-              </a:ext>
-            </a:extLst>
-          </p:cNvPr>
-          <p:cNvCxnSpPr>
-            <a:cxnSpLocks/>
-            <a:stCxn id="82" idx="1"/>
-            <a:endCxn id="56" idx="3"/>
-          </p:cNvCxnSpPr>
-          <p:nvPr/>
-        </p:nvCxnSpPr>
-        <p:spPr>
-          <a:xfrm flipH="1">
-            <a:off x="4540841" y="1870361"/>
-            <a:ext cx="1185707" cy="422565"/>
-          </a:xfrm>
-          <a:prstGeom prst="straightConnector1">
-            <a:avLst/>
-          </a:prstGeom>
-          <a:ln w="19050">
-            <a:tailEnd type="triangle"/>
-          </a:ln>
-        </p:spPr>
-        <p:style>
-          <a:lnRef idx="1">
-            <a:schemeClr val="dk1"/>
-          </a:lnRef>
-          <a:fillRef idx="0">
-            <a:schemeClr val="dk1"/>
-          </a:fillRef>
-          <a:effectRef idx="0">
-            <a:schemeClr val="dk1"/>
-          </a:effectRef>
-          <a:fontRef idx="minor">
-            <a:schemeClr val="tx1"/>
-          </a:fontRef>
-        </p:style>
-      </p:cxnSp>
-      <p:sp>
-        <p:nvSpPr>
-          <p:cNvPr id="87" name="矩形 86">
-            <a:extLst>
-              <a:ext uri="{FF2B5EF4-FFF2-40B4-BE49-F238E27FC236}">
-                <a16:creationId xmlns:a16="http://schemas.microsoft.com/office/drawing/2014/main" id="{201FB123-C5A4-4CC4-8A06-4CAB4F408969}"/>
-              </a:ext>
-            </a:extLst>
-          </p:cNvPr>
-          <p:cNvSpPr/>
-          <p:nvPr/>
-        </p:nvSpPr>
-        <p:spPr>
-          <a:xfrm>
-            <a:off x="5620942" y="2586186"/>
-            <a:ext cx="277091" cy="221673"/>
-          </a:xfrm>
-          <a:prstGeom prst="rect">
-            <a:avLst/>
-          </a:prstGeom>
-        </p:spPr>
-        <p:style>
-          <a:lnRef idx="1">
-            <a:schemeClr val="accent2"/>
-          </a:lnRef>
-          <a:fillRef idx="2">
-            <a:schemeClr val="accent2"/>
-          </a:fillRef>
-          <a:effectRef idx="1">
-            <a:schemeClr val="accent2"/>
-          </a:effectRef>
-          <a:fontRef idx="minor">
-            <a:schemeClr val="dk1"/>
-          </a:fontRef>
-        </p:style>
-        <p:txBody>
-          <a:bodyPr rtlCol="0" anchor="ctr"/>
-          <a:lstStyle/>
-          <a:p>
-            <a:pPr algn="ctr"/>
-            <a:r>
-              <a:rPr lang="en-US" altLang="zh-CN" sz="1400" dirty="0">
-                <a:latin typeface="Times New Roman" panose="02020603050405020304" pitchFamily="18" charset="0"/>
-                <a:cs typeface="Times New Roman" panose="02020603050405020304" pitchFamily="18" charset="0"/>
-              </a:rPr>
-              <a:t>F</a:t>
-            </a:r>
-            <a:endParaRPr lang="zh-CN" altLang="en-US" sz="1400" dirty="0">
-              <a:latin typeface="Times New Roman" panose="02020603050405020304" pitchFamily="18" charset="0"/>
-              <a:cs typeface="Times New Roman" panose="02020603050405020304" pitchFamily="18" charset="0"/>
-            </a:endParaRPr>
-          </a:p>
-        </p:txBody>
-      </p:sp>
-      <p:cxnSp>
-        <p:nvCxnSpPr>
-          <p:cNvPr id="89" name="直接箭头连接符 88">
-            <a:extLst>
-              <a:ext uri="{FF2B5EF4-FFF2-40B4-BE49-F238E27FC236}">
-                <a16:creationId xmlns:a16="http://schemas.microsoft.com/office/drawing/2014/main" id="{B5730310-93E0-44B4-B0D1-E7EEA8C2AC99}"/>
-              </a:ext>
-            </a:extLst>
-          </p:cNvPr>
-          <p:cNvCxnSpPr>
-            <a:cxnSpLocks/>
-            <a:stCxn id="87" idx="1"/>
-            <a:endCxn id="66" idx="3"/>
-          </p:cNvCxnSpPr>
-          <p:nvPr/>
-        </p:nvCxnSpPr>
-        <p:spPr>
-          <a:xfrm flipH="1">
-            <a:off x="5183916" y="2697023"/>
-            <a:ext cx="437026" cy="337123"/>
-          </a:xfrm>
-          <a:prstGeom prst="straightConnector1">
-            <a:avLst/>
-          </a:prstGeom>
-          <a:ln w="19050">
-            <a:tailEnd type="triangle"/>
-          </a:ln>
-        </p:spPr>
-        <p:style>
-          <a:lnRef idx="1">
-            <a:schemeClr val="dk1"/>
-          </a:lnRef>
-          <a:fillRef idx="0">
-            <a:schemeClr val="dk1"/>
-          </a:fillRef>
-          <a:effectRef idx="0">
-            <a:schemeClr val="dk1"/>
-          </a:effectRef>
-          <a:fontRef idx="minor">
-            <a:schemeClr val="tx1"/>
-          </a:fontRef>
-        </p:style>
-      </p:cxnSp>
-      <p:sp>
-        <p:nvSpPr>
-          <p:cNvPr id="91" name="矩形 90">
-            <a:extLst>
-              <a:ext uri="{FF2B5EF4-FFF2-40B4-BE49-F238E27FC236}">
-                <a16:creationId xmlns:a16="http://schemas.microsoft.com/office/drawing/2014/main" id="{1EA30ABC-5A04-4F91-A1B7-6857D29ECCC0}"/>
-              </a:ext>
-            </a:extLst>
-          </p:cNvPr>
-          <p:cNvSpPr/>
-          <p:nvPr/>
-        </p:nvSpPr>
-        <p:spPr>
-          <a:xfrm>
-            <a:off x="5744465" y="3223500"/>
-            <a:ext cx="277091" cy="221673"/>
-          </a:xfrm>
-          <a:prstGeom prst="rect">
-            <a:avLst/>
-          </a:prstGeom>
-        </p:spPr>
-        <p:style>
-          <a:lnRef idx="1">
-            <a:schemeClr val="accent2"/>
-          </a:lnRef>
-          <a:fillRef idx="2">
-            <a:schemeClr val="accent2"/>
-          </a:fillRef>
-          <a:effectRef idx="1">
-            <a:schemeClr val="accent2"/>
-          </a:effectRef>
-          <a:fontRef idx="minor">
-            <a:schemeClr val="dk1"/>
-          </a:fontRef>
-        </p:style>
-        <p:txBody>
-          <a:bodyPr rtlCol="0" anchor="ctr"/>
-          <a:lstStyle/>
-          <a:p>
-            <a:pPr algn="ctr"/>
-            <a:r>
-              <a:rPr lang="en-US" altLang="zh-CN" sz="1400" dirty="0">
-                <a:latin typeface="Times New Roman" panose="02020603050405020304" pitchFamily="18" charset="0"/>
-                <a:cs typeface="Times New Roman" panose="02020603050405020304" pitchFamily="18" charset="0"/>
-              </a:rPr>
-              <a:t>F</a:t>
-            </a:r>
-            <a:endParaRPr lang="zh-CN" altLang="en-US" sz="1400" dirty="0">
-              <a:latin typeface="Times New Roman" panose="02020603050405020304" pitchFamily="18" charset="0"/>
-              <a:cs typeface="Times New Roman" panose="02020603050405020304" pitchFamily="18" charset="0"/>
-            </a:endParaRPr>
-          </a:p>
-        </p:txBody>
-      </p:sp>
-      <p:sp>
-        <p:nvSpPr>
-          <p:cNvPr id="92" name="矩形 91">
-            <a:extLst>
-              <a:ext uri="{FF2B5EF4-FFF2-40B4-BE49-F238E27FC236}">
-                <a16:creationId xmlns:a16="http://schemas.microsoft.com/office/drawing/2014/main" id="{EB73B00A-C589-4765-988C-C25198AF3F24}"/>
-              </a:ext>
-            </a:extLst>
-          </p:cNvPr>
-          <p:cNvSpPr/>
-          <p:nvPr/>
-        </p:nvSpPr>
-        <p:spPr>
-          <a:xfrm>
-            <a:off x="8050106" y="3498856"/>
-            <a:ext cx="277091" cy="221673"/>
-          </a:xfrm>
-          <a:prstGeom prst="rect">
-            <a:avLst/>
-          </a:prstGeom>
-        </p:spPr>
-        <p:style>
-          <a:lnRef idx="1">
-            <a:schemeClr val="accent2"/>
-          </a:lnRef>
-          <a:fillRef idx="2">
-            <a:schemeClr val="accent2"/>
-          </a:fillRef>
-          <a:effectRef idx="1">
-            <a:schemeClr val="accent2"/>
-          </a:effectRef>
-          <a:fontRef idx="minor">
-            <a:schemeClr val="dk1"/>
-          </a:fontRef>
-        </p:style>
-        <p:txBody>
-          <a:bodyPr rtlCol="0" anchor="ctr"/>
-          <a:lstStyle/>
-          <a:p>
-            <a:pPr algn="ctr"/>
-            <a:r>
-              <a:rPr lang="en-US" altLang="zh-CN" sz="1400" dirty="0">
-                <a:latin typeface="Times New Roman" panose="02020603050405020304" pitchFamily="18" charset="0"/>
-                <a:cs typeface="Times New Roman" panose="02020603050405020304" pitchFamily="18" charset="0"/>
-              </a:rPr>
-              <a:t>F</a:t>
-            </a:r>
-            <a:endParaRPr lang="zh-CN" altLang="en-US" sz="1400" dirty="0">
-              <a:latin typeface="Times New Roman" panose="02020603050405020304" pitchFamily="18" charset="0"/>
-              <a:cs typeface="Times New Roman" panose="02020603050405020304" pitchFamily="18" charset="0"/>
-            </a:endParaRPr>
-          </a:p>
-        </p:txBody>
-      </p:sp>
-      <p:sp>
-        <p:nvSpPr>
-          <p:cNvPr id="93" name="矩形 92">
-            <a:extLst>
-              <a:ext uri="{FF2B5EF4-FFF2-40B4-BE49-F238E27FC236}">
-                <a16:creationId xmlns:a16="http://schemas.microsoft.com/office/drawing/2014/main" id="{97A5EE9D-6624-4A52-B816-E65D300B62BB}"/>
-              </a:ext>
-            </a:extLst>
-          </p:cNvPr>
-          <p:cNvSpPr/>
-          <p:nvPr/>
-        </p:nvSpPr>
-        <p:spPr>
-          <a:xfrm>
-            <a:off x="7645417" y="2631208"/>
-            <a:ext cx="277091" cy="221673"/>
-          </a:xfrm>
-          <a:prstGeom prst="rect">
-            <a:avLst/>
-          </a:prstGeom>
-        </p:spPr>
-        <p:style>
-          <a:lnRef idx="1">
-            <a:schemeClr val="accent2"/>
-          </a:lnRef>
-          <a:fillRef idx="2">
-            <a:schemeClr val="accent2"/>
-          </a:fillRef>
-          <a:effectRef idx="1">
-            <a:schemeClr val="accent2"/>
-          </a:effectRef>
-          <a:fontRef idx="minor">
-            <a:schemeClr val="dk1"/>
-          </a:fontRef>
-        </p:style>
-        <p:txBody>
-          <a:bodyPr rtlCol="0" anchor="ctr"/>
-          <a:lstStyle/>
-          <a:p>
-            <a:pPr algn="ctr"/>
-            <a:r>
-              <a:rPr lang="en-US" altLang="zh-CN" sz="1400" dirty="0">
-                <a:latin typeface="Times New Roman" panose="02020603050405020304" pitchFamily="18" charset="0"/>
-                <a:cs typeface="Times New Roman" panose="02020603050405020304" pitchFamily="18" charset="0"/>
-              </a:rPr>
-              <a:t>F</a:t>
-            </a:r>
-            <a:endParaRPr lang="zh-CN" altLang="en-US" sz="1400" dirty="0">
-              <a:latin typeface="Times New Roman" panose="02020603050405020304" pitchFamily="18" charset="0"/>
-              <a:cs typeface="Times New Roman" panose="02020603050405020304" pitchFamily="18" charset="0"/>
-            </a:endParaRPr>
-          </a:p>
-        </p:txBody>
-      </p:sp>
-      <p:sp>
-        <p:nvSpPr>
-          <p:cNvPr id="94" name="矩形 93">
-            <a:extLst>
-              <a:ext uri="{FF2B5EF4-FFF2-40B4-BE49-F238E27FC236}">
-                <a16:creationId xmlns:a16="http://schemas.microsoft.com/office/drawing/2014/main" id="{9F43BE05-B095-41BB-98CF-16B85FE7573B}"/>
-              </a:ext>
-            </a:extLst>
-          </p:cNvPr>
-          <p:cNvSpPr/>
-          <p:nvPr/>
-        </p:nvSpPr>
-        <p:spPr>
-          <a:xfrm>
-            <a:off x="6768239" y="3360307"/>
-            <a:ext cx="277091" cy="221673"/>
-          </a:xfrm>
-          <a:prstGeom prst="rect">
-            <a:avLst/>
-          </a:prstGeom>
-        </p:spPr>
-        <p:style>
-          <a:lnRef idx="1">
-            <a:schemeClr val="accent2"/>
-          </a:lnRef>
-          <a:fillRef idx="2">
-            <a:schemeClr val="accent2"/>
-          </a:fillRef>
-          <a:effectRef idx="1">
-            <a:schemeClr val="accent2"/>
-          </a:effectRef>
-          <a:fontRef idx="minor">
-            <a:schemeClr val="dk1"/>
-          </a:fontRef>
-        </p:style>
-        <p:txBody>
-          <a:bodyPr rtlCol="0" anchor="ctr"/>
-          <a:lstStyle/>
-          <a:p>
-            <a:pPr algn="ctr"/>
-            <a:r>
-              <a:rPr lang="en-US" altLang="zh-CN" sz="1400" dirty="0">
-                <a:latin typeface="Times New Roman" panose="02020603050405020304" pitchFamily="18" charset="0"/>
-                <a:cs typeface="Times New Roman" panose="02020603050405020304" pitchFamily="18" charset="0"/>
-              </a:rPr>
-              <a:t>F</a:t>
-            </a:r>
-            <a:endParaRPr lang="zh-CN" altLang="en-US" sz="1400" dirty="0">
-              <a:latin typeface="Times New Roman" panose="02020603050405020304" pitchFamily="18" charset="0"/>
-              <a:cs typeface="Times New Roman" panose="02020603050405020304" pitchFamily="18" charset="0"/>
-            </a:endParaRPr>
-          </a:p>
-        </p:txBody>
-      </p:sp>
-      <p:sp>
-        <p:nvSpPr>
-          <p:cNvPr id="95" name="矩形 94">
-            <a:extLst>
-              <a:ext uri="{FF2B5EF4-FFF2-40B4-BE49-F238E27FC236}">
-                <a16:creationId xmlns:a16="http://schemas.microsoft.com/office/drawing/2014/main" id="{C4EF019C-D82C-4FC5-ADC0-7A1D245E5C90}"/>
-              </a:ext>
-            </a:extLst>
-          </p:cNvPr>
-          <p:cNvSpPr/>
-          <p:nvPr/>
-        </p:nvSpPr>
-        <p:spPr>
-          <a:xfrm>
-            <a:off x="6445546" y="2531922"/>
-            <a:ext cx="277091" cy="221673"/>
-          </a:xfrm>
-          <a:prstGeom prst="rect">
-            <a:avLst/>
-          </a:prstGeom>
-        </p:spPr>
-        <p:style>
-          <a:lnRef idx="1">
-            <a:schemeClr val="accent2"/>
-          </a:lnRef>
-          <a:fillRef idx="2">
-            <a:schemeClr val="accent2"/>
-          </a:fillRef>
-          <a:effectRef idx="1">
-            <a:schemeClr val="accent2"/>
-          </a:effectRef>
-          <a:fontRef idx="minor">
-            <a:schemeClr val="dk1"/>
-          </a:fontRef>
-        </p:style>
-        <p:txBody>
-          <a:bodyPr rtlCol="0" anchor="ctr"/>
-          <a:lstStyle/>
-          <a:p>
-            <a:pPr algn="ctr"/>
-            <a:r>
-              <a:rPr lang="en-US" altLang="zh-CN" sz="1400" dirty="0">
-                <a:latin typeface="Times New Roman" panose="02020603050405020304" pitchFamily="18" charset="0"/>
-                <a:cs typeface="Times New Roman" panose="02020603050405020304" pitchFamily="18" charset="0"/>
-              </a:rPr>
-              <a:t>F</a:t>
-            </a:r>
-            <a:endParaRPr lang="zh-CN" altLang="en-US" sz="1400" dirty="0">
-              <a:latin typeface="Times New Roman" panose="02020603050405020304" pitchFamily="18" charset="0"/>
-              <a:cs typeface="Times New Roman" panose="02020603050405020304" pitchFamily="18" charset="0"/>
-            </a:endParaRPr>
-          </a:p>
-        </p:txBody>
-      </p:sp>
-      <p:cxnSp>
-        <p:nvCxnSpPr>
-          <p:cNvPr id="96" name="直接箭头连接符 95">
-            <a:extLst>
-              <a:ext uri="{FF2B5EF4-FFF2-40B4-BE49-F238E27FC236}">
-                <a16:creationId xmlns:a16="http://schemas.microsoft.com/office/drawing/2014/main" id="{0AB8FCEE-0A8B-4407-99EC-44EED09A04AF}"/>
-              </a:ext>
-            </a:extLst>
-          </p:cNvPr>
-          <p:cNvCxnSpPr>
-            <a:cxnSpLocks/>
-            <a:stCxn id="91" idx="1"/>
-            <a:endCxn id="66" idx="3"/>
-          </p:cNvCxnSpPr>
-          <p:nvPr/>
-        </p:nvCxnSpPr>
-        <p:spPr>
-          <a:xfrm flipH="1" flipV="1">
-            <a:off x="5183916" y="3034146"/>
-            <a:ext cx="560549" cy="300191"/>
-          </a:xfrm>
-          <a:prstGeom prst="straightConnector1">
-            <a:avLst/>
-          </a:prstGeom>
-          <a:ln w="19050">
-            <a:tailEnd type="triangle"/>
-          </a:ln>
-        </p:spPr>
-        <p:style>
-          <a:lnRef idx="1">
-            <a:schemeClr val="dk1"/>
-          </a:lnRef>
-          <a:fillRef idx="0">
-            <a:schemeClr val="dk1"/>
-          </a:fillRef>
-          <a:effectRef idx="0">
-            <a:schemeClr val="dk1"/>
-          </a:effectRef>
-          <a:fontRef idx="minor">
-            <a:schemeClr val="tx1"/>
-          </a:fontRef>
-        </p:style>
-      </p:cxnSp>
-      <p:cxnSp>
-        <p:nvCxnSpPr>
-          <p:cNvPr id="99" name="直接箭头连接符 98">
-            <a:extLst>
-              <a:ext uri="{FF2B5EF4-FFF2-40B4-BE49-F238E27FC236}">
-                <a16:creationId xmlns:a16="http://schemas.microsoft.com/office/drawing/2014/main" id="{A655EF56-BA2C-4E0A-9A86-45FE2BFB46B7}"/>
-              </a:ext>
-            </a:extLst>
-          </p:cNvPr>
-          <p:cNvCxnSpPr>
-            <a:cxnSpLocks/>
-            <a:stCxn id="91" idx="0"/>
-            <a:endCxn id="87" idx="2"/>
-          </p:cNvCxnSpPr>
-          <p:nvPr/>
-        </p:nvCxnSpPr>
-        <p:spPr>
-          <a:xfrm flipH="1" flipV="1">
-            <a:off x="5759488" y="2807859"/>
-            <a:ext cx="123523" cy="415641"/>
-          </a:xfrm>
-          <a:prstGeom prst="straightConnector1">
-            <a:avLst/>
-          </a:prstGeom>
-          <a:ln w="19050">
-            <a:tailEnd type="triangle"/>
-          </a:ln>
-        </p:spPr>
-        <p:style>
-          <a:lnRef idx="1">
-            <a:schemeClr val="dk1"/>
-          </a:lnRef>
-          <a:fillRef idx="0">
-            <a:schemeClr val="dk1"/>
-          </a:fillRef>
-          <a:effectRef idx="0">
-            <a:schemeClr val="dk1"/>
-          </a:effectRef>
-          <a:fontRef idx="minor">
-            <a:schemeClr val="tx1"/>
-          </a:fontRef>
-        </p:style>
-      </p:cxnSp>
-      <p:sp>
-        <p:nvSpPr>
-          <p:cNvPr id="102" name="矩形 101">
-            <a:extLst>
-              <a:ext uri="{FF2B5EF4-FFF2-40B4-BE49-F238E27FC236}">
-                <a16:creationId xmlns:a16="http://schemas.microsoft.com/office/drawing/2014/main" id="{379055D0-7B63-4D27-B6B4-AFE44A429E55}"/>
-              </a:ext>
-            </a:extLst>
-          </p:cNvPr>
-          <p:cNvSpPr/>
-          <p:nvPr/>
-        </p:nvSpPr>
-        <p:spPr>
-          <a:xfrm>
-            <a:off x="6168455" y="983684"/>
-            <a:ext cx="277091" cy="221673"/>
-          </a:xfrm>
-          <a:prstGeom prst="rect">
-            <a:avLst/>
-          </a:prstGeom>
-        </p:spPr>
-        <p:style>
-          <a:lnRef idx="1">
-            <a:schemeClr val="accent1"/>
-          </a:lnRef>
-          <a:fillRef idx="2">
-            <a:schemeClr val="accent1"/>
-          </a:fillRef>
-          <a:effectRef idx="1">
-            <a:schemeClr val="accent1"/>
-          </a:effectRef>
-          <a:fontRef idx="minor">
-            <a:schemeClr val="dk1"/>
-          </a:fontRef>
-        </p:style>
-        <p:txBody>
-          <a:bodyPr rtlCol="0" anchor="ctr"/>
-          <a:lstStyle/>
-          <a:p>
-            <a:pPr algn="ctr"/>
-            <a:r>
-              <a:rPr lang="en-US" altLang="zh-CN" sz="1400" dirty="0">
-                <a:latin typeface="Times New Roman" panose="02020603050405020304" pitchFamily="18" charset="0"/>
-                <a:cs typeface="Times New Roman" panose="02020603050405020304" pitchFamily="18" charset="0"/>
-              </a:rPr>
-              <a:t>H</a:t>
-            </a:r>
-            <a:endParaRPr lang="zh-CN" altLang="en-US" sz="1400" dirty="0">
-              <a:latin typeface="Times New Roman" panose="02020603050405020304" pitchFamily="18" charset="0"/>
-              <a:cs typeface="Times New Roman" panose="02020603050405020304" pitchFamily="18" charset="0"/>
-            </a:endParaRPr>
-          </a:p>
-        </p:txBody>
-      </p:sp>
-      <p:sp>
-        <p:nvSpPr>
-          <p:cNvPr id="105" name="矩形 104">
-            <a:extLst>
-              <a:ext uri="{FF2B5EF4-FFF2-40B4-BE49-F238E27FC236}">
-                <a16:creationId xmlns:a16="http://schemas.microsoft.com/office/drawing/2014/main" id="{72BC5541-7701-4C37-86FE-23FA1F49A30F}"/>
-              </a:ext>
-            </a:extLst>
-          </p:cNvPr>
-          <p:cNvSpPr/>
-          <p:nvPr/>
-        </p:nvSpPr>
-        <p:spPr>
-          <a:xfrm>
-            <a:off x="8370484" y="1648687"/>
-            <a:ext cx="277091" cy="221673"/>
-          </a:xfrm>
-          <a:prstGeom prst="rect">
-            <a:avLst/>
-          </a:prstGeom>
-        </p:spPr>
-        <p:style>
-          <a:lnRef idx="1">
-            <a:schemeClr val="accent1"/>
-          </a:lnRef>
-          <a:fillRef idx="2">
-            <a:schemeClr val="accent1"/>
-          </a:fillRef>
-          <a:effectRef idx="1">
-            <a:schemeClr val="accent1"/>
-          </a:effectRef>
-          <a:fontRef idx="minor">
-            <a:schemeClr val="dk1"/>
-          </a:fontRef>
-        </p:style>
-        <p:txBody>
-          <a:bodyPr rtlCol="0" anchor="ctr"/>
-          <a:lstStyle/>
-          <a:p>
-            <a:pPr algn="ctr"/>
-            <a:r>
-              <a:rPr lang="en-US" altLang="zh-CN" sz="1400" dirty="0">
-                <a:latin typeface="Times New Roman" panose="02020603050405020304" pitchFamily="18" charset="0"/>
-                <a:cs typeface="Times New Roman" panose="02020603050405020304" pitchFamily="18" charset="0"/>
-              </a:rPr>
-              <a:t>H</a:t>
-            </a:r>
-            <a:endParaRPr lang="zh-CN" altLang="en-US" sz="1400" dirty="0">
-              <a:latin typeface="Times New Roman" panose="02020603050405020304" pitchFamily="18" charset="0"/>
-              <a:cs typeface="Times New Roman" panose="02020603050405020304" pitchFamily="18" charset="0"/>
-            </a:endParaRPr>
-          </a:p>
-        </p:txBody>
-      </p:sp>
-      <p:sp>
-        <p:nvSpPr>
-          <p:cNvPr id="106" name="矩形 105">
-            <a:extLst>
-              <a:ext uri="{FF2B5EF4-FFF2-40B4-BE49-F238E27FC236}">
-                <a16:creationId xmlns:a16="http://schemas.microsoft.com/office/drawing/2014/main" id="{55A2D5AD-9F3C-4736-959B-FFA7FB08A5B2}"/>
-              </a:ext>
-            </a:extLst>
-          </p:cNvPr>
-          <p:cNvSpPr/>
-          <p:nvPr/>
-        </p:nvSpPr>
-        <p:spPr>
-          <a:xfrm>
-            <a:off x="7516985" y="1001004"/>
-            <a:ext cx="277091" cy="221673"/>
-          </a:xfrm>
-          <a:prstGeom prst="rect">
-            <a:avLst/>
-          </a:prstGeom>
-        </p:spPr>
-        <p:style>
-          <a:lnRef idx="1">
-            <a:schemeClr val="accent1"/>
-          </a:lnRef>
-          <a:fillRef idx="2">
-            <a:schemeClr val="accent1"/>
-          </a:fillRef>
-          <a:effectRef idx="1">
-            <a:schemeClr val="accent1"/>
-          </a:effectRef>
-          <a:fontRef idx="minor">
-            <a:schemeClr val="dk1"/>
-          </a:fontRef>
-        </p:style>
-        <p:txBody>
-          <a:bodyPr rtlCol="0" anchor="ctr"/>
-          <a:lstStyle/>
-          <a:p>
-            <a:pPr algn="ctr"/>
-            <a:r>
-              <a:rPr lang="en-US" altLang="zh-CN" sz="1400" dirty="0">
-                <a:latin typeface="Times New Roman" panose="02020603050405020304" pitchFamily="18" charset="0"/>
-                <a:cs typeface="Times New Roman" panose="02020603050405020304" pitchFamily="18" charset="0"/>
-              </a:rPr>
-              <a:t>H</a:t>
-            </a:r>
-            <a:endParaRPr lang="zh-CN" altLang="en-US" sz="1400" dirty="0">
-              <a:latin typeface="Times New Roman" panose="02020603050405020304" pitchFamily="18" charset="0"/>
-              <a:cs typeface="Times New Roman" panose="02020603050405020304" pitchFamily="18" charset="0"/>
-            </a:endParaRPr>
-          </a:p>
-        </p:txBody>
-      </p:sp>
-      <p:sp>
-        <p:nvSpPr>
-          <p:cNvPr id="107" name="矩形 106">
-            <a:extLst>
-              <a:ext uri="{FF2B5EF4-FFF2-40B4-BE49-F238E27FC236}">
-                <a16:creationId xmlns:a16="http://schemas.microsoft.com/office/drawing/2014/main" id="{B241FA15-4E2B-400A-BFFC-B2F77AAC1095}"/>
-              </a:ext>
-            </a:extLst>
-          </p:cNvPr>
-          <p:cNvSpPr/>
-          <p:nvPr/>
-        </p:nvSpPr>
-        <p:spPr>
-          <a:xfrm>
-            <a:off x="6906784" y="1870360"/>
-            <a:ext cx="277091" cy="221673"/>
-          </a:xfrm>
-          <a:prstGeom prst="rect">
-            <a:avLst/>
-          </a:prstGeom>
-        </p:spPr>
-        <p:style>
-          <a:lnRef idx="1">
-            <a:schemeClr val="accent1"/>
-          </a:lnRef>
-          <a:fillRef idx="2">
-            <a:schemeClr val="accent1"/>
-          </a:fillRef>
-          <a:effectRef idx="1">
-            <a:schemeClr val="accent1"/>
-          </a:effectRef>
-          <a:fontRef idx="minor">
-            <a:schemeClr val="dk1"/>
-          </a:fontRef>
-        </p:style>
-        <p:txBody>
-          <a:bodyPr rtlCol="0" anchor="ctr"/>
-          <a:lstStyle/>
-          <a:p>
-            <a:pPr algn="ctr"/>
-            <a:r>
-              <a:rPr lang="en-US" altLang="zh-CN" sz="1400" dirty="0">
-                <a:latin typeface="Times New Roman" panose="02020603050405020304" pitchFamily="18" charset="0"/>
-                <a:cs typeface="Times New Roman" panose="02020603050405020304" pitchFamily="18" charset="0"/>
-              </a:rPr>
-              <a:t>H</a:t>
-            </a:r>
-            <a:endParaRPr lang="zh-CN" altLang="en-US" sz="1400" dirty="0">
-              <a:latin typeface="Times New Roman" panose="02020603050405020304" pitchFamily="18" charset="0"/>
-              <a:cs typeface="Times New Roman" panose="02020603050405020304" pitchFamily="18" charset="0"/>
-            </a:endParaRPr>
-          </a:p>
-        </p:txBody>
-      </p:sp>
-      <p:cxnSp>
-        <p:nvCxnSpPr>
-          <p:cNvPr id="108" name="直接箭头连接符 107">
-            <a:extLst>
-              <a:ext uri="{FF2B5EF4-FFF2-40B4-BE49-F238E27FC236}">
-                <a16:creationId xmlns:a16="http://schemas.microsoft.com/office/drawing/2014/main" id="{092ACB7F-600A-48C0-BC90-917D8449DD1D}"/>
-              </a:ext>
-            </a:extLst>
-          </p:cNvPr>
-          <p:cNvCxnSpPr>
-            <a:cxnSpLocks/>
-            <a:stCxn id="102" idx="1"/>
-            <a:endCxn id="77" idx="3"/>
-          </p:cNvCxnSpPr>
-          <p:nvPr/>
-        </p:nvCxnSpPr>
-        <p:spPr>
-          <a:xfrm flipH="1">
-            <a:off x="5542999" y="1094521"/>
-            <a:ext cx="625456" cy="180101"/>
-          </a:xfrm>
-          <a:prstGeom prst="straightConnector1">
-            <a:avLst/>
-          </a:prstGeom>
-          <a:ln w="19050">
-            <a:tailEnd type="triangle"/>
-          </a:ln>
-        </p:spPr>
-        <p:style>
-          <a:lnRef idx="1">
-            <a:schemeClr val="dk1"/>
-          </a:lnRef>
-          <a:fillRef idx="0">
-            <a:schemeClr val="dk1"/>
-          </a:fillRef>
-          <a:effectRef idx="0">
-            <a:schemeClr val="dk1"/>
-          </a:effectRef>
-          <a:fontRef idx="minor">
-            <a:schemeClr val="tx1"/>
-          </a:fontRef>
-        </p:style>
-      </p:cxnSp>
-      <p:cxnSp>
-        <p:nvCxnSpPr>
-          <p:cNvPr id="111" name="直接箭头连接符 110">
-            <a:extLst>
-              <a:ext uri="{FF2B5EF4-FFF2-40B4-BE49-F238E27FC236}">
-                <a16:creationId xmlns:a16="http://schemas.microsoft.com/office/drawing/2014/main" id="{602DFF68-6F40-4AEA-A413-E5DFDF8D2FBA}"/>
-              </a:ext>
-            </a:extLst>
-          </p:cNvPr>
-          <p:cNvCxnSpPr>
-            <a:cxnSpLocks/>
-            <a:stCxn id="102" idx="2"/>
-            <a:endCxn id="82" idx="0"/>
-          </p:cNvCxnSpPr>
-          <p:nvPr/>
-        </p:nvCxnSpPr>
-        <p:spPr>
-          <a:xfrm flipH="1">
-            <a:off x="5865094" y="1205357"/>
-            <a:ext cx="441907" cy="554167"/>
-          </a:xfrm>
-          <a:prstGeom prst="straightConnector1">
-            <a:avLst/>
-          </a:prstGeom>
-          <a:ln w="19050">
-            <a:tailEnd type="triangle"/>
-          </a:ln>
-        </p:spPr>
-        <p:style>
-          <a:lnRef idx="1">
-            <a:schemeClr val="dk1"/>
-          </a:lnRef>
-          <a:fillRef idx="0">
-            <a:schemeClr val="dk1"/>
-          </a:fillRef>
-          <a:effectRef idx="0">
-            <a:schemeClr val="dk1"/>
-          </a:effectRef>
-          <a:fontRef idx="minor">
-            <a:schemeClr val="tx1"/>
-          </a:fontRef>
-        </p:style>
-      </p:cxnSp>
-      <p:cxnSp>
-        <p:nvCxnSpPr>
-          <p:cNvPr id="115" name="直接箭头连接符 114">
-            <a:extLst>
-              <a:ext uri="{FF2B5EF4-FFF2-40B4-BE49-F238E27FC236}">
-                <a16:creationId xmlns:a16="http://schemas.microsoft.com/office/drawing/2014/main" id="{45194697-EE73-4A55-A5E6-B9235238214D}"/>
-              </a:ext>
-            </a:extLst>
-          </p:cNvPr>
-          <p:cNvCxnSpPr>
-            <a:cxnSpLocks/>
-            <a:stCxn id="107" idx="0"/>
-            <a:endCxn id="102" idx="3"/>
-          </p:cNvCxnSpPr>
-          <p:nvPr/>
-        </p:nvCxnSpPr>
-        <p:spPr>
-          <a:xfrm flipH="1" flipV="1">
-            <a:off x="6445546" y="1094521"/>
-            <a:ext cx="599784" cy="775839"/>
-          </a:xfrm>
-          <a:prstGeom prst="straightConnector1">
-            <a:avLst/>
-          </a:prstGeom>
-          <a:ln w="19050">
-            <a:tailEnd type="triangle"/>
-          </a:ln>
-        </p:spPr>
-        <p:style>
-          <a:lnRef idx="1">
-            <a:schemeClr val="dk1"/>
-          </a:lnRef>
-          <a:fillRef idx="0">
-            <a:schemeClr val="dk1"/>
-          </a:fillRef>
-          <a:effectRef idx="0">
-            <a:schemeClr val="dk1"/>
-          </a:effectRef>
-          <a:fontRef idx="minor">
-            <a:schemeClr val="tx1"/>
-          </a:fontRef>
-        </p:style>
-      </p:cxnSp>
-      <p:cxnSp>
-        <p:nvCxnSpPr>
-          <p:cNvPr id="118" name="直接箭头连接符 117">
-            <a:extLst>
-              <a:ext uri="{FF2B5EF4-FFF2-40B4-BE49-F238E27FC236}">
-                <a16:creationId xmlns:a16="http://schemas.microsoft.com/office/drawing/2014/main" id="{396351C7-5D81-4CFD-B82E-FBAB29EADD3E}"/>
-              </a:ext>
-            </a:extLst>
-          </p:cNvPr>
-          <p:cNvCxnSpPr>
-            <a:cxnSpLocks/>
-            <a:stCxn id="107" idx="1"/>
-            <a:endCxn id="82" idx="3"/>
-          </p:cNvCxnSpPr>
-          <p:nvPr/>
-        </p:nvCxnSpPr>
-        <p:spPr>
-          <a:xfrm flipH="1" flipV="1">
-            <a:off x="6003639" y="1870361"/>
-            <a:ext cx="903145" cy="110836"/>
-          </a:xfrm>
-          <a:prstGeom prst="straightConnector1">
-            <a:avLst/>
-          </a:prstGeom>
-          <a:ln w="19050">
-            <a:tailEnd type="triangle"/>
-          </a:ln>
-        </p:spPr>
-        <p:style>
-          <a:lnRef idx="1">
-            <a:schemeClr val="dk1"/>
-          </a:lnRef>
-          <a:fillRef idx="0">
-            <a:schemeClr val="dk1"/>
-          </a:fillRef>
-          <a:effectRef idx="0">
-            <a:schemeClr val="dk1"/>
-          </a:effectRef>
-          <a:fontRef idx="minor">
-            <a:schemeClr val="tx1"/>
-          </a:fontRef>
-        </p:style>
-      </p:cxnSp>
-      <p:cxnSp>
-        <p:nvCxnSpPr>
-          <p:cNvPr id="121" name="直接箭头连接符 120">
-            <a:extLst>
-              <a:ext uri="{FF2B5EF4-FFF2-40B4-BE49-F238E27FC236}">
-                <a16:creationId xmlns:a16="http://schemas.microsoft.com/office/drawing/2014/main" id="{128C644E-4D96-402F-825B-12DFE37C7175}"/>
-              </a:ext>
-            </a:extLst>
-          </p:cNvPr>
-          <p:cNvCxnSpPr>
-            <a:cxnSpLocks/>
-            <a:stCxn id="106" idx="1"/>
-            <a:endCxn id="102" idx="3"/>
-          </p:cNvCxnSpPr>
-          <p:nvPr/>
-        </p:nvCxnSpPr>
-        <p:spPr>
-          <a:xfrm flipH="1" flipV="1">
-            <a:off x="6445546" y="1094521"/>
-            <a:ext cx="1071439" cy="17320"/>
-          </a:xfrm>
-          <a:prstGeom prst="straightConnector1">
-            <a:avLst/>
-          </a:prstGeom>
-          <a:ln w="19050">
-            <a:tailEnd type="triangle"/>
-          </a:ln>
-        </p:spPr>
-        <p:style>
-          <a:lnRef idx="1">
-            <a:schemeClr val="dk1"/>
-          </a:lnRef>
-          <a:fillRef idx="0">
-            <a:schemeClr val="dk1"/>
-          </a:fillRef>
-          <a:effectRef idx="0">
-            <a:schemeClr val="dk1"/>
-          </a:effectRef>
-          <a:fontRef idx="minor">
-            <a:schemeClr val="tx1"/>
-          </a:fontRef>
-        </p:style>
-      </p:cxnSp>
-      <p:cxnSp>
-        <p:nvCxnSpPr>
-          <p:cNvPr id="124" name="直接箭头连接符 123">
-            <a:extLst>
-              <a:ext uri="{FF2B5EF4-FFF2-40B4-BE49-F238E27FC236}">
-                <a16:creationId xmlns:a16="http://schemas.microsoft.com/office/drawing/2014/main" id="{3F339A2B-8E7F-4882-9418-58D874D85D33}"/>
-              </a:ext>
-            </a:extLst>
-          </p:cNvPr>
-          <p:cNvCxnSpPr>
-            <a:cxnSpLocks/>
-            <a:stCxn id="106" idx="2"/>
-            <a:endCxn id="107" idx="0"/>
-          </p:cNvCxnSpPr>
-          <p:nvPr/>
-        </p:nvCxnSpPr>
-        <p:spPr>
-          <a:xfrm flipH="1">
-            <a:off x="7045330" y="1222677"/>
-            <a:ext cx="610201" cy="647683"/>
-          </a:xfrm>
-          <a:prstGeom prst="straightConnector1">
-            <a:avLst/>
-          </a:prstGeom>
-          <a:ln w="19050">
-            <a:tailEnd type="triangle"/>
-          </a:ln>
-        </p:spPr>
-        <p:style>
-          <a:lnRef idx="1">
-            <a:schemeClr val="dk1"/>
-          </a:lnRef>
-          <a:fillRef idx="0">
-            <a:schemeClr val="dk1"/>
-          </a:fillRef>
-          <a:effectRef idx="0">
-            <a:schemeClr val="dk1"/>
-          </a:effectRef>
-          <a:fontRef idx="minor">
-            <a:schemeClr val="tx1"/>
-          </a:fontRef>
-        </p:style>
-      </p:cxnSp>
-      <p:cxnSp>
-        <p:nvCxnSpPr>
-          <p:cNvPr id="127" name="直接箭头连接符 126">
-            <a:extLst>
-              <a:ext uri="{FF2B5EF4-FFF2-40B4-BE49-F238E27FC236}">
-                <a16:creationId xmlns:a16="http://schemas.microsoft.com/office/drawing/2014/main" id="{8F9B93C4-7DDF-4AE9-B67A-E7A9B039ECF8}"/>
-              </a:ext>
-            </a:extLst>
-          </p:cNvPr>
-          <p:cNvCxnSpPr>
-            <a:cxnSpLocks/>
-            <a:stCxn id="105" idx="1"/>
-            <a:endCxn id="107" idx="3"/>
-          </p:cNvCxnSpPr>
-          <p:nvPr/>
-        </p:nvCxnSpPr>
-        <p:spPr>
-          <a:xfrm flipH="1">
-            <a:off x="7183875" y="1759524"/>
-            <a:ext cx="1186609" cy="221673"/>
-          </a:xfrm>
-          <a:prstGeom prst="straightConnector1">
-            <a:avLst/>
-          </a:prstGeom>
-          <a:ln w="19050">
-            <a:tailEnd type="triangle"/>
-          </a:ln>
-        </p:spPr>
-        <p:style>
-          <a:lnRef idx="1">
-            <a:schemeClr val="dk1"/>
-          </a:lnRef>
-          <a:fillRef idx="0">
-            <a:schemeClr val="dk1"/>
-          </a:fillRef>
-          <a:effectRef idx="0">
-            <a:schemeClr val="dk1"/>
-          </a:effectRef>
-          <a:fontRef idx="minor">
-            <a:schemeClr val="tx1"/>
-          </a:fontRef>
-        </p:style>
-      </p:cxnSp>
-      <p:cxnSp>
-        <p:nvCxnSpPr>
-          <p:cNvPr id="130" name="直接箭头连接符 129">
-            <a:extLst>
-              <a:ext uri="{FF2B5EF4-FFF2-40B4-BE49-F238E27FC236}">
-                <a16:creationId xmlns:a16="http://schemas.microsoft.com/office/drawing/2014/main" id="{24550400-43D8-4AC6-9F97-3CD0C022FE62}"/>
-              </a:ext>
-            </a:extLst>
-          </p:cNvPr>
-          <p:cNvCxnSpPr>
-            <a:cxnSpLocks/>
-            <a:stCxn id="105" idx="0"/>
-            <a:endCxn id="106" idx="3"/>
-          </p:cNvCxnSpPr>
-          <p:nvPr/>
-        </p:nvCxnSpPr>
-        <p:spPr>
-          <a:xfrm flipH="1" flipV="1">
-            <a:off x="7794076" y="1111841"/>
-            <a:ext cx="714954" cy="536846"/>
-          </a:xfrm>
-          <a:prstGeom prst="straightConnector1">
-            <a:avLst/>
-          </a:prstGeom>
-          <a:ln w="19050">
-            <a:tailEnd type="triangle"/>
-          </a:ln>
-        </p:spPr>
-        <p:style>
-          <a:lnRef idx="1">
-            <a:schemeClr val="dk1"/>
-          </a:lnRef>
-          <a:fillRef idx="0">
-            <a:schemeClr val="dk1"/>
-          </a:fillRef>
-          <a:effectRef idx="0">
-            <a:schemeClr val="dk1"/>
-          </a:effectRef>
-          <a:fontRef idx="minor">
-            <a:schemeClr val="tx1"/>
-          </a:fontRef>
-        </p:style>
-      </p:cxnSp>
-      <p:cxnSp>
-        <p:nvCxnSpPr>
-          <p:cNvPr id="133" name="直接箭头连接符 132">
-            <a:extLst>
-              <a:ext uri="{FF2B5EF4-FFF2-40B4-BE49-F238E27FC236}">
-                <a16:creationId xmlns:a16="http://schemas.microsoft.com/office/drawing/2014/main" id="{CBD9A870-FD4A-4648-90D9-FDFB0F167012}"/>
-              </a:ext>
-            </a:extLst>
-          </p:cNvPr>
-          <p:cNvCxnSpPr>
-            <a:cxnSpLocks/>
-            <a:stCxn id="95" idx="1"/>
-            <a:endCxn id="87" idx="3"/>
-          </p:cNvCxnSpPr>
-          <p:nvPr/>
-        </p:nvCxnSpPr>
-        <p:spPr>
-          <a:xfrm flipH="1">
-            <a:off x="5898033" y="2642759"/>
-            <a:ext cx="547513" cy="54264"/>
-          </a:xfrm>
-          <a:prstGeom prst="straightConnector1">
-            <a:avLst/>
-          </a:prstGeom>
-          <a:ln w="19050">
-            <a:tailEnd type="triangle"/>
-          </a:ln>
-        </p:spPr>
-        <p:style>
-          <a:lnRef idx="1">
-            <a:schemeClr val="dk1"/>
-          </a:lnRef>
-          <a:fillRef idx="0">
-            <a:schemeClr val="dk1"/>
-          </a:fillRef>
-          <a:effectRef idx="0">
-            <a:schemeClr val="dk1"/>
-          </a:effectRef>
-          <a:fontRef idx="minor">
-            <a:schemeClr val="tx1"/>
-          </a:fontRef>
-        </p:style>
-      </p:cxnSp>
-      <p:cxnSp>
-        <p:nvCxnSpPr>
-          <p:cNvPr id="136" name="直接箭头连接符 135">
-            <a:extLst>
-              <a:ext uri="{FF2B5EF4-FFF2-40B4-BE49-F238E27FC236}">
-                <a16:creationId xmlns:a16="http://schemas.microsoft.com/office/drawing/2014/main" id="{9F579A00-CF65-44D5-960B-F57B349174B0}"/>
-              </a:ext>
-            </a:extLst>
-          </p:cNvPr>
-          <p:cNvCxnSpPr>
-            <a:cxnSpLocks/>
-            <a:stCxn id="95" idx="2"/>
-            <a:endCxn id="91" idx="3"/>
-          </p:cNvCxnSpPr>
-          <p:nvPr/>
-        </p:nvCxnSpPr>
-        <p:spPr>
-          <a:xfrm flipH="1">
-            <a:off x="6021556" y="2753595"/>
-            <a:ext cx="562536" cy="580742"/>
-          </a:xfrm>
-          <a:prstGeom prst="straightConnector1">
-            <a:avLst/>
-          </a:prstGeom>
-          <a:ln w="19050">
-            <a:tailEnd type="triangle"/>
-          </a:ln>
-        </p:spPr>
-        <p:style>
-          <a:lnRef idx="1">
-            <a:schemeClr val="dk1"/>
-          </a:lnRef>
-          <a:fillRef idx="0">
-            <a:schemeClr val="dk1"/>
-          </a:fillRef>
-          <a:effectRef idx="0">
-            <a:schemeClr val="dk1"/>
-          </a:effectRef>
-          <a:fontRef idx="minor">
-            <a:schemeClr val="tx1"/>
-          </a:fontRef>
-        </p:style>
-      </p:cxnSp>
-      <p:cxnSp>
-        <p:nvCxnSpPr>
-          <p:cNvPr id="139" name="直接箭头连接符 138">
-            <a:extLst>
-              <a:ext uri="{FF2B5EF4-FFF2-40B4-BE49-F238E27FC236}">
-                <a16:creationId xmlns:a16="http://schemas.microsoft.com/office/drawing/2014/main" id="{BF5C4777-0D94-46C1-AC99-AEA9852B8A2D}"/>
-              </a:ext>
-            </a:extLst>
-          </p:cNvPr>
-          <p:cNvCxnSpPr>
-            <a:cxnSpLocks/>
-            <a:stCxn id="94" idx="0"/>
-            <a:endCxn id="95" idx="2"/>
-          </p:cNvCxnSpPr>
-          <p:nvPr/>
-        </p:nvCxnSpPr>
-        <p:spPr>
-          <a:xfrm flipH="1" flipV="1">
-            <a:off x="6584092" y="2753595"/>
-            <a:ext cx="322693" cy="606712"/>
-          </a:xfrm>
-          <a:prstGeom prst="straightConnector1">
-            <a:avLst/>
-          </a:prstGeom>
-          <a:ln w="19050">
-            <a:tailEnd type="triangle"/>
-          </a:ln>
-        </p:spPr>
-        <p:style>
-          <a:lnRef idx="1">
-            <a:schemeClr val="dk1"/>
-          </a:lnRef>
-          <a:fillRef idx="0">
-            <a:schemeClr val="dk1"/>
-          </a:fillRef>
-          <a:effectRef idx="0">
-            <a:schemeClr val="dk1"/>
-          </a:effectRef>
-          <a:fontRef idx="minor">
-            <a:schemeClr val="tx1"/>
-          </a:fontRef>
-        </p:style>
-      </p:cxnSp>
-      <p:cxnSp>
-        <p:nvCxnSpPr>
-          <p:cNvPr id="142" name="直接箭头连接符 141">
-            <a:extLst>
-              <a:ext uri="{FF2B5EF4-FFF2-40B4-BE49-F238E27FC236}">
-                <a16:creationId xmlns:a16="http://schemas.microsoft.com/office/drawing/2014/main" id="{EF90EF87-A464-4959-9389-9BDDD4799405}"/>
-              </a:ext>
-            </a:extLst>
-          </p:cNvPr>
-          <p:cNvCxnSpPr>
-            <a:cxnSpLocks/>
-            <a:stCxn id="94" idx="1"/>
-            <a:endCxn id="91" idx="3"/>
-          </p:cNvCxnSpPr>
-          <p:nvPr/>
-        </p:nvCxnSpPr>
-        <p:spPr>
-          <a:xfrm flipH="1" flipV="1">
-            <a:off x="6021556" y="3334337"/>
-            <a:ext cx="746683" cy="136807"/>
-          </a:xfrm>
-          <a:prstGeom prst="straightConnector1">
-            <a:avLst/>
-          </a:prstGeom>
-          <a:ln w="19050">
-            <a:tailEnd type="triangle"/>
-          </a:ln>
-        </p:spPr>
-        <p:style>
-          <a:lnRef idx="1">
-            <a:schemeClr val="dk1"/>
-          </a:lnRef>
-          <a:fillRef idx="0">
-            <a:schemeClr val="dk1"/>
-          </a:fillRef>
-          <a:effectRef idx="0">
-            <a:schemeClr val="dk1"/>
-          </a:effectRef>
-          <a:fontRef idx="minor">
-            <a:schemeClr val="tx1"/>
-          </a:fontRef>
-        </p:style>
-      </p:cxnSp>
-      <p:cxnSp>
-        <p:nvCxnSpPr>
-          <p:cNvPr id="145" name="直接箭头连接符 144">
-            <a:extLst>
-              <a:ext uri="{FF2B5EF4-FFF2-40B4-BE49-F238E27FC236}">
-                <a16:creationId xmlns:a16="http://schemas.microsoft.com/office/drawing/2014/main" id="{6141466C-D215-429B-B2C9-B55818BABD74}"/>
-              </a:ext>
-            </a:extLst>
-          </p:cNvPr>
-          <p:cNvCxnSpPr>
-            <a:cxnSpLocks/>
-            <a:stCxn id="93" idx="1"/>
-            <a:endCxn id="95" idx="3"/>
-          </p:cNvCxnSpPr>
-          <p:nvPr/>
-        </p:nvCxnSpPr>
-        <p:spPr>
-          <a:xfrm flipH="1" flipV="1">
-            <a:off x="6722637" y="2642759"/>
-            <a:ext cx="922780" cy="99286"/>
-          </a:xfrm>
-          <a:prstGeom prst="straightConnector1">
-            <a:avLst/>
-          </a:prstGeom>
-          <a:ln w="19050">
-            <a:tailEnd type="triangle"/>
-          </a:ln>
-        </p:spPr>
-        <p:style>
-          <a:lnRef idx="1">
-            <a:schemeClr val="dk1"/>
-          </a:lnRef>
-          <a:fillRef idx="0">
-            <a:schemeClr val="dk1"/>
-          </a:fillRef>
-          <a:effectRef idx="0">
-            <a:schemeClr val="dk1"/>
-          </a:effectRef>
-          <a:fontRef idx="minor">
-            <a:schemeClr val="tx1"/>
-          </a:fontRef>
-        </p:style>
-      </p:cxnSp>
-      <p:cxnSp>
-        <p:nvCxnSpPr>
-          <p:cNvPr id="148" name="直接箭头连接符 147">
-            <a:extLst>
-              <a:ext uri="{FF2B5EF4-FFF2-40B4-BE49-F238E27FC236}">
-                <a16:creationId xmlns:a16="http://schemas.microsoft.com/office/drawing/2014/main" id="{397C4CBE-E2B4-4F29-9821-F940AE5A161B}"/>
-              </a:ext>
-            </a:extLst>
-          </p:cNvPr>
-          <p:cNvCxnSpPr>
-            <a:cxnSpLocks/>
-            <a:stCxn id="93" idx="2"/>
-            <a:endCxn id="94" idx="3"/>
-          </p:cNvCxnSpPr>
-          <p:nvPr/>
-        </p:nvCxnSpPr>
-        <p:spPr>
-          <a:xfrm flipH="1">
-            <a:off x="7045330" y="2852881"/>
-            <a:ext cx="738633" cy="618263"/>
-          </a:xfrm>
-          <a:prstGeom prst="straightConnector1">
-            <a:avLst/>
-          </a:prstGeom>
-          <a:ln w="19050">
-            <a:tailEnd type="triangle"/>
-          </a:ln>
-        </p:spPr>
-        <p:style>
-          <a:lnRef idx="1">
-            <a:schemeClr val="dk1"/>
-          </a:lnRef>
-          <a:fillRef idx="0">
-            <a:schemeClr val="dk1"/>
-          </a:fillRef>
-          <a:effectRef idx="0">
-            <a:schemeClr val="dk1"/>
-          </a:effectRef>
-          <a:fontRef idx="minor">
-            <a:schemeClr val="tx1"/>
-          </a:fontRef>
-        </p:style>
-      </p:cxnSp>
-      <p:cxnSp>
-        <p:nvCxnSpPr>
-          <p:cNvPr id="151" name="直接箭头连接符 150">
-            <a:extLst>
-              <a:ext uri="{FF2B5EF4-FFF2-40B4-BE49-F238E27FC236}">
-                <a16:creationId xmlns:a16="http://schemas.microsoft.com/office/drawing/2014/main" id="{7E8FBC0D-29D9-4BD8-AFE7-D8DB7717C58F}"/>
-              </a:ext>
-            </a:extLst>
-          </p:cNvPr>
-          <p:cNvCxnSpPr>
-            <a:cxnSpLocks/>
-            <a:stCxn id="92" idx="0"/>
-            <a:endCxn id="93" idx="2"/>
-          </p:cNvCxnSpPr>
-          <p:nvPr/>
-        </p:nvCxnSpPr>
-        <p:spPr>
-          <a:xfrm flipH="1" flipV="1">
-            <a:off x="7783963" y="2852881"/>
-            <a:ext cx="404689" cy="645975"/>
-          </a:xfrm>
-          <a:prstGeom prst="straightConnector1">
-            <a:avLst/>
-          </a:prstGeom>
-          <a:ln w="19050">
-            <a:tailEnd type="triangle"/>
-          </a:ln>
-        </p:spPr>
-        <p:style>
-          <a:lnRef idx="1">
-            <a:schemeClr val="dk1"/>
-          </a:lnRef>
-          <a:fillRef idx="0">
-            <a:schemeClr val="dk1"/>
-          </a:fillRef>
-          <a:effectRef idx="0">
-            <a:schemeClr val="dk1"/>
-          </a:effectRef>
-          <a:fontRef idx="minor">
-            <a:schemeClr val="tx1"/>
-          </a:fontRef>
-        </p:style>
-      </p:cxnSp>
-      <p:cxnSp>
-        <p:nvCxnSpPr>
-          <p:cNvPr id="154" name="直接箭头连接符 153">
-            <a:extLst>
-              <a:ext uri="{FF2B5EF4-FFF2-40B4-BE49-F238E27FC236}">
-                <a16:creationId xmlns:a16="http://schemas.microsoft.com/office/drawing/2014/main" id="{8B261827-C39A-46E5-B974-B10B851308DD}"/>
-              </a:ext>
-            </a:extLst>
-          </p:cNvPr>
-          <p:cNvCxnSpPr>
-            <a:cxnSpLocks/>
-            <a:stCxn id="92" idx="1"/>
-            <a:endCxn id="94" idx="3"/>
-          </p:cNvCxnSpPr>
-          <p:nvPr/>
-        </p:nvCxnSpPr>
-        <p:spPr>
-          <a:xfrm flipH="1" flipV="1">
-            <a:off x="7045330" y="3471144"/>
-            <a:ext cx="1004776" cy="138549"/>
-          </a:xfrm>
-          <a:prstGeom prst="straightConnector1">
-            <a:avLst/>
-          </a:prstGeom>
-          <a:ln w="19050">
-            <a:tailEnd type="triangle"/>
-          </a:ln>
-        </p:spPr>
-        <p:style>
-          <a:lnRef idx="1">
-            <a:schemeClr val="dk1"/>
-          </a:lnRef>
-          <a:fillRef idx="0">
-            <a:schemeClr val="dk1"/>
-          </a:fillRef>
-          <a:effectRef idx="0">
-            <a:schemeClr val="dk1"/>
-          </a:effectRef>
-          <a:fontRef idx="minor">
-            <a:schemeClr val="tx1"/>
-          </a:fontRef>
-        </p:style>
-      </p:cxnSp>
-      <p:sp>
-        <p:nvSpPr>
-          <p:cNvPr id="157" name="矩形 156">
-            <a:extLst>
-              <a:ext uri="{FF2B5EF4-FFF2-40B4-BE49-F238E27FC236}">
-                <a16:creationId xmlns:a16="http://schemas.microsoft.com/office/drawing/2014/main" id="{616636A1-3FE0-4098-939E-71D1B91D673E}"/>
-              </a:ext>
-            </a:extLst>
-          </p:cNvPr>
-          <p:cNvSpPr/>
-          <p:nvPr/>
-        </p:nvSpPr>
-        <p:spPr>
-          <a:xfrm>
-            <a:off x="9033061" y="1177923"/>
-            <a:ext cx="277091" cy="221673"/>
-          </a:xfrm>
-          <a:prstGeom prst="rect">
-            <a:avLst/>
-          </a:prstGeom>
-        </p:spPr>
-        <p:style>
-          <a:lnRef idx="1">
-            <a:schemeClr val="accent1"/>
-          </a:lnRef>
-          <a:fillRef idx="2">
-            <a:schemeClr val="accent1"/>
-          </a:fillRef>
-          <a:effectRef idx="1">
-            <a:schemeClr val="accent1"/>
-          </a:effectRef>
-          <a:fontRef idx="minor">
-            <a:schemeClr val="dk1"/>
-          </a:fontRef>
-        </p:style>
-        <p:txBody>
-          <a:bodyPr rtlCol="0" anchor="ctr"/>
-          <a:lstStyle/>
-          <a:p>
-            <a:pPr algn="ctr"/>
-            <a:r>
-              <a:rPr lang="en-US" altLang="zh-CN" sz="1400" dirty="0">
-                <a:latin typeface="Times New Roman" panose="02020603050405020304" pitchFamily="18" charset="0"/>
-                <a:cs typeface="Times New Roman" panose="02020603050405020304" pitchFamily="18" charset="0"/>
-              </a:rPr>
-              <a:t>H</a:t>
-            </a:r>
-            <a:endParaRPr lang="zh-CN" altLang="en-US" sz="1400" dirty="0">
-              <a:latin typeface="Times New Roman" panose="02020603050405020304" pitchFamily="18" charset="0"/>
-              <a:cs typeface="Times New Roman" panose="02020603050405020304" pitchFamily="18" charset="0"/>
-            </a:endParaRPr>
-          </a:p>
-        </p:txBody>
-      </p:sp>
-      <p:cxnSp>
-        <p:nvCxnSpPr>
-          <p:cNvPr id="158" name="直接箭头连接符 157">
-            <a:extLst>
-              <a:ext uri="{FF2B5EF4-FFF2-40B4-BE49-F238E27FC236}">
-                <a16:creationId xmlns:a16="http://schemas.microsoft.com/office/drawing/2014/main" id="{866B27F2-ED94-4F77-9B3F-F3A1BE772D5D}"/>
-              </a:ext>
-            </a:extLst>
-          </p:cNvPr>
-          <p:cNvCxnSpPr>
-            <a:cxnSpLocks/>
-            <a:stCxn id="157" idx="2"/>
-            <a:endCxn id="105" idx="3"/>
-          </p:cNvCxnSpPr>
-          <p:nvPr/>
-        </p:nvCxnSpPr>
-        <p:spPr>
-          <a:xfrm flipH="1">
-            <a:off x="8647575" y="1399596"/>
-            <a:ext cx="524032" cy="359928"/>
-          </a:xfrm>
-          <a:prstGeom prst="straightConnector1">
-            <a:avLst/>
-          </a:prstGeom>
-          <a:ln w="19050">
-            <a:tailEnd type="triangle"/>
-          </a:ln>
-        </p:spPr>
-        <p:style>
-          <a:lnRef idx="1">
-            <a:schemeClr val="dk1"/>
-          </a:lnRef>
-          <a:fillRef idx="0">
-            <a:schemeClr val="dk1"/>
-          </a:fillRef>
-          <a:effectRef idx="0">
-            <a:schemeClr val="dk1"/>
-          </a:effectRef>
-          <a:fontRef idx="minor">
-            <a:schemeClr val="tx1"/>
-          </a:fontRef>
-        </p:style>
-      </p:cxnSp>
-      <p:cxnSp>
-        <p:nvCxnSpPr>
-          <p:cNvPr id="159" name="直接箭头连接符 158">
-            <a:extLst>
-              <a:ext uri="{FF2B5EF4-FFF2-40B4-BE49-F238E27FC236}">
-                <a16:creationId xmlns:a16="http://schemas.microsoft.com/office/drawing/2014/main" id="{02AFE995-8460-462C-8054-7C661BA10AC7}"/>
-              </a:ext>
-            </a:extLst>
-          </p:cNvPr>
-          <p:cNvCxnSpPr>
-            <a:cxnSpLocks/>
-            <a:stCxn id="157" idx="1"/>
-            <a:endCxn id="106" idx="3"/>
-          </p:cNvCxnSpPr>
-          <p:nvPr/>
-        </p:nvCxnSpPr>
-        <p:spPr>
-          <a:xfrm flipH="1" flipV="1">
-            <a:off x="7794076" y="1111841"/>
-            <a:ext cx="1238985" cy="176919"/>
-          </a:xfrm>
-          <a:prstGeom prst="straightConnector1">
-            <a:avLst/>
-          </a:prstGeom>
-          <a:ln w="19050">
-            <a:tailEnd type="triangle"/>
-          </a:ln>
-        </p:spPr>
-        <p:style>
-          <a:lnRef idx="1">
-            <a:schemeClr val="dk1"/>
-          </a:lnRef>
-          <a:fillRef idx="0">
-            <a:schemeClr val="dk1"/>
-          </a:fillRef>
-          <a:effectRef idx="0">
-            <a:schemeClr val="dk1"/>
-          </a:effectRef>
-          <a:fontRef idx="minor">
-            <a:schemeClr val="tx1"/>
-          </a:fontRef>
-        </p:style>
-      </p:cxnSp>
-      <p:grpSp>
-        <p:nvGrpSpPr>
-          <p:cNvPr id="168" name="组合 167">
-            <a:extLst>
-              <a:ext uri="{FF2B5EF4-FFF2-40B4-BE49-F238E27FC236}">
-                <a16:creationId xmlns:a16="http://schemas.microsoft.com/office/drawing/2014/main" id="{7F77AD13-67A2-45F5-991F-FB4058661346}"/>
+                <a16:creationId xmlns:a16="http://schemas.microsoft.com/office/drawing/2014/main" id="{C0B4B6E4-1AC7-492D-9D5E-ED652F0B9324}"/>
               </a:ext>
             </a:extLst>
           </p:cNvPr>
@@ -8400,45 +5132,406 @@
         </p:nvGrpSpPr>
         <p:grpSpPr>
           <a:xfrm>
-            <a:off x="674255" y="863612"/>
-            <a:ext cx="8829963" cy="3537530"/>
-            <a:chOff x="674255" y="1094521"/>
-            <a:chExt cx="8829963" cy="3537530"/>
+            <a:off x="535709" y="480294"/>
+            <a:ext cx="9050506" cy="4313400"/>
+            <a:chOff x="535709" y="480294"/>
+            <a:chExt cx="9050506" cy="4313400"/>
           </a:xfrm>
         </p:grpSpPr>
-        <p:cxnSp>
-          <p:nvCxnSpPr>
-            <p:cNvPr id="47" name="直接连接符 46">
+        <p:sp>
+          <p:nvSpPr>
+            <p:cNvPr id="172" name="云形 171">
               <a:extLst>
                 <a:ext uri="{FF2B5EF4-FFF2-40B4-BE49-F238E27FC236}">
-                  <a16:creationId xmlns:a16="http://schemas.microsoft.com/office/drawing/2014/main" id="{C9D689A8-BA25-4379-AF83-CD4EF38F9149}"/>
+                  <a16:creationId xmlns:a16="http://schemas.microsoft.com/office/drawing/2014/main" id="{CDAD3637-9E3D-4D10-A173-2651AA7857F4}"/>
                 </a:ext>
               </a:extLst>
             </p:cNvPr>
-            <p:cNvCxnSpPr/>
+            <p:cNvSpPr/>
             <p:nvPr/>
-          </p:nvCxnSpPr>
+          </p:nvSpPr>
           <p:spPr>
             <a:xfrm>
-              <a:off x="4055922" y="1094521"/>
-              <a:ext cx="0" cy="3315855"/>
+              <a:off x="4940406" y="480294"/>
+              <a:ext cx="4645809" cy="1871376"/>
             </a:xfrm>
-            <a:prstGeom prst="line">
+            <a:prstGeom prst="cloud">
               <a:avLst/>
             </a:prstGeom>
-            <a:ln w="19050">
-              <a:prstDash val="dash"/>
-            </a:ln>
+          </p:spPr>
+          <p:style>
+            <a:lnRef idx="1">
+              <a:schemeClr val="accent6"/>
+            </a:lnRef>
+            <a:fillRef idx="2">
+              <a:schemeClr val="accent6"/>
+            </a:fillRef>
+            <a:effectRef idx="1">
+              <a:schemeClr val="accent6"/>
+            </a:effectRef>
+            <a:fontRef idx="minor">
+              <a:schemeClr val="dk1"/>
+            </a:fontRef>
+          </p:style>
+          <p:txBody>
+            <a:bodyPr rtlCol="0" anchor="ctr"/>
+            <a:lstStyle/>
+            <a:p>
+              <a:pPr algn="ctr"/>
+              <a:endParaRPr lang="zh-CN" altLang="en-US"/>
+            </a:p>
+          </p:txBody>
+        </p:sp>
+        <p:sp>
+          <p:nvSpPr>
+            <p:cNvPr id="171" name="云形 170">
+              <a:extLst>
+                <a:ext uri="{FF2B5EF4-FFF2-40B4-BE49-F238E27FC236}">
+                  <a16:creationId xmlns:a16="http://schemas.microsoft.com/office/drawing/2014/main" id="{B013D269-E267-44D1-989F-5B943FE17B8C}"/>
+                </a:ext>
+              </a:extLst>
+            </p:cNvPr>
+            <p:cNvSpPr/>
+            <p:nvPr/>
+          </p:nvSpPr>
+          <p:spPr>
+            <a:xfrm rot="448691">
+              <a:off x="4720477" y="2454450"/>
+              <a:ext cx="4226669" cy="1590968"/>
+            </a:xfrm>
+            <a:prstGeom prst="cloud">
+              <a:avLst/>
+            </a:prstGeom>
+          </p:spPr>
+          <p:style>
+            <a:lnRef idx="1">
+              <a:schemeClr val="accent3"/>
+            </a:lnRef>
+            <a:fillRef idx="2">
+              <a:schemeClr val="accent3"/>
+            </a:fillRef>
+            <a:effectRef idx="1">
+              <a:schemeClr val="accent3"/>
+            </a:effectRef>
+            <a:fontRef idx="minor">
+              <a:schemeClr val="dk1"/>
+            </a:fontRef>
+          </p:style>
+          <p:txBody>
+            <a:bodyPr rtlCol="0" anchor="ctr"/>
+            <a:lstStyle/>
+            <a:p>
+              <a:pPr algn="ctr"/>
+              <a:endParaRPr lang="zh-CN" altLang="en-US"/>
+            </a:p>
+          </p:txBody>
+        </p:sp>
+        <p:sp>
+          <p:nvSpPr>
+            <p:cNvPr id="2" name="矩形 1">
+              <a:extLst>
+                <a:ext uri="{FF2B5EF4-FFF2-40B4-BE49-F238E27FC236}">
+                  <a16:creationId xmlns:a16="http://schemas.microsoft.com/office/drawing/2014/main" id="{AAD80EDA-6707-4ECA-8EBA-9A7E64A30C78}"/>
+                </a:ext>
+              </a:extLst>
+            </p:cNvPr>
+            <p:cNvSpPr/>
+            <p:nvPr/>
+          </p:nvSpPr>
+          <p:spPr>
+            <a:xfrm>
+              <a:off x="1034473" y="2068945"/>
+              <a:ext cx="277091" cy="221673"/>
+            </a:xfrm>
+            <a:prstGeom prst="rect">
+              <a:avLst/>
+            </a:prstGeom>
           </p:spPr>
           <p:style>
             <a:lnRef idx="1">
               <a:schemeClr val="accent1"/>
             </a:lnRef>
-            <a:fillRef idx="0">
+            <a:fillRef idx="2">
               <a:schemeClr val="accent1"/>
             </a:fillRef>
+            <a:effectRef idx="1">
+              <a:schemeClr val="accent1"/>
+            </a:effectRef>
+            <a:fontRef idx="minor">
+              <a:schemeClr val="dk1"/>
+            </a:fontRef>
+          </p:style>
+          <p:txBody>
+            <a:bodyPr rtlCol="0" anchor="ctr"/>
+            <a:lstStyle/>
+            <a:p>
+              <a:pPr algn="ctr"/>
+              <a:r>
+                <a:rPr lang="en-US" altLang="zh-CN" sz="1400" dirty="0">
+                  <a:latin typeface="Times New Roman" panose="02020603050405020304" pitchFamily="18" charset="0"/>
+                  <a:cs typeface="Times New Roman" panose="02020603050405020304" pitchFamily="18" charset="0"/>
+                </a:rPr>
+                <a:t>H</a:t>
+              </a:r>
+              <a:endParaRPr lang="zh-CN" altLang="en-US" sz="1400" dirty="0">
+                <a:latin typeface="Times New Roman" panose="02020603050405020304" pitchFamily="18" charset="0"/>
+                <a:cs typeface="Times New Roman" panose="02020603050405020304" pitchFamily="18" charset="0"/>
+              </a:endParaRPr>
+            </a:p>
+          </p:txBody>
+        </p:sp>
+        <p:sp>
+          <p:nvSpPr>
+            <p:cNvPr id="3" name="矩形 2">
+              <a:extLst>
+                <a:ext uri="{FF2B5EF4-FFF2-40B4-BE49-F238E27FC236}">
+                  <a16:creationId xmlns:a16="http://schemas.microsoft.com/office/drawing/2014/main" id="{A00FA477-FB4D-4128-9794-DFBCD535984F}"/>
+                </a:ext>
+              </a:extLst>
+            </p:cNvPr>
+            <p:cNvSpPr/>
+            <p:nvPr/>
+          </p:nvSpPr>
+          <p:spPr>
+            <a:xfrm>
+              <a:off x="1390073" y="2590800"/>
+              <a:ext cx="277091" cy="221673"/>
+            </a:xfrm>
+            <a:prstGeom prst="rect">
+              <a:avLst/>
+            </a:prstGeom>
+          </p:spPr>
+          <p:style>
+            <a:lnRef idx="1">
+              <a:schemeClr val="accent1"/>
+            </a:lnRef>
+            <a:fillRef idx="2">
+              <a:schemeClr val="accent1"/>
+            </a:fillRef>
+            <a:effectRef idx="1">
+              <a:schemeClr val="accent1"/>
+            </a:effectRef>
+            <a:fontRef idx="minor">
+              <a:schemeClr val="dk1"/>
+            </a:fontRef>
+          </p:style>
+          <p:txBody>
+            <a:bodyPr rtlCol="0" anchor="ctr"/>
+            <a:lstStyle/>
+            <a:p>
+              <a:pPr algn="ctr"/>
+              <a:r>
+                <a:rPr lang="en-US" altLang="zh-CN" sz="1400" dirty="0">
+                  <a:latin typeface="Times New Roman" panose="02020603050405020304" pitchFamily="18" charset="0"/>
+                  <a:cs typeface="Times New Roman" panose="02020603050405020304" pitchFamily="18" charset="0"/>
+                </a:rPr>
+                <a:t>H</a:t>
+              </a:r>
+              <a:endParaRPr lang="zh-CN" altLang="en-US" sz="1400" dirty="0">
+                <a:latin typeface="Times New Roman" panose="02020603050405020304" pitchFamily="18" charset="0"/>
+                <a:cs typeface="Times New Roman" panose="02020603050405020304" pitchFamily="18" charset="0"/>
+              </a:endParaRPr>
+            </a:p>
+          </p:txBody>
+        </p:sp>
+        <p:sp>
+          <p:nvSpPr>
+            <p:cNvPr id="4" name="矩形 3">
+              <a:extLst>
+                <a:ext uri="{FF2B5EF4-FFF2-40B4-BE49-F238E27FC236}">
+                  <a16:creationId xmlns:a16="http://schemas.microsoft.com/office/drawing/2014/main" id="{0113013D-FBF9-461F-BB10-43C8A1E2F478}"/>
+                </a:ext>
+              </a:extLst>
+            </p:cNvPr>
+            <p:cNvSpPr/>
+            <p:nvPr/>
+          </p:nvSpPr>
+          <p:spPr>
+            <a:xfrm>
+              <a:off x="2789383" y="1671780"/>
+              <a:ext cx="277091" cy="221673"/>
+            </a:xfrm>
+            <a:prstGeom prst="rect">
+              <a:avLst/>
+            </a:prstGeom>
+          </p:spPr>
+          <p:style>
+            <a:lnRef idx="1">
+              <a:schemeClr val="accent1"/>
+            </a:lnRef>
+            <a:fillRef idx="2">
+              <a:schemeClr val="accent1"/>
+            </a:fillRef>
+            <a:effectRef idx="1">
+              <a:schemeClr val="accent1"/>
+            </a:effectRef>
+            <a:fontRef idx="minor">
+              <a:schemeClr val="dk1"/>
+            </a:fontRef>
+          </p:style>
+          <p:txBody>
+            <a:bodyPr rtlCol="0" anchor="ctr"/>
+            <a:lstStyle/>
+            <a:p>
+              <a:pPr algn="ctr"/>
+              <a:r>
+                <a:rPr lang="en-US" altLang="zh-CN" sz="1400" dirty="0">
+                  <a:latin typeface="Times New Roman" panose="02020603050405020304" pitchFamily="18" charset="0"/>
+                  <a:cs typeface="Times New Roman" panose="02020603050405020304" pitchFamily="18" charset="0"/>
+                </a:rPr>
+                <a:t>H</a:t>
+              </a:r>
+              <a:endParaRPr lang="zh-CN" altLang="en-US" sz="1400" dirty="0">
+                <a:latin typeface="Times New Roman" panose="02020603050405020304" pitchFamily="18" charset="0"/>
+                <a:cs typeface="Times New Roman" panose="02020603050405020304" pitchFamily="18" charset="0"/>
+              </a:endParaRPr>
+            </a:p>
+          </p:txBody>
+        </p:sp>
+        <p:sp>
+          <p:nvSpPr>
+            <p:cNvPr id="5" name="矩形 4">
+              <a:extLst>
+                <a:ext uri="{FF2B5EF4-FFF2-40B4-BE49-F238E27FC236}">
+                  <a16:creationId xmlns:a16="http://schemas.microsoft.com/office/drawing/2014/main" id="{A612DAC0-42E4-4A29-B419-48EF88AFCB5D}"/>
+                </a:ext>
+              </a:extLst>
+            </p:cNvPr>
+            <p:cNvSpPr/>
+            <p:nvPr/>
+          </p:nvSpPr>
+          <p:spPr>
+            <a:xfrm>
+              <a:off x="2230582" y="2812473"/>
+              <a:ext cx="277091" cy="221673"/>
+            </a:xfrm>
+            <a:prstGeom prst="rect">
+              <a:avLst/>
+            </a:prstGeom>
+          </p:spPr>
+          <p:style>
+            <a:lnRef idx="1">
+              <a:schemeClr val="accent1"/>
+            </a:lnRef>
+            <a:fillRef idx="2">
+              <a:schemeClr val="accent1"/>
+            </a:fillRef>
+            <a:effectRef idx="1">
+              <a:schemeClr val="accent1"/>
+            </a:effectRef>
+            <a:fontRef idx="minor">
+              <a:schemeClr val="dk1"/>
+            </a:fontRef>
+          </p:style>
+          <p:txBody>
+            <a:bodyPr rtlCol="0" anchor="ctr"/>
+            <a:lstStyle/>
+            <a:p>
+              <a:pPr algn="ctr"/>
+              <a:r>
+                <a:rPr lang="en-US" altLang="zh-CN" sz="1400" dirty="0">
+                  <a:latin typeface="Times New Roman" panose="02020603050405020304" pitchFamily="18" charset="0"/>
+                  <a:cs typeface="Times New Roman" panose="02020603050405020304" pitchFamily="18" charset="0"/>
+                </a:rPr>
+                <a:t>H</a:t>
+              </a:r>
+              <a:endParaRPr lang="zh-CN" altLang="en-US" sz="1400" dirty="0">
+                <a:latin typeface="Times New Roman" panose="02020603050405020304" pitchFamily="18" charset="0"/>
+                <a:cs typeface="Times New Roman" panose="02020603050405020304" pitchFamily="18" charset="0"/>
+              </a:endParaRPr>
+            </a:p>
+          </p:txBody>
+        </p:sp>
+        <p:sp>
+          <p:nvSpPr>
+            <p:cNvPr id="6" name="矩形 5">
+              <a:extLst>
+                <a:ext uri="{FF2B5EF4-FFF2-40B4-BE49-F238E27FC236}">
+                  <a16:creationId xmlns:a16="http://schemas.microsoft.com/office/drawing/2014/main" id="{5CCBF17A-1233-4871-BCF1-FA2CB8FA57AB}"/>
+                </a:ext>
+              </a:extLst>
+            </p:cNvPr>
+            <p:cNvSpPr/>
+            <p:nvPr/>
+          </p:nvSpPr>
+          <p:spPr>
+            <a:xfrm>
+              <a:off x="1810328" y="1671781"/>
+              <a:ext cx="277091" cy="221673"/>
+            </a:xfrm>
+            <a:prstGeom prst="rect">
+              <a:avLst/>
+            </a:prstGeom>
+          </p:spPr>
+          <p:style>
+            <a:lnRef idx="1">
+              <a:schemeClr val="accent1"/>
+            </a:lnRef>
+            <a:fillRef idx="2">
+              <a:schemeClr val="accent1"/>
+            </a:fillRef>
+            <a:effectRef idx="1">
+              <a:schemeClr val="accent1"/>
+            </a:effectRef>
+            <a:fontRef idx="minor">
+              <a:schemeClr val="dk1"/>
+            </a:fontRef>
+          </p:style>
+          <p:txBody>
+            <a:bodyPr rtlCol="0" anchor="ctr"/>
+            <a:lstStyle/>
+            <a:p>
+              <a:pPr algn="ctr"/>
+              <a:r>
+                <a:rPr lang="en-US" altLang="zh-CN" sz="1400" dirty="0">
+                  <a:latin typeface="Times New Roman" panose="02020603050405020304" pitchFamily="18" charset="0"/>
+                  <a:cs typeface="Times New Roman" panose="02020603050405020304" pitchFamily="18" charset="0"/>
+                </a:rPr>
+                <a:t>H</a:t>
+              </a:r>
+              <a:endParaRPr lang="zh-CN" altLang="en-US" sz="1400" dirty="0">
+                <a:latin typeface="Times New Roman" panose="02020603050405020304" pitchFamily="18" charset="0"/>
+                <a:cs typeface="Times New Roman" panose="02020603050405020304" pitchFamily="18" charset="0"/>
+              </a:endParaRPr>
+            </a:p>
+          </p:txBody>
+        </p:sp>
+        <p:cxnSp>
+          <p:nvCxnSpPr>
+            <p:cNvPr id="8" name="直接箭头连接符 7">
+              <a:extLst>
+                <a:ext uri="{FF2B5EF4-FFF2-40B4-BE49-F238E27FC236}">
+                  <a16:creationId xmlns:a16="http://schemas.microsoft.com/office/drawing/2014/main" id="{EB8A32DC-1295-4257-BD14-18F6CFA91B54}"/>
+                </a:ext>
+              </a:extLst>
+            </p:cNvPr>
+            <p:cNvCxnSpPr>
+              <a:stCxn id="6" idx="1"/>
+              <a:endCxn id="2" idx="0"/>
+            </p:cNvCxnSpPr>
+            <p:nvPr/>
+          </p:nvCxnSpPr>
+          <p:spPr>
+            <a:xfrm flipH="1">
+              <a:off x="1173019" y="1782618"/>
+              <a:ext cx="637309" cy="286327"/>
+            </a:xfrm>
+            <a:prstGeom prst="straightConnector1">
+              <a:avLst/>
+            </a:prstGeom>
+            <a:ln w="19050">
+              <a:tailEnd type="triangle"/>
+            </a:ln>
+          </p:spPr>
+          <p:style>
+            <a:lnRef idx="1">
+              <a:schemeClr val="dk1"/>
+            </a:lnRef>
+            <a:fillRef idx="0">
+              <a:schemeClr val="dk1"/>
+            </a:fillRef>
             <a:effectRef idx="0">
-              <a:schemeClr val="accent1"/>
+              <a:schemeClr val="dk1"/>
             </a:effectRef>
             <a:fontRef idx="minor">
               <a:schemeClr val="tx1"/>
@@ -8447,25 +5540,28 @@
         </p:cxnSp>
         <p:cxnSp>
           <p:nvCxnSpPr>
-            <p:cNvPr id="49" name="直接箭头连接符 48">
+            <p:cNvPr id="10" name="直接箭头连接符 9">
               <a:extLst>
                 <a:ext uri="{FF2B5EF4-FFF2-40B4-BE49-F238E27FC236}">
-                  <a16:creationId xmlns:a16="http://schemas.microsoft.com/office/drawing/2014/main" id="{BECAFE39-40AD-4679-9C35-CF056FE40EF9}"/>
+                  <a16:creationId xmlns:a16="http://schemas.microsoft.com/office/drawing/2014/main" id="{B3FE5F72-89ED-49FD-82D1-CF53B9EECF66}"/>
                 </a:ext>
               </a:extLst>
             </p:cNvPr>
-            <p:cNvCxnSpPr/>
+            <p:cNvCxnSpPr>
+              <a:stCxn id="3" idx="0"/>
+              <a:endCxn id="2" idx="2"/>
+            </p:cNvCxnSpPr>
             <p:nvPr/>
           </p:nvCxnSpPr>
           <p:spPr>
-            <a:xfrm>
-              <a:off x="674255" y="4396516"/>
-              <a:ext cx="8829963" cy="0"/>
+            <a:xfrm flipH="1" flipV="1">
+              <a:off x="1173019" y="2290618"/>
+              <a:ext cx="355600" cy="300182"/>
             </a:xfrm>
             <a:prstGeom prst="straightConnector1">
               <a:avLst/>
             </a:prstGeom>
-            <a:ln w="25400">
+            <a:ln w="19050">
               <a:tailEnd type="triangle"/>
             </a:ln>
           </p:spPr>
@@ -8484,14 +5580,3434 @@
             </a:fontRef>
           </p:style>
         </p:cxnSp>
-        <mc:AlternateContent xmlns:mc="http://schemas.openxmlformats.org/markup-compatibility/2006" xmlns:a14="http://schemas.microsoft.com/office/drawing/2010/main">
-          <mc:Choice Requires="a14">
+        <p:cxnSp>
+          <p:nvCxnSpPr>
+            <p:cNvPr id="11" name="直接箭头连接符 10">
+              <a:extLst>
+                <a:ext uri="{FF2B5EF4-FFF2-40B4-BE49-F238E27FC236}">
+                  <a16:creationId xmlns:a16="http://schemas.microsoft.com/office/drawing/2014/main" id="{9DBF6852-6DD0-4DE6-A8B8-F21B5A73F534}"/>
+                </a:ext>
+              </a:extLst>
+            </p:cNvPr>
+            <p:cNvCxnSpPr>
+              <a:cxnSpLocks/>
+              <a:stCxn id="6" idx="2"/>
+              <a:endCxn id="3" idx="0"/>
+            </p:cNvCxnSpPr>
+            <p:nvPr/>
+          </p:nvCxnSpPr>
+          <p:spPr>
+            <a:xfrm flipH="1">
+              <a:off x="1528619" y="1893454"/>
+              <a:ext cx="420255" cy="697346"/>
+            </a:xfrm>
+            <a:prstGeom prst="straightConnector1">
+              <a:avLst/>
+            </a:prstGeom>
+            <a:ln w="19050">
+              <a:tailEnd type="triangle"/>
+            </a:ln>
+          </p:spPr>
+          <p:style>
+            <a:lnRef idx="1">
+              <a:schemeClr val="dk1"/>
+            </a:lnRef>
+            <a:fillRef idx="0">
+              <a:schemeClr val="dk1"/>
+            </a:fillRef>
+            <a:effectRef idx="0">
+              <a:schemeClr val="dk1"/>
+            </a:effectRef>
+            <a:fontRef idx="minor">
+              <a:schemeClr val="tx1"/>
+            </a:fontRef>
+          </p:style>
+        </p:cxnSp>
+        <p:cxnSp>
+          <p:nvCxnSpPr>
+            <p:cNvPr id="18" name="直接箭头连接符 17">
+              <a:extLst>
+                <a:ext uri="{FF2B5EF4-FFF2-40B4-BE49-F238E27FC236}">
+                  <a16:creationId xmlns:a16="http://schemas.microsoft.com/office/drawing/2014/main" id="{66CA6588-715B-40AE-AF73-1506E8DFC45F}"/>
+                </a:ext>
+              </a:extLst>
+            </p:cNvPr>
+            <p:cNvCxnSpPr>
+              <a:stCxn id="5" idx="0"/>
+              <a:endCxn id="6" idx="2"/>
+            </p:cNvCxnSpPr>
+            <p:nvPr/>
+          </p:nvCxnSpPr>
+          <p:spPr>
+            <a:xfrm flipH="1" flipV="1">
+              <a:off x="1948874" y="1893454"/>
+              <a:ext cx="420254" cy="919019"/>
+            </a:xfrm>
+            <a:prstGeom prst="straightConnector1">
+              <a:avLst/>
+            </a:prstGeom>
+            <a:ln w="19050">
+              <a:tailEnd type="triangle"/>
+            </a:ln>
+          </p:spPr>
+          <p:style>
+            <a:lnRef idx="1">
+              <a:schemeClr val="dk1"/>
+            </a:lnRef>
+            <a:fillRef idx="0">
+              <a:schemeClr val="dk1"/>
+            </a:fillRef>
+            <a:effectRef idx="0">
+              <a:schemeClr val="dk1"/>
+            </a:effectRef>
+            <a:fontRef idx="minor">
+              <a:schemeClr val="tx1"/>
+            </a:fontRef>
+          </p:style>
+        </p:cxnSp>
+        <p:cxnSp>
+          <p:nvCxnSpPr>
+            <p:cNvPr id="20" name="直接箭头连接符 19">
+              <a:extLst>
+                <a:ext uri="{FF2B5EF4-FFF2-40B4-BE49-F238E27FC236}">
+                  <a16:creationId xmlns:a16="http://schemas.microsoft.com/office/drawing/2014/main" id="{926E90E1-3744-46D1-B840-9C63A3E173F0}"/>
+                </a:ext>
+              </a:extLst>
+            </p:cNvPr>
+            <p:cNvCxnSpPr>
+              <a:stCxn id="5" idx="1"/>
+              <a:endCxn id="3" idx="3"/>
+            </p:cNvCxnSpPr>
+            <p:nvPr/>
+          </p:nvCxnSpPr>
+          <p:spPr>
+            <a:xfrm flipH="1" flipV="1">
+              <a:off x="1667164" y="2701637"/>
+              <a:ext cx="563418" cy="221673"/>
+            </a:xfrm>
+            <a:prstGeom prst="straightConnector1">
+              <a:avLst/>
+            </a:prstGeom>
+            <a:ln w="19050">
+              <a:tailEnd type="triangle"/>
+            </a:ln>
+          </p:spPr>
+          <p:style>
+            <a:lnRef idx="1">
+              <a:schemeClr val="dk1"/>
+            </a:lnRef>
+            <a:fillRef idx="0">
+              <a:schemeClr val="dk1"/>
+            </a:fillRef>
+            <a:effectRef idx="0">
+              <a:schemeClr val="dk1"/>
+            </a:effectRef>
+            <a:fontRef idx="minor">
+              <a:schemeClr val="tx1"/>
+            </a:fontRef>
+          </p:style>
+        </p:cxnSp>
+        <p:cxnSp>
+          <p:nvCxnSpPr>
+            <p:cNvPr id="22" name="直接箭头连接符 21">
+              <a:extLst>
+                <a:ext uri="{FF2B5EF4-FFF2-40B4-BE49-F238E27FC236}">
+                  <a16:creationId xmlns:a16="http://schemas.microsoft.com/office/drawing/2014/main" id="{58AADDFD-769F-4126-A5A4-D9E2E831132E}"/>
+                </a:ext>
+              </a:extLst>
+            </p:cNvPr>
+            <p:cNvCxnSpPr>
+              <a:stCxn id="4" idx="1"/>
+              <a:endCxn id="6" idx="3"/>
+            </p:cNvCxnSpPr>
+            <p:nvPr/>
+          </p:nvCxnSpPr>
+          <p:spPr>
+            <a:xfrm flipH="1">
+              <a:off x="2087419" y="1782617"/>
+              <a:ext cx="701964" cy="1"/>
+            </a:xfrm>
+            <a:prstGeom prst="straightConnector1">
+              <a:avLst/>
+            </a:prstGeom>
+            <a:ln w="19050">
+              <a:tailEnd type="triangle"/>
+            </a:ln>
+          </p:spPr>
+          <p:style>
+            <a:lnRef idx="1">
+              <a:schemeClr val="dk1"/>
+            </a:lnRef>
+            <a:fillRef idx="0">
+              <a:schemeClr val="dk1"/>
+            </a:fillRef>
+            <a:effectRef idx="0">
+              <a:schemeClr val="dk1"/>
+            </a:effectRef>
+            <a:fontRef idx="minor">
+              <a:schemeClr val="tx1"/>
+            </a:fontRef>
+          </p:style>
+        </p:cxnSp>
+        <p:cxnSp>
+          <p:nvCxnSpPr>
+            <p:cNvPr id="24" name="直接箭头连接符 23">
+              <a:extLst>
+                <a:ext uri="{FF2B5EF4-FFF2-40B4-BE49-F238E27FC236}">
+                  <a16:creationId xmlns:a16="http://schemas.microsoft.com/office/drawing/2014/main" id="{E866AB82-1510-4295-B52B-132459FA3756}"/>
+                </a:ext>
+              </a:extLst>
+            </p:cNvPr>
+            <p:cNvCxnSpPr>
+              <a:stCxn id="4" idx="2"/>
+              <a:endCxn id="5" idx="0"/>
+            </p:cNvCxnSpPr>
+            <p:nvPr/>
+          </p:nvCxnSpPr>
+          <p:spPr>
+            <a:xfrm flipH="1">
+              <a:off x="2369128" y="1893453"/>
+              <a:ext cx="558801" cy="919020"/>
+            </a:xfrm>
+            <a:prstGeom prst="straightConnector1">
+              <a:avLst/>
+            </a:prstGeom>
+            <a:ln w="19050">
+              <a:tailEnd type="triangle"/>
+            </a:ln>
+          </p:spPr>
+          <p:style>
+            <a:lnRef idx="1">
+              <a:schemeClr val="dk1"/>
+            </a:lnRef>
+            <a:fillRef idx="0">
+              <a:schemeClr val="dk1"/>
+            </a:fillRef>
+            <a:effectRef idx="0">
+              <a:schemeClr val="dk1"/>
+            </a:effectRef>
+            <a:fontRef idx="minor">
+              <a:schemeClr val="tx1"/>
+            </a:fontRef>
+          </p:style>
+        </p:cxnSp>
+        <p:sp>
+          <p:nvSpPr>
+            <p:cNvPr id="25" name="矩形 24">
+              <a:extLst>
+                <a:ext uri="{FF2B5EF4-FFF2-40B4-BE49-F238E27FC236}">
+                  <a16:creationId xmlns:a16="http://schemas.microsoft.com/office/drawing/2014/main" id="{CD81D343-859C-4890-8263-5717BC8C325D}"/>
+                </a:ext>
+              </a:extLst>
+            </p:cNvPr>
+            <p:cNvSpPr/>
+            <p:nvPr/>
+          </p:nvSpPr>
+          <p:spPr>
+            <a:xfrm>
+              <a:off x="3184240" y="3020292"/>
+              <a:ext cx="277091" cy="221673"/>
+            </a:xfrm>
+            <a:prstGeom prst="rect">
+              <a:avLst/>
+            </a:prstGeom>
+          </p:spPr>
+          <p:style>
+            <a:lnRef idx="1">
+              <a:schemeClr val="accent1"/>
+            </a:lnRef>
+            <a:fillRef idx="2">
+              <a:schemeClr val="accent1"/>
+            </a:fillRef>
+            <a:effectRef idx="1">
+              <a:schemeClr val="accent1"/>
+            </a:effectRef>
+            <a:fontRef idx="minor">
+              <a:schemeClr val="dk1"/>
+            </a:fontRef>
+          </p:style>
+          <p:txBody>
+            <a:bodyPr rtlCol="0" anchor="ctr"/>
+            <a:lstStyle/>
+            <a:p>
+              <a:pPr algn="ctr"/>
+              <a:r>
+                <a:rPr lang="en-US" altLang="zh-CN" sz="1400" dirty="0">
+                  <a:latin typeface="Times New Roman" panose="02020603050405020304" pitchFamily="18" charset="0"/>
+                  <a:cs typeface="Times New Roman" panose="02020603050405020304" pitchFamily="18" charset="0"/>
+                </a:rPr>
+                <a:t>H</a:t>
+              </a:r>
+              <a:endParaRPr lang="zh-CN" altLang="en-US" sz="1400" dirty="0">
+                <a:latin typeface="Times New Roman" panose="02020603050405020304" pitchFamily="18" charset="0"/>
+                <a:cs typeface="Times New Roman" panose="02020603050405020304" pitchFamily="18" charset="0"/>
+              </a:endParaRPr>
+            </a:p>
+          </p:txBody>
+        </p:sp>
+        <p:cxnSp>
+          <p:nvCxnSpPr>
+            <p:cNvPr id="26" name="直接箭头连接符 25">
+              <a:extLst>
+                <a:ext uri="{FF2B5EF4-FFF2-40B4-BE49-F238E27FC236}">
+                  <a16:creationId xmlns:a16="http://schemas.microsoft.com/office/drawing/2014/main" id="{311A3312-1DFE-444B-A1C1-87D4008631E4}"/>
+                </a:ext>
+              </a:extLst>
+            </p:cNvPr>
+            <p:cNvCxnSpPr>
+              <a:cxnSpLocks/>
+              <a:stCxn id="25" idx="0"/>
+              <a:endCxn id="4" idx="2"/>
+            </p:cNvCxnSpPr>
+            <p:nvPr/>
+          </p:nvCxnSpPr>
+          <p:spPr>
+            <a:xfrm flipH="1" flipV="1">
+              <a:off x="2927929" y="1893453"/>
+              <a:ext cx="394857" cy="1126839"/>
+            </a:xfrm>
+            <a:prstGeom prst="straightConnector1">
+              <a:avLst/>
+            </a:prstGeom>
+            <a:ln w="19050">
+              <a:tailEnd type="triangle"/>
+            </a:ln>
+          </p:spPr>
+          <p:style>
+            <a:lnRef idx="1">
+              <a:schemeClr val="dk1"/>
+            </a:lnRef>
+            <a:fillRef idx="0">
+              <a:schemeClr val="dk1"/>
+            </a:fillRef>
+            <a:effectRef idx="0">
+              <a:schemeClr val="dk1"/>
+            </a:effectRef>
+            <a:fontRef idx="minor">
+              <a:schemeClr val="tx1"/>
+            </a:fontRef>
+          </p:style>
+        </p:cxnSp>
+        <p:cxnSp>
+          <p:nvCxnSpPr>
+            <p:cNvPr id="27" name="直接箭头连接符 26">
+              <a:extLst>
+                <a:ext uri="{FF2B5EF4-FFF2-40B4-BE49-F238E27FC236}">
+                  <a16:creationId xmlns:a16="http://schemas.microsoft.com/office/drawing/2014/main" id="{AC90C36C-B6EC-49D8-9BC6-2284E6CA9975}"/>
+                </a:ext>
+              </a:extLst>
+            </p:cNvPr>
+            <p:cNvCxnSpPr>
+              <a:cxnSpLocks/>
+              <a:stCxn id="25" idx="1"/>
+              <a:endCxn id="5" idx="3"/>
+            </p:cNvCxnSpPr>
+            <p:nvPr/>
+          </p:nvCxnSpPr>
+          <p:spPr>
+            <a:xfrm flipH="1" flipV="1">
+              <a:off x="2507673" y="2923310"/>
+              <a:ext cx="676567" cy="207819"/>
+            </a:xfrm>
+            <a:prstGeom prst="straightConnector1">
+              <a:avLst/>
+            </a:prstGeom>
+            <a:ln w="19050">
+              <a:tailEnd type="triangle"/>
+            </a:ln>
+          </p:spPr>
+          <p:style>
+            <a:lnRef idx="1">
+              <a:schemeClr val="dk1"/>
+            </a:lnRef>
+            <a:fillRef idx="0">
+              <a:schemeClr val="dk1"/>
+            </a:fillRef>
+            <a:effectRef idx="0">
+              <a:schemeClr val="dk1"/>
+            </a:effectRef>
+            <a:fontRef idx="minor">
+              <a:schemeClr val="tx1"/>
+            </a:fontRef>
+          </p:style>
+        </p:cxnSp>
+        <p:sp>
+          <p:nvSpPr>
+            <p:cNvPr id="32" name="矩形 31">
+              <a:extLst>
+                <a:ext uri="{FF2B5EF4-FFF2-40B4-BE49-F238E27FC236}">
+                  <a16:creationId xmlns:a16="http://schemas.microsoft.com/office/drawing/2014/main" id="{8366657D-5A49-498B-91E6-62B227F92F97}"/>
+                </a:ext>
+              </a:extLst>
+            </p:cNvPr>
+            <p:cNvSpPr/>
+            <p:nvPr/>
+          </p:nvSpPr>
+          <p:spPr>
+            <a:xfrm>
+              <a:off x="3768438" y="1671779"/>
+              <a:ext cx="277091" cy="221673"/>
+            </a:xfrm>
+            <a:prstGeom prst="rect">
+              <a:avLst/>
+            </a:prstGeom>
+          </p:spPr>
+          <p:style>
+            <a:lnRef idx="1">
+              <a:schemeClr val="accent6"/>
+            </a:lnRef>
+            <a:fillRef idx="2">
+              <a:schemeClr val="accent6"/>
+            </a:fillRef>
+            <a:effectRef idx="1">
+              <a:schemeClr val="accent6"/>
+            </a:effectRef>
+            <a:fontRef idx="minor">
+              <a:schemeClr val="dk1"/>
+            </a:fontRef>
+          </p:style>
+          <p:txBody>
+            <a:bodyPr rtlCol="0" anchor="ctr"/>
+            <a:lstStyle/>
+            <a:p>
+              <a:pPr algn="ctr"/>
+              <a:r>
+                <a:rPr lang="en-US" altLang="zh-CN" sz="1400" dirty="0">
+                  <a:latin typeface="Times New Roman" panose="02020603050405020304" pitchFamily="18" charset="0"/>
+                  <a:cs typeface="Times New Roman" panose="02020603050405020304" pitchFamily="18" charset="0"/>
+                </a:rPr>
+                <a:t>H</a:t>
+              </a:r>
+              <a:endParaRPr lang="zh-CN" altLang="en-US" sz="1400" dirty="0">
+                <a:latin typeface="Times New Roman" panose="02020603050405020304" pitchFamily="18" charset="0"/>
+                <a:cs typeface="Times New Roman" panose="02020603050405020304" pitchFamily="18" charset="0"/>
+              </a:endParaRPr>
+            </a:p>
+          </p:txBody>
+        </p:sp>
+        <p:cxnSp>
+          <p:nvCxnSpPr>
+            <p:cNvPr id="33" name="直接箭头连接符 32">
+              <a:extLst>
+                <a:ext uri="{FF2B5EF4-FFF2-40B4-BE49-F238E27FC236}">
+                  <a16:creationId xmlns:a16="http://schemas.microsoft.com/office/drawing/2014/main" id="{8BE36E16-6C53-4B0D-BA70-ED2DE04976CB}"/>
+                </a:ext>
+              </a:extLst>
+            </p:cNvPr>
+            <p:cNvCxnSpPr>
+              <a:stCxn id="32" idx="1"/>
+            </p:cNvCxnSpPr>
+            <p:nvPr/>
+          </p:nvCxnSpPr>
+          <p:spPr>
+            <a:xfrm flipH="1">
+              <a:off x="3066474" y="1782616"/>
+              <a:ext cx="701964" cy="1"/>
+            </a:xfrm>
+            <a:prstGeom prst="straightConnector1">
+              <a:avLst/>
+            </a:prstGeom>
+            <a:ln w="19050">
+              <a:tailEnd type="triangle"/>
+            </a:ln>
+          </p:spPr>
+          <p:style>
+            <a:lnRef idx="1">
+              <a:schemeClr val="dk1"/>
+            </a:lnRef>
+            <a:fillRef idx="0">
+              <a:schemeClr val="dk1"/>
+            </a:fillRef>
+            <a:effectRef idx="0">
+              <a:schemeClr val="dk1"/>
+            </a:effectRef>
+            <a:fontRef idx="minor">
+              <a:schemeClr val="tx1"/>
+            </a:fontRef>
+          </p:style>
+        </p:cxnSp>
+        <p:cxnSp>
+          <p:nvCxnSpPr>
+            <p:cNvPr id="34" name="直接箭头连接符 33">
+              <a:extLst>
+                <a:ext uri="{FF2B5EF4-FFF2-40B4-BE49-F238E27FC236}">
+                  <a16:creationId xmlns:a16="http://schemas.microsoft.com/office/drawing/2014/main" id="{18B972D5-FFBF-47F8-BAC9-DCFAE56CC81C}"/>
+                </a:ext>
+              </a:extLst>
+            </p:cNvPr>
+            <p:cNvCxnSpPr>
+              <a:cxnSpLocks/>
+              <a:stCxn id="32" idx="2"/>
+              <a:endCxn id="36" idx="0"/>
+            </p:cNvCxnSpPr>
+            <p:nvPr/>
+          </p:nvCxnSpPr>
+          <p:spPr>
+            <a:xfrm flipH="1">
+              <a:off x="3599877" y="1893452"/>
+              <a:ext cx="307107" cy="348674"/>
+            </a:xfrm>
+            <a:prstGeom prst="straightConnector1">
+              <a:avLst/>
+            </a:prstGeom>
+            <a:ln w="19050">
+              <a:tailEnd type="triangle"/>
+            </a:ln>
+          </p:spPr>
+          <p:style>
+            <a:lnRef idx="1">
+              <a:schemeClr val="dk1"/>
+            </a:lnRef>
+            <a:fillRef idx="0">
+              <a:schemeClr val="dk1"/>
+            </a:fillRef>
+            <a:effectRef idx="0">
+              <a:schemeClr val="dk1"/>
+            </a:effectRef>
+            <a:fontRef idx="minor">
+              <a:schemeClr val="tx1"/>
+            </a:fontRef>
+          </p:style>
+        </p:cxnSp>
+        <p:sp>
+          <p:nvSpPr>
+            <p:cNvPr id="36" name="矩形 35">
+              <a:extLst>
+                <a:ext uri="{FF2B5EF4-FFF2-40B4-BE49-F238E27FC236}">
+                  <a16:creationId xmlns:a16="http://schemas.microsoft.com/office/drawing/2014/main" id="{A1CDBB8E-4027-418B-B7BA-5693E2ADF73D}"/>
+                </a:ext>
+              </a:extLst>
+            </p:cNvPr>
+            <p:cNvSpPr/>
+            <p:nvPr/>
+          </p:nvSpPr>
+          <p:spPr>
+            <a:xfrm>
+              <a:off x="3461331" y="2242126"/>
+              <a:ext cx="277091" cy="221673"/>
+            </a:xfrm>
+            <a:prstGeom prst="rect">
+              <a:avLst/>
+            </a:prstGeom>
+          </p:spPr>
+          <p:style>
+            <a:lnRef idx="1">
+              <a:schemeClr val="accent1"/>
+            </a:lnRef>
+            <a:fillRef idx="2">
+              <a:schemeClr val="accent1"/>
+            </a:fillRef>
+            <a:effectRef idx="1">
+              <a:schemeClr val="accent1"/>
+            </a:effectRef>
+            <a:fontRef idx="minor">
+              <a:schemeClr val="dk1"/>
+            </a:fontRef>
+          </p:style>
+          <p:txBody>
+            <a:bodyPr rtlCol="0" anchor="ctr"/>
+            <a:lstStyle/>
+            <a:p>
+              <a:pPr algn="ctr"/>
+              <a:r>
+                <a:rPr lang="en-US" altLang="zh-CN" sz="1400" dirty="0">
+                  <a:latin typeface="Times New Roman" panose="02020603050405020304" pitchFamily="18" charset="0"/>
+                  <a:cs typeface="Times New Roman" panose="02020603050405020304" pitchFamily="18" charset="0"/>
+                </a:rPr>
+                <a:t>H</a:t>
+              </a:r>
+              <a:endParaRPr lang="zh-CN" altLang="en-US" sz="1400" dirty="0">
+                <a:latin typeface="Times New Roman" panose="02020603050405020304" pitchFamily="18" charset="0"/>
+                <a:cs typeface="Times New Roman" panose="02020603050405020304" pitchFamily="18" charset="0"/>
+              </a:endParaRPr>
+            </a:p>
+          </p:txBody>
+        </p:sp>
+        <p:cxnSp>
+          <p:nvCxnSpPr>
+            <p:cNvPr id="38" name="直接箭头连接符 37">
+              <a:extLst>
+                <a:ext uri="{FF2B5EF4-FFF2-40B4-BE49-F238E27FC236}">
+                  <a16:creationId xmlns:a16="http://schemas.microsoft.com/office/drawing/2014/main" id="{3F231456-5B84-4762-80D5-6C3EBE5D1EEB}"/>
+                </a:ext>
+              </a:extLst>
+            </p:cNvPr>
+            <p:cNvCxnSpPr>
+              <a:cxnSpLocks/>
+              <a:stCxn id="36" idx="1"/>
+              <a:endCxn id="4" idx="3"/>
+            </p:cNvCxnSpPr>
+            <p:nvPr/>
+          </p:nvCxnSpPr>
+          <p:spPr>
+            <a:xfrm flipH="1" flipV="1">
+              <a:off x="3066474" y="1782617"/>
+              <a:ext cx="394857" cy="570346"/>
+            </a:xfrm>
+            <a:prstGeom prst="straightConnector1">
+              <a:avLst/>
+            </a:prstGeom>
+            <a:ln w="19050">
+              <a:tailEnd type="triangle"/>
+            </a:ln>
+          </p:spPr>
+          <p:style>
+            <a:lnRef idx="1">
+              <a:schemeClr val="dk1"/>
+            </a:lnRef>
+            <a:fillRef idx="0">
+              <a:schemeClr val="dk1"/>
+            </a:fillRef>
+            <a:effectRef idx="0">
+              <a:schemeClr val="dk1"/>
+            </a:effectRef>
+            <a:fontRef idx="minor">
+              <a:schemeClr val="tx1"/>
+            </a:fontRef>
+          </p:style>
+        </p:cxnSp>
+        <p:cxnSp>
+          <p:nvCxnSpPr>
+            <p:cNvPr id="39" name="直接箭头连接符 38">
+              <a:extLst>
+                <a:ext uri="{FF2B5EF4-FFF2-40B4-BE49-F238E27FC236}">
+                  <a16:creationId xmlns:a16="http://schemas.microsoft.com/office/drawing/2014/main" id="{FC09AB86-671B-40F5-A846-68EDC8460EBC}"/>
+                </a:ext>
+              </a:extLst>
+            </p:cNvPr>
+            <p:cNvCxnSpPr>
+              <a:cxnSpLocks/>
+              <a:stCxn id="36" idx="2"/>
+              <a:endCxn id="25" idx="0"/>
+            </p:cNvCxnSpPr>
+            <p:nvPr/>
+          </p:nvCxnSpPr>
+          <p:spPr>
+            <a:xfrm flipH="1">
+              <a:off x="3322786" y="2463799"/>
+              <a:ext cx="277091" cy="556493"/>
+            </a:xfrm>
+            <a:prstGeom prst="straightConnector1">
+              <a:avLst/>
+            </a:prstGeom>
+            <a:ln w="19050">
+              <a:tailEnd type="triangle"/>
+            </a:ln>
+          </p:spPr>
+          <p:style>
+            <a:lnRef idx="1">
+              <a:schemeClr val="dk1"/>
+            </a:lnRef>
+            <a:fillRef idx="0">
+              <a:schemeClr val="dk1"/>
+            </a:fillRef>
+            <a:effectRef idx="0">
+              <a:schemeClr val="dk1"/>
+            </a:effectRef>
+            <a:fontRef idx="minor">
+              <a:schemeClr val="tx1"/>
+            </a:fontRef>
+          </p:style>
+        </p:cxnSp>
+        <p:sp>
+          <p:nvSpPr>
+            <p:cNvPr id="51" name="矩形 50">
+              <a:extLst>
+                <a:ext uri="{FF2B5EF4-FFF2-40B4-BE49-F238E27FC236}">
+                  <a16:creationId xmlns:a16="http://schemas.microsoft.com/office/drawing/2014/main" id="{73A49805-C4FA-4FDB-B431-271A1A6D89F3}"/>
+                </a:ext>
+              </a:extLst>
+            </p:cNvPr>
+            <p:cNvSpPr/>
+            <p:nvPr/>
+          </p:nvSpPr>
+          <p:spPr>
+            <a:xfrm>
+              <a:off x="4137901" y="2909455"/>
+              <a:ext cx="277091" cy="221673"/>
+            </a:xfrm>
+            <a:prstGeom prst="rect">
+              <a:avLst/>
+            </a:prstGeom>
+          </p:spPr>
+          <p:style>
+            <a:lnRef idx="1">
+              <a:schemeClr val="accent1"/>
+            </a:lnRef>
+            <a:fillRef idx="2">
+              <a:schemeClr val="accent1"/>
+            </a:fillRef>
+            <a:effectRef idx="1">
+              <a:schemeClr val="accent1"/>
+            </a:effectRef>
+            <a:fontRef idx="minor">
+              <a:schemeClr val="dk1"/>
+            </a:fontRef>
+          </p:style>
+          <p:txBody>
+            <a:bodyPr rtlCol="0" anchor="ctr"/>
+            <a:lstStyle/>
+            <a:p>
+              <a:pPr algn="ctr"/>
+              <a:r>
+                <a:rPr lang="en-US" altLang="zh-CN" sz="1400" dirty="0">
+                  <a:latin typeface="Times New Roman" panose="02020603050405020304" pitchFamily="18" charset="0"/>
+                  <a:cs typeface="Times New Roman" panose="02020603050405020304" pitchFamily="18" charset="0"/>
+                </a:rPr>
+                <a:t>H</a:t>
+              </a:r>
+              <a:endParaRPr lang="zh-CN" altLang="en-US" sz="1400" dirty="0">
+                <a:latin typeface="Times New Roman" panose="02020603050405020304" pitchFamily="18" charset="0"/>
+                <a:cs typeface="Times New Roman" panose="02020603050405020304" pitchFamily="18" charset="0"/>
+              </a:endParaRPr>
+            </a:p>
+          </p:txBody>
+        </p:sp>
+        <p:cxnSp>
+          <p:nvCxnSpPr>
+            <p:cNvPr id="52" name="直接箭头连接符 51">
+              <a:extLst>
+                <a:ext uri="{FF2B5EF4-FFF2-40B4-BE49-F238E27FC236}">
+                  <a16:creationId xmlns:a16="http://schemas.microsoft.com/office/drawing/2014/main" id="{D9F7402D-891F-4268-8F6D-248A8FB1D6FC}"/>
+                </a:ext>
+              </a:extLst>
+            </p:cNvPr>
+            <p:cNvCxnSpPr>
+              <a:cxnSpLocks/>
+              <a:stCxn id="51" idx="1"/>
+              <a:endCxn id="36" idx="3"/>
+            </p:cNvCxnSpPr>
+            <p:nvPr/>
+          </p:nvCxnSpPr>
+          <p:spPr>
+            <a:xfrm flipH="1" flipV="1">
+              <a:off x="3738422" y="2352963"/>
+              <a:ext cx="399479" cy="667329"/>
+            </a:xfrm>
+            <a:prstGeom prst="straightConnector1">
+              <a:avLst/>
+            </a:prstGeom>
+            <a:ln w="19050">
+              <a:tailEnd type="triangle"/>
+            </a:ln>
+          </p:spPr>
+          <p:style>
+            <a:lnRef idx="1">
+              <a:schemeClr val="dk1"/>
+            </a:lnRef>
+            <a:fillRef idx="0">
+              <a:schemeClr val="dk1"/>
+            </a:fillRef>
+            <a:effectRef idx="0">
+              <a:schemeClr val="dk1"/>
+            </a:effectRef>
+            <a:fontRef idx="minor">
+              <a:schemeClr val="tx1"/>
+            </a:fontRef>
+          </p:style>
+        </p:cxnSp>
+        <p:cxnSp>
+          <p:nvCxnSpPr>
+            <p:cNvPr id="53" name="直接箭头连接符 52">
+              <a:extLst>
+                <a:ext uri="{FF2B5EF4-FFF2-40B4-BE49-F238E27FC236}">
+                  <a16:creationId xmlns:a16="http://schemas.microsoft.com/office/drawing/2014/main" id="{F4AAB267-E333-4AB0-82E8-90516DB70821}"/>
+                </a:ext>
+              </a:extLst>
+            </p:cNvPr>
+            <p:cNvCxnSpPr>
+              <a:cxnSpLocks/>
+              <a:stCxn id="51" idx="1"/>
+              <a:endCxn id="25" idx="3"/>
+            </p:cNvCxnSpPr>
+            <p:nvPr/>
+          </p:nvCxnSpPr>
+          <p:spPr>
+            <a:xfrm flipH="1">
+              <a:off x="3461331" y="3020292"/>
+              <a:ext cx="676570" cy="110837"/>
+            </a:xfrm>
+            <a:prstGeom prst="straightConnector1">
+              <a:avLst/>
+            </a:prstGeom>
+            <a:ln w="19050">
+              <a:tailEnd type="triangle"/>
+            </a:ln>
+          </p:spPr>
+          <p:style>
+            <a:lnRef idx="1">
+              <a:schemeClr val="dk1"/>
+            </a:lnRef>
+            <a:fillRef idx="0">
+              <a:schemeClr val="dk1"/>
+            </a:fillRef>
+            <a:effectRef idx="0">
+              <a:schemeClr val="dk1"/>
+            </a:effectRef>
+            <a:fontRef idx="minor">
+              <a:schemeClr val="tx1"/>
+            </a:fontRef>
+          </p:style>
+        </p:cxnSp>
+        <p:sp>
+          <p:nvSpPr>
+            <p:cNvPr id="56" name="矩形 55">
+              <a:extLst>
+                <a:ext uri="{FF2B5EF4-FFF2-40B4-BE49-F238E27FC236}">
+                  <a16:creationId xmlns:a16="http://schemas.microsoft.com/office/drawing/2014/main" id="{8A1B8017-E789-43C3-867D-59811FF89FB4}"/>
+                </a:ext>
+              </a:extLst>
+            </p:cNvPr>
+            <p:cNvSpPr/>
+            <p:nvPr/>
+          </p:nvSpPr>
+          <p:spPr>
+            <a:xfrm>
+              <a:off x="4263750" y="2182089"/>
+              <a:ext cx="277091" cy="221673"/>
+            </a:xfrm>
+            <a:prstGeom prst="rect">
+              <a:avLst/>
+            </a:prstGeom>
+          </p:spPr>
+          <p:style>
+            <a:lnRef idx="1">
+              <a:schemeClr val="accent1"/>
+            </a:lnRef>
+            <a:fillRef idx="2">
+              <a:schemeClr val="accent1"/>
+            </a:fillRef>
+            <a:effectRef idx="1">
+              <a:schemeClr val="accent1"/>
+            </a:effectRef>
+            <a:fontRef idx="minor">
+              <a:schemeClr val="dk1"/>
+            </a:fontRef>
+          </p:style>
+          <p:txBody>
+            <a:bodyPr rtlCol="0" anchor="ctr"/>
+            <a:lstStyle/>
+            <a:p>
+              <a:pPr algn="ctr"/>
+              <a:r>
+                <a:rPr lang="en-US" altLang="zh-CN" sz="1400" dirty="0">
+                  <a:latin typeface="Times New Roman" panose="02020603050405020304" pitchFamily="18" charset="0"/>
+                  <a:cs typeface="Times New Roman" panose="02020603050405020304" pitchFamily="18" charset="0"/>
+                </a:rPr>
+                <a:t>H</a:t>
+              </a:r>
+              <a:endParaRPr lang="zh-CN" altLang="en-US" sz="1400" dirty="0">
+                <a:latin typeface="Times New Roman" panose="02020603050405020304" pitchFamily="18" charset="0"/>
+                <a:cs typeface="Times New Roman" panose="02020603050405020304" pitchFamily="18" charset="0"/>
+              </a:endParaRPr>
+            </a:p>
+          </p:txBody>
+        </p:sp>
+        <p:cxnSp>
+          <p:nvCxnSpPr>
+            <p:cNvPr id="57" name="直接箭头连接符 56">
+              <a:extLst>
+                <a:ext uri="{FF2B5EF4-FFF2-40B4-BE49-F238E27FC236}">
+                  <a16:creationId xmlns:a16="http://schemas.microsoft.com/office/drawing/2014/main" id="{7C274385-E411-4BDD-AD52-21C32258E411}"/>
+                </a:ext>
+              </a:extLst>
+            </p:cNvPr>
+            <p:cNvCxnSpPr>
+              <a:cxnSpLocks/>
+              <a:stCxn id="56" idx="1"/>
+              <a:endCxn id="4" idx="3"/>
+            </p:cNvCxnSpPr>
+            <p:nvPr/>
+          </p:nvCxnSpPr>
+          <p:spPr>
+            <a:xfrm flipH="1" flipV="1">
+              <a:off x="3066474" y="1782617"/>
+              <a:ext cx="1197276" cy="510309"/>
+            </a:xfrm>
+            <a:prstGeom prst="straightConnector1">
+              <a:avLst/>
+            </a:prstGeom>
+            <a:ln w="19050">
+              <a:tailEnd type="triangle"/>
+            </a:ln>
+          </p:spPr>
+          <p:style>
+            <a:lnRef idx="1">
+              <a:schemeClr val="dk1"/>
+            </a:lnRef>
+            <a:fillRef idx="0">
+              <a:schemeClr val="dk1"/>
+            </a:fillRef>
+            <a:effectRef idx="0">
+              <a:schemeClr val="dk1"/>
+            </a:effectRef>
+            <a:fontRef idx="minor">
+              <a:schemeClr val="tx1"/>
+            </a:fontRef>
+          </p:style>
+        </p:cxnSp>
+        <p:cxnSp>
+          <p:nvCxnSpPr>
+            <p:cNvPr id="58" name="直接箭头连接符 57">
+              <a:extLst>
+                <a:ext uri="{FF2B5EF4-FFF2-40B4-BE49-F238E27FC236}">
+                  <a16:creationId xmlns:a16="http://schemas.microsoft.com/office/drawing/2014/main" id="{96C44EEC-272B-472B-AB9C-859E9FEB8C58}"/>
+                </a:ext>
+              </a:extLst>
+            </p:cNvPr>
+            <p:cNvCxnSpPr>
+              <a:cxnSpLocks/>
+              <a:stCxn id="56" idx="2"/>
+              <a:endCxn id="25" idx="3"/>
+            </p:cNvCxnSpPr>
+            <p:nvPr/>
+          </p:nvCxnSpPr>
+          <p:spPr>
+            <a:xfrm flipH="1">
+              <a:off x="3461331" y="2403762"/>
+              <a:ext cx="940965" cy="727367"/>
+            </a:xfrm>
+            <a:prstGeom prst="straightConnector1">
+              <a:avLst/>
+            </a:prstGeom>
+            <a:ln w="19050">
+              <a:tailEnd type="triangle"/>
+            </a:ln>
+          </p:spPr>
+          <p:style>
+            <a:lnRef idx="1">
+              <a:schemeClr val="dk1"/>
+            </a:lnRef>
+            <a:fillRef idx="0">
+              <a:schemeClr val="dk1"/>
+            </a:fillRef>
+            <a:effectRef idx="0">
+              <a:schemeClr val="dk1"/>
+            </a:effectRef>
+            <a:fontRef idx="minor">
+              <a:schemeClr val="tx1"/>
+            </a:fontRef>
+          </p:style>
+        </p:cxnSp>
+        <p:sp>
+          <p:nvSpPr>
+            <p:cNvPr id="66" name="矩形 65">
+              <a:extLst>
+                <a:ext uri="{FF2B5EF4-FFF2-40B4-BE49-F238E27FC236}">
+                  <a16:creationId xmlns:a16="http://schemas.microsoft.com/office/drawing/2014/main" id="{4AF28A61-C094-4BE5-B057-8D5EE1EF8070}"/>
+                </a:ext>
+              </a:extLst>
+            </p:cNvPr>
+            <p:cNvSpPr/>
+            <p:nvPr/>
+          </p:nvSpPr>
+          <p:spPr>
+            <a:xfrm>
+              <a:off x="4906825" y="2923309"/>
+              <a:ext cx="277091" cy="221673"/>
+            </a:xfrm>
+            <a:prstGeom prst="rect">
+              <a:avLst/>
+            </a:prstGeom>
+          </p:spPr>
+          <p:style>
+            <a:lnRef idx="1">
+              <a:schemeClr val="accent2"/>
+            </a:lnRef>
+            <a:fillRef idx="2">
+              <a:schemeClr val="accent2"/>
+            </a:fillRef>
+            <a:effectRef idx="1">
+              <a:schemeClr val="accent2"/>
+            </a:effectRef>
+            <a:fontRef idx="minor">
+              <a:schemeClr val="dk1"/>
+            </a:fontRef>
+          </p:style>
+          <p:txBody>
+            <a:bodyPr rtlCol="0" anchor="ctr"/>
+            <a:lstStyle/>
+            <a:p>
+              <a:pPr algn="ctr"/>
+              <a:r>
+                <a:rPr lang="en-US" altLang="zh-CN" sz="1400" dirty="0">
+                  <a:latin typeface="Times New Roman" panose="02020603050405020304" pitchFamily="18" charset="0"/>
+                  <a:cs typeface="Times New Roman" panose="02020603050405020304" pitchFamily="18" charset="0"/>
+                </a:rPr>
+                <a:t>C</a:t>
+              </a:r>
+              <a:endParaRPr lang="zh-CN" altLang="en-US" sz="1400" dirty="0">
+                <a:latin typeface="Times New Roman" panose="02020603050405020304" pitchFamily="18" charset="0"/>
+                <a:cs typeface="Times New Roman" panose="02020603050405020304" pitchFamily="18" charset="0"/>
+              </a:endParaRPr>
+            </a:p>
+          </p:txBody>
+        </p:sp>
+        <p:cxnSp>
+          <p:nvCxnSpPr>
+            <p:cNvPr id="67" name="直接箭头连接符 66">
+              <a:extLst>
+                <a:ext uri="{FF2B5EF4-FFF2-40B4-BE49-F238E27FC236}">
+                  <a16:creationId xmlns:a16="http://schemas.microsoft.com/office/drawing/2014/main" id="{66232AF1-4CE0-4049-8FAF-97F06D34A43E}"/>
+                </a:ext>
+              </a:extLst>
+            </p:cNvPr>
+            <p:cNvCxnSpPr>
+              <a:cxnSpLocks/>
+              <a:stCxn id="66" idx="1"/>
+              <a:endCxn id="56" idx="3"/>
+            </p:cNvCxnSpPr>
+            <p:nvPr/>
+          </p:nvCxnSpPr>
+          <p:spPr>
+            <a:xfrm flipH="1" flipV="1">
+              <a:off x="4540841" y="2292926"/>
+              <a:ext cx="365984" cy="741220"/>
+            </a:xfrm>
+            <a:prstGeom prst="straightConnector1">
+              <a:avLst/>
+            </a:prstGeom>
+            <a:ln w="19050">
+              <a:tailEnd type="triangle"/>
+            </a:ln>
+          </p:spPr>
+          <p:style>
+            <a:lnRef idx="1">
+              <a:schemeClr val="dk1"/>
+            </a:lnRef>
+            <a:fillRef idx="0">
+              <a:schemeClr val="dk1"/>
+            </a:fillRef>
+            <a:effectRef idx="0">
+              <a:schemeClr val="dk1"/>
+            </a:effectRef>
+            <a:fontRef idx="minor">
+              <a:schemeClr val="tx1"/>
+            </a:fontRef>
+          </p:style>
+        </p:cxnSp>
+        <p:cxnSp>
+          <p:nvCxnSpPr>
+            <p:cNvPr id="68" name="直接箭头连接符 67">
+              <a:extLst>
+                <a:ext uri="{FF2B5EF4-FFF2-40B4-BE49-F238E27FC236}">
+                  <a16:creationId xmlns:a16="http://schemas.microsoft.com/office/drawing/2014/main" id="{E7916AF1-5DBE-405F-8080-459E11AD14DB}"/>
+                </a:ext>
+              </a:extLst>
+            </p:cNvPr>
+            <p:cNvCxnSpPr>
+              <a:cxnSpLocks/>
+              <a:stCxn id="66" idx="1"/>
+              <a:endCxn id="51" idx="3"/>
+            </p:cNvCxnSpPr>
+            <p:nvPr/>
+          </p:nvCxnSpPr>
+          <p:spPr>
+            <a:xfrm flipH="1" flipV="1">
+              <a:off x="4414992" y="3020292"/>
+              <a:ext cx="491833" cy="13854"/>
+            </a:xfrm>
+            <a:prstGeom prst="straightConnector1">
+              <a:avLst/>
+            </a:prstGeom>
+            <a:ln w="19050">
+              <a:tailEnd type="triangle"/>
+            </a:ln>
+          </p:spPr>
+          <p:style>
+            <a:lnRef idx="1">
+              <a:schemeClr val="dk1"/>
+            </a:lnRef>
+            <a:fillRef idx="0">
+              <a:schemeClr val="dk1"/>
+            </a:fillRef>
+            <a:effectRef idx="0">
+              <a:schemeClr val="dk1"/>
+            </a:effectRef>
+            <a:fontRef idx="minor">
+              <a:schemeClr val="tx1"/>
+            </a:fontRef>
+          </p:style>
+        </p:cxnSp>
+        <p:sp>
+          <p:nvSpPr>
+            <p:cNvPr id="77" name="矩形 76">
+              <a:extLst>
+                <a:ext uri="{FF2B5EF4-FFF2-40B4-BE49-F238E27FC236}">
+                  <a16:creationId xmlns:a16="http://schemas.microsoft.com/office/drawing/2014/main" id="{542BD5EF-4D61-42C0-B013-B0FA26C1A7B3}"/>
+                </a:ext>
+              </a:extLst>
+            </p:cNvPr>
+            <p:cNvSpPr/>
+            <p:nvPr/>
+          </p:nvSpPr>
+          <p:spPr>
+            <a:xfrm>
+              <a:off x="5265908" y="1163785"/>
+              <a:ext cx="277091" cy="221673"/>
+            </a:xfrm>
+            <a:prstGeom prst="rect">
+              <a:avLst/>
+            </a:prstGeom>
+          </p:spPr>
+          <p:style>
+            <a:lnRef idx="1">
+              <a:schemeClr val="accent1"/>
+            </a:lnRef>
+            <a:fillRef idx="2">
+              <a:schemeClr val="accent1"/>
+            </a:fillRef>
+            <a:effectRef idx="1">
+              <a:schemeClr val="accent1"/>
+            </a:effectRef>
+            <a:fontRef idx="minor">
+              <a:schemeClr val="dk1"/>
+            </a:fontRef>
+          </p:style>
+          <p:txBody>
+            <a:bodyPr rtlCol="0" anchor="ctr"/>
+            <a:lstStyle/>
+            <a:p>
+              <a:pPr algn="ctr"/>
+              <a:r>
+                <a:rPr lang="en-US" altLang="zh-CN" sz="1400" dirty="0">
+                  <a:latin typeface="Times New Roman" panose="02020603050405020304" pitchFamily="18" charset="0"/>
+                  <a:cs typeface="Times New Roman" panose="02020603050405020304" pitchFamily="18" charset="0"/>
+                </a:rPr>
+                <a:t>H</a:t>
+              </a:r>
+              <a:endParaRPr lang="zh-CN" altLang="en-US" sz="1400" dirty="0">
+                <a:latin typeface="Times New Roman" panose="02020603050405020304" pitchFamily="18" charset="0"/>
+                <a:cs typeface="Times New Roman" panose="02020603050405020304" pitchFamily="18" charset="0"/>
+              </a:endParaRPr>
+            </a:p>
+          </p:txBody>
+        </p:sp>
+        <p:cxnSp>
+          <p:nvCxnSpPr>
+            <p:cNvPr id="78" name="直接箭头连接符 77">
+              <a:extLst>
+                <a:ext uri="{FF2B5EF4-FFF2-40B4-BE49-F238E27FC236}">
+                  <a16:creationId xmlns:a16="http://schemas.microsoft.com/office/drawing/2014/main" id="{A0C11833-6A13-4A6E-BA3D-A23DA1A751EB}"/>
+                </a:ext>
+              </a:extLst>
+            </p:cNvPr>
+            <p:cNvCxnSpPr>
+              <a:cxnSpLocks/>
+              <a:stCxn id="77" idx="1"/>
+              <a:endCxn id="32" idx="3"/>
+            </p:cNvCxnSpPr>
+            <p:nvPr/>
+          </p:nvCxnSpPr>
+          <p:spPr>
+            <a:xfrm flipH="1">
+              <a:off x="4045529" y="1274622"/>
+              <a:ext cx="1220379" cy="507994"/>
+            </a:xfrm>
+            <a:prstGeom prst="straightConnector1">
+              <a:avLst/>
+            </a:prstGeom>
+            <a:ln w="19050">
+              <a:tailEnd type="triangle"/>
+            </a:ln>
+          </p:spPr>
+          <p:style>
+            <a:lnRef idx="1">
+              <a:schemeClr val="dk1"/>
+            </a:lnRef>
+            <a:fillRef idx="0">
+              <a:schemeClr val="dk1"/>
+            </a:fillRef>
+            <a:effectRef idx="0">
+              <a:schemeClr val="dk1"/>
+            </a:effectRef>
+            <a:fontRef idx="minor">
+              <a:schemeClr val="tx1"/>
+            </a:fontRef>
+          </p:style>
+        </p:cxnSp>
+        <p:cxnSp>
+          <p:nvCxnSpPr>
+            <p:cNvPr id="79" name="直接箭头连接符 78">
+              <a:extLst>
+                <a:ext uri="{FF2B5EF4-FFF2-40B4-BE49-F238E27FC236}">
+                  <a16:creationId xmlns:a16="http://schemas.microsoft.com/office/drawing/2014/main" id="{F2B12E19-5B2C-40B0-B48B-00C73F2F6074}"/>
+                </a:ext>
+              </a:extLst>
+            </p:cNvPr>
+            <p:cNvCxnSpPr>
+              <a:cxnSpLocks/>
+              <a:stCxn id="77" idx="2"/>
+              <a:endCxn id="56" idx="3"/>
+            </p:cNvCxnSpPr>
+            <p:nvPr/>
+          </p:nvCxnSpPr>
+          <p:spPr>
+            <a:xfrm flipH="1">
+              <a:off x="4540841" y="1385458"/>
+              <a:ext cx="863613" cy="907468"/>
+            </a:xfrm>
+            <a:prstGeom prst="straightConnector1">
+              <a:avLst/>
+            </a:prstGeom>
+            <a:ln w="19050">
+              <a:tailEnd type="triangle"/>
+            </a:ln>
+          </p:spPr>
+          <p:style>
+            <a:lnRef idx="1">
+              <a:schemeClr val="dk1"/>
+            </a:lnRef>
+            <a:fillRef idx="0">
+              <a:schemeClr val="dk1"/>
+            </a:fillRef>
+            <a:effectRef idx="0">
+              <a:schemeClr val="dk1"/>
+            </a:effectRef>
+            <a:fontRef idx="minor">
+              <a:schemeClr val="tx1"/>
+            </a:fontRef>
+          </p:style>
+        </p:cxnSp>
+        <p:sp>
+          <p:nvSpPr>
+            <p:cNvPr id="82" name="矩形 81">
+              <a:extLst>
+                <a:ext uri="{FF2B5EF4-FFF2-40B4-BE49-F238E27FC236}">
+                  <a16:creationId xmlns:a16="http://schemas.microsoft.com/office/drawing/2014/main" id="{970FFF46-4182-4E9E-A2D8-A7C372BF7D1A}"/>
+                </a:ext>
+              </a:extLst>
+            </p:cNvPr>
+            <p:cNvSpPr/>
+            <p:nvPr/>
+          </p:nvSpPr>
+          <p:spPr>
+            <a:xfrm>
+              <a:off x="5726548" y="1759524"/>
+              <a:ext cx="277091" cy="221673"/>
+            </a:xfrm>
+            <a:prstGeom prst="rect">
+              <a:avLst/>
+            </a:prstGeom>
+          </p:spPr>
+          <p:style>
+            <a:lnRef idx="1">
+              <a:schemeClr val="accent1"/>
+            </a:lnRef>
+            <a:fillRef idx="2">
+              <a:schemeClr val="accent1"/>
+            </a:fillRef>
+            <a:effectRef idx="1">
+              <a:schemeClr val="accent1"/>
+            </a:effectRef>
+            <a:fontRef idx="minor">
+              <a:schemeClr val="dk1"/>
+            </a:fontRef>
+          </p:style>
+          <p:txBody>
+            <a:bodyPr rtlCol="0" anchor="ctr"/>
+            <a:lstStyle/>
+            <a:p>
+              <a:pPr algn="ctr"/>
+              <a:r>
+                <a:rPr lang="en-US" altLang="zh-CN" sz="1400" dirty="0">
+                  <a:latin typeface="Times New Roman" panose="02020603050405020304" pitchFamily="18" charset="0"/>
+                  <a:cs typeface="Times New Roman" panose="02020603050405020304" pitchFamily="18" charset="0"/>
+                </a:rPr>
+                <a:t>H</a:t>
+              </a:r>
+              <a:endParaRPr lang="zh-CN" altLang="en-US" sz="1400" dirty="0">
+                <a:latin typeface="Times New Roman" panose="02020603050405020304" pitchFamily="18" charset="0"/>
+                <a:cs typeface="Times New Roman" panose="02020603050405020304" pitchFamily="18" charset="0"/>
+              </a:endParaRPr>
+            </a:p>
+          </p:txBody>
+        </p:sp>
+        <p:cxnSp>
+          <p:nvCxnSpPr>
+            <p:cNvPr id="83" name="直接箭头连接符 82">
+              <a:extLst>
+                <a:ext uri="{FF2B5EF4-FFF2-40B4-BE49-F238E27FC236}">
+                  <a16:creationId xmlns:a16="http://schemas.microsoft.com/office/drawing/2014/main" id="{B69A91B8-79F8-403D-A089-ABCE5AC2301F}"/>
+                </a:ext>
+              </a:extLst>
+            </p:cNvPr>
+            <p:cNvCxnSpPr>
+              <a:cxnSpLocks/>
+              <a:stCxn id="82" idx="1"/>
+              <a:endCxn id="77" idx="2"/>
+            </p:cNvCxnSpPr>
+            <p:nvPr/>
+          </p:nvCxnSpPr>
+          <p:spPr>
+            <a:xfrm flipH="1" flipV="1">
+              <a:off x="5404454" y="1385458"/>
+              <a:ext cx="322094" cy="484903"/>
+            </a:xfrm>
+            <a:prstGeom prst="straightConnector1">
+              <a:avLst/>
+            </a:prstGeom>
+            <a:ln w="19050">
+              <a:tailEnd type="triangle"/>
+            </a:ln>
+          </p:spPr>
+          <p:style>
+            <a:lnRef idx="1">
+              <a:schemeClr val="dk1"/>
+            </a:lnRef>
+            <a:fillRef idx="0">
+              <a:schemeClr val="dk1"/>
+            </a:fillRef>
+            <a:effectRef idx="0">
+              <a:schemeClr val="dk1"/>
+            </a:effectRef>
+            <a:fontRef idx="minor">
+              <a:schemeClr val="tx1"/>
+            </a:fontRef>
+          </p:style>
+        </p:cxnSp>
+        <p:cxnSp>
+          <p:nvCxnSpPr>
+            <p:cNvPr id="84" name="直接箭头连接符 83">
+              <a:extLst>
+                <a:ext uri="{FF2B5EF4-FFF2-40B4-BE49-F238E27FC236}">
+                  <a16:creationId xmlns:a16="http://schemas.microsoft.com/office/drawing/2014/main" id="{D56BEE38-C23A-45FF-B5AE-2BACE439BD14}"/>
+                </a:ext>
+              </a:extLst>
+            </p:cNvPr>
+            <p:cNvCxnSpPr>
+              <a:cxnSpLocks/>
+              <a:stCxn id="82" idx="1"/>
+              <a:endCxn id="56" idx="3"/>
+            </p:cNvCxnSpPr>
+            <p:nvPr/>
+          </p:nvCxnSpPr>
+          <p:spPr>
+            <a:xfrm flipH="1">
+              <a:off x="4540841" y="1870361"/>
+              <a:ext cx="1185707" cy="422565"/>
+            </a:xfrm>
+            <a:prstGeom prst="straightConnector1">
+              <a:avLst/>
+            </a:prstGeom>
+            <a:ln w="19050">
+              <a:tailEnd type="triangle"/>
+            </a:ln>
+          </p:spPr>
+          <p:style>
+            <a:lnRef idx="1">
+              <a:schemeClr val="dk1"/>
+            </a:lnRef>
+            <a:fillRef idx="0">
+              <a:schemeClr val="dk1"/>
+            </a:fillRef>
+            <a:effectRef idx="0">
+              <a:schemeClr val="dk1"/>
+            </a:effectRef>
+            <a:fontRef idx="minor">
+              <a:schemeClr val="tx1"/>
+            </a:fontRef>
+          </p:style>
+        </p:cxnSp>
+        <p:sp>
+          <p:nvSpPr>
+            <p:cNvPr id="87" name="矩形 86">
+              <a:extLst>
+                <a:ext uri="{FF2B5EF4-FFF2-40B4-BE49-F238E27FC236}">
+                  <a16:creationId xmlns:a16="http://schemas.microsoft.com/office/drawing/2014/main" id="{201FB123-C5A4-4CC4-8A06-4CAB4F408969}"/>
+                </a:ext>
+              </a:extLst>
+            </p:cNvPr>
+            <p:cNvSpPr/>
+            <p:nvPr/>
+          </p:nvSpPr>
+          <p:spPr>
+            <a:xfrm>
+              <a:off x="5620942" y="2586186"/>
+              <a:ext cx="277091" cy="221673"/>
+            </a:xfrm>
+            <a:prstGeom prst="rect">
+              <a:avLst/>
+            </a:prstGeom>
+          </p:spPr>
+          <p:style>
+            <a:lnRef idx="1">
+              <a:schemeClr val="accent2"/>
+            </a:lnRef>
+            <a:fillRef idx="2">
+              <a:schemeClr val="accent2"/>
+            </a:fillRef>
+            <a:effectRef idx="1">
+              <a:schemeClr val="accent2"/>
+            </a:effectRef>
+            <a:fontRef idx="minor">
+              <a:schemeClr val="dk1"/>
+            </a:fontRef>
+          </p:style>
+          <p:txBody>
+            <a:bodyPr rtlCol="0" anchor="ctr"/>
+            <a:lstStyle/>
+            <a:p>
+              <a:pPr algn="ctr"/>
+              <a:r>
+                <a:rPr lang="en-US" altLang="zh-CN" sz="1400" dirty="0">
+                  <a:latin typeface="Times New Roman" panose="02020603050405020304" pitchFamily="18" charset="0"/>
+                  <a:cs typeface="Times New Roman" panose="02020603050405020304" pitchFamily="18" charset="0"/>
+                </a:rPr>
+                <a:t>F</a:t>
+              </a:r>
+              <a:endParaRPr lang="zh-CN" altLang="en-US" sz="1400" dirty="0">
+                <a:latin typeface="Times New Roman" panose="02020603050405020304" pitchFamily="18" charset="0"/>
+                <a:cs typeface="Times New Roman" panose="02020603050405020304" pitchFamily="18" charset="0"/>
+              </a:endParaRPr>
+            </a:p>
+          </p:txBody>
+        </p:sp>
+        <p:cxnSp>
+          <p:nvCxnSpPr>
+            <p:cNvPr id="89" name="直接箭头连接符 88">
+              <a:extLst>
+                <a:ext uri="{FF2B5EF4-FFF2-40B4-BE49-F238E27FC236}">
+                  <a16:creationId xmlns:a16="http://schemas.microsoft.com/office/drawing/2014/main" id="{B5730310-93E0-44B4-B0D1-E7EEA8C2AC99}"/>
+                </a:ext>
+              </a:extLst>
+            </p:cNvPr>
+            <p:cNvCxnSpPr>
+              <a:cxnSpLocks/>
+              <a:stCxn id="87" idx="1"/>
+              <a:endCxn id="66" idx="3"/>
+            </p:cNvCxnSpPr>
+            <p:nvPr/>
+          </p:nvCxnSpPr>
+          <p:spPr>
+            <a:xfrm flipH="1">
+              <a:off x="5183916" y="2697023"/>
+              <a:ext cx="437026" cy="337123"/>
+            </a:xfrm>
+            <a:prstGeom prst="straightConnector1">
+              <a:avLst/>
+            </a:prstGeom>
+            <a:ln w="19050">
+              <a:tailEnd type="triangle"/>
+            </a:ln>
+          </p:spPr>
+          <p:style>
+            <a:lnRef idx="1">
+              <a:schemeClr val="dk1"/>
+            </a:lnRef>
+            <a:fillRef idx="0">
+              <a:schemeClr val="dk1"/>
+            </a:fillRef>
+            <a:effectRef idx="0">
+              <a:schemeClr val="dk1"/>
+            </a:effectRef>
+            <a:fontRef idx="minor">
+              <a:schemeClr val="tx1"/>
+            </a:fontRef>
+          </p:style>
+        </p:cxnSp>
+        <p:sp>
+          <p:nvSpPr>
+            <p:cNvPr id="91" name="矩形 90">
+              <a:extLst>
+                <a:ext uri="{FF2B5EF4-FFF2-40B4-BE49-F238E27FC236}">
+                  <a16:creationId xmlns:a16="http://schemas.microsoft.com/office/drawing/2014/main" id="{1EA30ABC-5A04-4F91-A1B7-6857D29ECCC0}"/>
+                </a:ext>
+              </a:extLst>
+            </p:cNvPr>
+            <p:cNvSpPr/>
+            <p:nvPr/>
+          </p:nvSpPr>
+          <p:spPr>
+            <a:xfrm>
+              <a:off x="5744465" y="3223500"/>
+              <a:ext cx="277091" cy="221673"/>
+            </a:xfrm>
+            <a:prstGeom prst="rect">
+              <a:avLst/>
+            </a:prstGeom>
+          </p:spPr>
+          <p:style>
+            <a:lnRef idx="1">
+              <a:schemeClr val="accent2"/>
+            </a:lnRef>
+            <a:fillRef idx="2">
+              <a:schemeClr val="accent2"/>
+            </a:fillRef>
+            <a:effectRef idx="1">
+              <a:schemeClr val="accent2"/>
+            </a:effectRef>
+            <a:fontRef idx="minor">
+              <a:schemeClr val="dk1"/>
+            </a:fontRef>
+          </p:style>
+          <p:txBody>
+            <a:bodyPr rtlCol="0" anchor="ctr"/>
+            <a:lstStyle/>
+            <a:p>
+              <a:pPr algn="ctr"/>
+              <a:r>
+                <a:rPr lang="en-US" altLang="zh-CN" sz="1400" dirty="0">
+                  <a:latin typeface="Times New Roman" panose="02020603050405020304" pitchFamily="18" charset="0"/>
+                  <a:cs typeface="Times New Roman" panose="02020603050405020304" pitchFamily="18" charset="0"/>
+                </a:rPr>
+                <a:t>F</a:t>
+              </a:r>
+              <a:endParaRPr lang="zh-CN" altLang="en-US" sz="1400" dirty="0">
+                <a:latin typeface="Times New Roman" panose="02020603050405020304" pitchFamily="18" charset="0"/>
+                <a:cs typeface="Times New Roman" panose="02020603050405020304" pitchFamily="18" charset="0"/>
+              </a:endParaRPr>
+            </a:p>
+          </p:txBody>
+        </p:sp>
+        <p:sp>
+          <p:nvSpPr>
+            <p:cNvPr id="92" name="矩形 91">
+              <a:extLst>
+                <a:ext uri="{FF2B5EF4-FFF2-40B4-BE49-F238E27FC236}">
+                  <a16:creationId xmlns:a16="http://schemas.microsoft.com/office/drawing/2014/main" id="{EB73B00A-C589-4765-988C-C25198AF3F24}"/>
+                </a:ext>
+              </a:extLst>
+            </p:cNvPr>
+            <p:cNvSpPr/>
+            <p:nvPr/>
+          </p:nvSpPr>
+          <p:spPr>
+            <a:xfrm>
+              <a:off x="8050106" y="3498856"/>
+              <a:ext cx="277091" cy="221673"/>
+            </a:xfrm>
+            <a:prstGeom prst="rect">
+              <a:avLst/>
+            </a:prstGeom>
+          </p:spPr>
+          <p:style>
+            <a:lnRef idx="1">
+              <a:schemeClr val="accent2"/>
+            </a:lnRef>
+            <a:fillRef idx="2">
+              <a:schemeClr val="accent2"/>
+            </a:fillRef>
+            <a:effectRef idx="1">
+              <a:schemeClr val="accent2"/>
+            </a:effectRef>
+            <a:fontRef idx="minor">
+              <a:schemeClr val="dk1"/>
+            </a:fontRef>
+          </p:style>
+          <p:txBody>
+            <a:bodyPr rtlCol="0" anchor="ctr"/>
+            <a:lstStyle/>
+            <a:p>
+              <a:pPr algn="ctr"/>
+              <a:r>
+                <a:rPr lang="en-US" altLang="zh-CN" sz="1400" dirty="0">
+                  <a:latin typeface="Times New Roman" panose="02020603050405020304" pitchFamily="18" charset="0"/>
+                  <a:cs typeface="Times New Roman" panose="02020603050405020304" pitchFamily="18" charset="0"/>
+                </a:rPr>
+                <a:t>F</a:t>
+              </a:r>
+              <a:endParaRPr lang="zh-CN" altLang="en-US" sz="1400" dirty="0">
+                <a:latin typeface="Times New Roman" panose="02020603050405020304" pitchFamily="18" charset="0"/>
+                <a:cs typeface="Times New Roman" panose="02020603050405020304" pitchFamily="18" charset="0"/>
+              </a:endParaRPr>
+            </a:p>
+          </p:txBody>
+        </p:sp>
+        <p:sp>
+          <p:nvSpPr>
+            <p:cNvPr id="93" name="矩形 92">
+              <a:extLst>
+                <a:ext uri="{FF2B5EF4-FFF2-40B4-BE49-F238E27FC236}">
+                  <a16:creationId xmlns:a16="http://schemas.microsoft.com/office/drawing/2014/main" id="{97A5EE9D-6624-4A52-B816-E65D300B62BB}"/>
+                </a:ext>
+              </a:extLst>
+            </p:cNvPr>
+            <p:cNvSpPr/>
+            <p:nvPr/>
+          </p:nvSpPr>
+          <p:spPr>
+            <a:xfrm>
+              <a:off x="7645417" y="2631208"/>
+              <a:ext cx="277091" cy="221673"/>
+            </a:xfrm>
+            <a:prstGeom prst="rect">
+              <a:avLst/>
+            </a:prstGeom>
+          </p:spPr>
+          <p:style>
+            <a:lnRef idx="1">
+              <a:schemeClr val="accent2"/>
+            </a:lnRef>
+            <a:fillRef idx="2">
+              <a:schemeClr val="accent2"/>
+            </a:fillRef>
+            <a:effectRef idx="1">
+              <a:schemeClr val="accent2"/>
+            </a:effectRef>
+            <a:fontRef idx="minor">
+              <a:schemeClr val="dk1"/>
+            </a:fontRef>
+          </p:style>
+          <p:txBody>
+            <a:bodyPr rtlCol="0" anchor="ctr"/>
+            <a:lstStyle/>
+            <a:p>
+              <a:pPr algn="ctr"/>
+              <a:r>
+                <a:rPr lang="en-US" altLang="zh-CN" sz="1400" dirty="0">
+                  <a:latin typeface="Times New Roman" panose="02020603050405020304" pitchFamily="18" charset="0"/>
+                  <a:cs typeface="Times New Roman" panose="02020603050405020304" pitchFamily="18" charset="0"/>
+                </a:rPr>
+                <a:t>F</a:t>
+              </a:r>
+              <a:endParaRPr lang="zh-CN" altLang="en-US" sz="1400" dirty="0">
+                <a:latin typeface="Times New Roman" panose="02020603050405020304" pitchFamily="18" charset="0"/>
+                <a:cs typeface="Times New Roman" panose="02020603050405020304" pitchFamily="18" charset="0"/>
+              </a:endParaRPr>
+            </a:p>
+          </p:txBody>
+        </p:sp>
+        <p:sp>
+          <p:nvSpPr>
+            <p:cNvPr id="94" name="矩形 93">
+              <a:extLst>
+                <a:ext uri="{FF2B5EF4-FFF2-40B4-BE49-F238E27FC236}">
+                  <a16:creationId xmlns:a16="http://schemas.microsoft.com/office/drawing/2014/main" id="{9F43BE05-B095-41BB-98CF-16B85FE7573B}"/>
+                </a:ext>
+              </a:extLst>
+            </p:cNvPr>
+            <p:cNvSpPr/>
+            <p:nvPr/>
+          </p:nvSpPr>
+          <p:spPr>
+            <a:xfrm>
+              <a:off x="6768239" y="3360307"/>
+              <a:ext cx="277091" cy="221673"/>
+            </a:xfrm>
+            <a:prstGeom prst="rect">
+              <a:avLst/>
+            </a:prstGeom>
+          </p:spPr>
+          <p:style>
+            <a:lnRef idx="1">
+              <a:schemeClr val="accent2"/>
+            </a:lnRef>
+            <a:fillRef idx="2">
+              <a:schemeClr val="accent2"/>
+            </a:fillRef>
+            <a:effectRef idx="1">
+              <a:schemeClr val="accent2"/>
+            </a:effectRef>
+            <a:fontRef idx="minor">
+              <a:schemeClr val="dk1"/>
+            </a:fontRef>
+          </p:style>
+          <p:txBody>
+            <a:bodyPr rtlCol="0" anchor="ctr"/>
+            <a:lstStyle/>
+            <a:p>
+              <a:pPr algn="ctr"/>
+              <a:r>
+                <a:rPr lang="en-US" altLang="zh-CN" sz="1400" dirty="0">
+                  <a:latin typeface="Times New Roman" panose="02020603050405020304" pitchFamily="18" charset="0"/>
+                  <a:cs typeface="Times New Roman" panose="02020603050405020304" pitchFamily="18" charset="0"/>
+                </a:rPr>
+                <a:t>F</a:t>
+              </a:r>
+              <a:endParaRPr lang="zh-CN" altLang="en-US" sz="1400" dirty="0">
+                <a:latin typeface="Times New Roman" panose="02020603050405020304" pitchFamily="18" charset="0"/>
+                <a:cs typeface="Times New Roman" panose="02020603050405020304" pitchFamily="18" charset="0"/>
+              </a:endParaRPr>
+            </a:p>
+          </p:txBody>
+        </p:sp>
+        <p:sp>
+          <p:nvSpPr>
+            <p:cNvPr id="95" name="矩形 94">
+              <a:extLst>
+                <a:ext uri="{FF2B5EF4-FFF2-40B4-BE49-F238E27FC236}">
+                  <a16:creationId xmlns:a16="http://schemas.microsoft.com/office/drawing/2014/main" id="{C4EF019C-D82C-4FC5-ADC0-7A1D245E5C90}"/>
+                </a:ext>
+              </a:extLst>
+            </p:cNvPr>
+            <p:cNvSpPr/>
+            <p:nvPr/>
+          </p:nvSpPr>
+          <p:spPr>
+            <a:xfrm>
+              <a:off x="6445546" y="2531922"/>
+              <a:ext cx="277091" cy="221673"/>
+            </a:xfrm>
+            <a:prstGeom prst="rect">
+              <a:avLst/>
+            </a:prstGeom>
+          </p:spPr>
+          <p:style>
+            <a:lnRef idx="1">
+              <a:schemeClr val="accent2"/>
+            </a:lnRef>
+            <a:fillRef idx="2">
+              <a:schemeClr val="accent2"/>
+            </a:fillRef>
+            <a:effectRef idx="1">
+              <a:schemeClr val="accent2"/>
+            </a:effectRef>
+            <a:fontRef idx="minor">
+              <a:schemeClr val="dk1"/>
+            </a:fontRef>
+          </p:style>
+          <p:txBody>
+            <a:bodyPr rtlCol="0" anchor="ctr"/>
+            <a:lstStyle/>
+            <a:p>
+              <a:pPr algn="ctr"/>
+              <a:r>
+                <a:rPr lang="en-US" altLang="zh-CN" sz="1400" dirty="0">
+                  <a:latin typeface="Times New Roman" panose="02020603050405020304" pitchFamily="18" charset="0"/>
+                  <a:cs typeface="Times New Roman" panose="02020603050405020304" pitchFamily="18" charset="0"/>
+                </a:rPr>
+                <a:t>F</a:t>
+              </a:r>
+              <a:endParaRPr lang="zh-CN" altLang="en-US" sz="1400" dirty="0">
+                <a:latin typeface="Times New Roman" panose="02020603050405020304" pitchFamily="18" charset="0"/>
+                <a:cs typeface="Times New Roman" panose="02020603050405020304" pitchFamily="18" charset="0"/>
+              </a:endParaRPr>
+            </a:p>
+          </p:txBody>
+        </p:sp>
+        <p:cxnSp>
+          <p:nvCxnSpPr>
+            <p:cNvPr id="96" name="直接箭头连接符 95">
+              <a:extLst>
+                <a:ext uri="{FF2B5EF4-FFF2-40B4-BE49-F238E27FC236}">
+                  <a16:creationId xmlns:a16="http://schemas.microsoft.com/office/drawing/2014/main" id="{0AB8FCEE-0A8B-4407-99EC-44EED09A04AF}"/>
+                </a:ext>
+              </a:extLst>
+            </p:cNvPr>
+            <p:cNvCxnSpPr>
+              <a:cxnSpLocks/>
+              <a:stCxn id="91" idx="1"/>
+              <a:endCxn id="66" idx="3"/>
+            </p:cNvCxnSpPr>
+            <p:nvPr/>
+          </p:nvCxnSpPr>
+          <p:spPr>
+            <a:xfrm flipH="1" flipV="1">
+              <a:off x="5183916" y="3034146"/>
+              <a:ext cx="560549" cy="300191"/>
+            </a:xfrm>
+            <a:prstGeom prst="straightConnector1">
+              <a:avLst/>
+            </a:prstGeom>
+            <a:ln w="19050">
+              <a:tailEnd type="triangle"/>
+            </a:ln>
+          </p:spPr>
+          <p:style>
+            <a:lnRef idx="1">
+              <a:schemeClr val="dk1"/>
+            </a:lnRef>
+            <a:fillRef idx="0">
+              <a:schemeClr val="dk1"/>
+            </a:fillRef>
+            <a:effectRef idx="0">
+              <a:schemeClr val="dk1"/>
+            </a:effectRef>
+            <a:fontRef idx="minor">
+              <a:schemeClr val="tx1"/>
+            </a:fontRef>
+          </p:style>
+        </p:cxnSp>
+        <p:cxnSp>
+          <p:nvCxnSpPr>
+            <p:cNvPr id="99" name="直接箭头连接符 98">
+              <a:extLst>
+                <a:ext uri="{FF2B5EF4-FFF2-40B4-BE49-F238E27FC236}">
+                  <a16:creationId xmlns:a16="http://schemas.microsoft.com/office/drawing/2014/main" id="{A655EF56-BA2C-4E0A-9A86-45FE2BFB46B7}"/>
+                </a:ext>
+              </a:extLst>
+            </p:cNvPr>
+            <p:cNvCxnSpPr>
+              <a:cxnSpLocks/>
+              <a:stCxn id="91" idx="0"/>
+              <a:endCxn id="87" idx="2"/>
+            </p:cNvCxnSpPr>
+            <p:nvPr/>
+          </p:nvCxnSpPr>
+          <p:spPr>
+            <a:xfrm flipH="1" flipV="1">
+              <a:off x="5759488" y="2807859"/>
+              <a:ext cx="123523" cy="415641"/>
+            </a:xfrm>
+            <a:prstGeom prst="straightConnector1">
+              <a:avLst/>
+            </a:prstGeom>
+            <a:ln w="19050">
+              <a:tailEnd type="triangle"/>
+            </a:ln>
+          </p:spPr>
+          <p:style>
+            <a:lnRef idx="1">
+              <a:schemeClr val="dk1"/>
+            </a:lnRef>
+            <a:fillRef idx="0">
+              <a:schemeClr val="dk1"/>
+            </a:fillRef>
+            <a:effectRef idx="0">
+              <a:schemeClr val="dk1"/>
+            </a:effectRef>
+            <a:fontRef idx="minor">
+              <a:schemeClr val="tx1"/>
+            </a:fontRef>
+          </p:style>
+        </p:cxnSp>
+        <p:sp>
+          <p:nvSpPr>
+            <p:cNvPr id="102" name="矩形 101">
+              <a:extLst>
+                <a:ext uri="{FF2B5EF4-FFF2-40B4-BE49-F238E27FC236}">
+                  <a16:creationId xmlns:a16="http://schemas.microsoft.com/office/drawing/2014/main" id="{379055D0-7B63-4D27-B6B4-AFE44A429E55}"/>
+                </a:ext>
+              </a:extLst>
+            </p:cNvPr>
+            <p:cNvSpPr/>
+            <p:nvPr/>
+          </p:nvSpPr>
+          <p:spPr>
+            <a:xfrm>
+              <a:off x="6168455" y="983684"/>
+              <a:ext cx="277091" cy="221673"/>
+            </a:xfrm>
+            <a:prstGeom prst="rect">
+              <a:avLst/>
+            </a:prstGeom>
+          </p:spPr>
+          <p:style>
+            <a:lnRef idx="1">
+              <a:schemeClr val="accent1"/>
+            </a:lnRef>
+            <a:fillRef idx="2">
+              <a:schemeClr val="accent1"/>
+            </a:fillRef>
+            <a:effectRef idx="1">
+              <a:schemeClr val="accent1"/>
+            </a:effectRef>
+            <a:fontRef idx="minor">
+              <a:schemeClr val="dk1"/>
+            </a:fontRef>
+          </p:style>
+          <p:txBody>
+            <a:bodyPr rtlCol="0" anchor="ctr"/>
+            <a:lstStyle/>
+            <a:p>
+              <a:pPr algn="ctr"/>
+              <a:r>
+                <a:rPr lang="en-US" altLang="zh-CN" sz="1400" dirty="0">
+                  <a:latin typeface="Times New Roman" panose="02020603050405020304" pitchFamily="18" charset="0"/>
+                  <a:cs typeface="Times New Roman" panose="02020603050405020304" pitchFamily="18" charset="0"/>
+                </a:rPr>
+                <a:t>H</a:t>
+              </a:r>
+              <a:endParaRPr lang="zh-CN" altLang="en-US" sz="1400" dirty="0">
+                <a:latin typeface="Times New Roman" panose="02020603050405020304" pitchFamily="18" charset="0"/>
+                <a:cs typeface="Times New Roman" panose="02020603050405020304" pitchFamily="18" charset="0"/>
+              </a:endParaRPr>
+            </a:p>
+          </p:txBody>
+        </p:sp>
+        <p:sp>
+          <p:nvSpPr>
+            <p:cNvPr id="105" name="矩形 104">
+              <a:extLst>
+                <a:ext uri="{FF2B5EF4-FFF2-40B4-BE49-F238E27FC236}">
+                  <a16:creationId xmlns:a16="http://schemas.microsoft.com/office/drawing/2014/main" id="{72BC5541-7701-4C37-86FE-23FA1F49A30F}"/>
+                </a:ext>
+              </a:extLst>
+            </p:cNvPr>
+            <p:cNvSpPr/>
+            <p:nvPr/>
+          </p:nvSpPr>
+          <p:spPr>
+            <a:xfrm>
+              <a:off x="8370484" y="1648687"/>
+              <a:ext cx="277091" cy="221673"/>
+            </a:xfrm>
+            <a:prstGeom prst="rect">
+              <a:avLst/>
+            </a:prstGeom>
+          </p:spPr>
+          <p:style>
+            <a:lnRef idx="1">
+              <a:schemeClr val="accent1"/>
+            </a:lnRef>
+            <a:fillRef idx="2">
+              <a:schemeClr val="accent1"/>
+            </a:fillRef>
+            <a:effectRef idx="1">
+              <a:schemeClr val="accent1"/>
+            </a:effectRef>
+            <a:fontRef idx="minor">
+              <a:schemeClr val="dk1"/>
+            </a:fontRef>
+          </p:style>
+          <p:txBody>
+            <a:bodyPr rtlCol="0" anchor="ctr"/>
+            <a:lstStyle/>
+            <a:p>
+              <a:pPr algn="ctr"/>
+              <a:r>
+                <a:rPr lang="en-US" altLang="zh-CN" sz="1400" dirty="0">
+                  <a:latin typeface="Times New Roman" panose="02020603050405020304" pitchFamily="18" charset="0"/>
+                  <a:cs typeface="Times New Roman" panose="02020603050405020304" pitchFamily="18" charset="0"/>
+                </a:rPr>
+                <a:t>H</a:t>
+              </a:r>
+              <a:endParaRPr lang="zh-CN" altLang="en-US" sz="1400" dirty="0">
+                <a:latin typeface="Times New Roman" panose="02020603050405020304" pitchFamily="18" charset="0"/>
+                <a:cs typeface="Times New Roman" panose="02020603050405020304" pitchFamily="18" charset="0"/>
+              </a:endParaRPr>
+            </a:p>
+          </p:txBody>
+        </p:sp>
+        <p:sp>
+          <p:nvSpPr>
+            <p:cNvPr id="106" name="矩形 105">
+              <a:extLst>
+                <a:ext uri="{FF2B5EF4-FFF2-40B4-BE49-F238E27FC236}">
+                  <a16:creationId xmlns:a16="http://schemas.microsoft.com/office/drawing/2014/main" id="{55A2D5AD-9F3C-4736-959B-FFA7FB08A5B2}"/>
+                </a:ext>
+              </a:extLst>
+            </p:cNvPr>
+            <p:cNvSpPr/>
+            <p:nvPr/>
+          </p:nvSpPr>
+          <p:spPr>
+            <a:xfrm>
+              <a:off x="7516985" y="1001004"/>
+              <a:ext cx="277091" cy="221673"/>
+            </a:xfrm>
+            <a:prstGeom prst="rect">
+              <a:avLst/>
+            </a:prstGeom>
+          </p:spPr>
+          <p:style>
+            <a:lnRef idx="1">
+              <a:schemeClr val="accent1"/>
+            </a:lnRef>
+            <a:fillRef idx="2">
+              <a:schemeClr val="accent1"/>
+            </a:fillRef>
+            <a:effectRef idx="1">
+              <a:schemeClr val="accent1"/>
+            </a:effectRef>
+            <a:fontRef idx="minor">
+              <a:schemeClr val="dk1"/>
+            </a:fontRef>
+          </p:style>
+          <p:txBody>
+            <a:bodyPr rtlCol="0" anchor="ctr"/>
+            <a:lstStyle/>
+            <a:p>
+              <a:pPr algn="ctr"/>
+              <a:r>
+                <a:rPr lang="en-US" altLang="zh-CN" sz="1400" dirty="0">
+                  <a:latin typeface="Times New Roman" panose="02020603050405020304" pitchFamily="18" charset="0"/>
+                  <a:cs typeface="Times New Roman" panose="02020603050405020304" pitchFamily="18" charset="0"/>
+                </a:rPr>
+                <a:t>H</a:t>
+              </a:r>
+              <a:endParaRPr lang="zh-CN" altLang="en-US" sz="1400" dirty="0">
+                <a:latin typeface="Times New Roman" panose="02020603050405020304" pitchFamily="18" charset="0"/>
+                <a:cs typeface="Times New Roman" panose="02020603050405020304" pitchFamily="18" charset="0"/>
+              </a:endParaRPr>
+            </a:p>
+          </p:txBody>
+        </p:sp>
+        <p:sp>
+          <p:nvSpPr>
+            <p:cNvPr id="107" name="矩形 106">
+              <a:extLst>
+                <a:ext uri="{FF2B5EF4-FFF2-40B4-BE49-F238E27FC236}">
+                  <a16:creationId xmlns:a16="http://schemas.microsoft.com/office/drawing/2014/main" id="{B241FA15-4E2B-400A-BFFC-B2F77AAC1095}"/>
+                </a:ext>
+              </a:extLst>
+            </p:cNvPr>
+            <p:cNvSpPr/>
+            <p:nvPr/>
+          </p:nvSpPr>
+          <p:spPr>
+            <a:xfrm>
+              <a:off x="6906784" y="1870360"/>
+              <a:ext cx="277091" cy="221673"/>
+            </a:xfrm>
+            <a:prstGeom prst="rect">
+              <a:avLst/>
+            </a:prstGeom>
+          </p:spPr>
+          <p:style>
+            <a:lnRef idx="1">
+              <a:schemeClr val="accent1"/>
+            </a:lnRef>
+            <a:fillRef idx="2">
+              <a:schemeClr val="accent1"/>
+            </a:fillRef>
+            <a:effectRef idx="1">
+              <a:schemeClr val="accent1"/>
+            </a:effectRef>
+            <a:fontRef idx="minor">
+              <a:schemeClr val="dk1"/>
+            </a:fontRef>
+          </p:style>
+          <p:txBody>
+            <a:bodyPr rtlCol="0" anchor="ctr"/>
+            <a:lstStyle/>
+            <a:p>
+              <a:pPr algn="ctr"/>
+              <a:r>
+                <a:rPr lang="en-US" altLang="zh-CN" sz="1400" dirty="0">
+                  <a:latin typeface="Times New Roman" panose="02020603050405020304" pitchFamily="18" charset="0"/>
+                  <a:cs typeface="Times New Roman" panose="02020603050405020304" pitchFamily="18" charset="0"/>
+                </a:rPr>
+                <a:t>H</a:t>
+              </a:r>
+              <a:endParaRPr lang="zh-CN" altLang="en-US" sz="1400" dirty="0">
+                <a:latin typeface="Times New Roman" panose="02020603050405020304" pitchFamily="18" charset="0"/>
+                <a:cs typeface="Times New Roman" panose="02020603050405020304" pitchFamily="18" charset="0"/>
+              </a:endParaRPr>
+            </a:p>
+          </p:txBody>
+        </p:sp>
+        <p:cxnSp>
+          <p:nvCxnSpPr>
+            <p:cNvPr id="108" name="直接箭头连接符 107">
+              <a:extLst>
+                <a:ext uri="{FF2B5EF4-FFF2-40B4-BE49-F238E27FC236}">
+                  <a16:creationId xmlns:a16="http://schemas.microsoft.com/office/drawing/2014/main" id="{092ACB7F-600A-48C0-BC90-917D8449DD1D}"/>
+                </a:ext>
+              </a:extLst>
+            </p:cNvPr>
+            <p:cNvCxnSpPr>
+              <a:cxnSpLocks/>
+              <a:stCxn id="102" idx="1"/>
+              <a:endCxn id="77" idx="3"/>
+            </p:cNvCxnSpPr>
+            <p:nvPr/>
+          </p:nvCxnSpPr>
+          <p:spPr>
+            <a:xfrm flipH="1">
+              <a:off x="5542999" y="1094521"/>
+              <a:ext cx="625456" cy="180101"/>
+            </a:xfrm>
+            <a:prstGeom prst="straightConnector1">
+              <a:avLst/>
+            </a:prstGeom>
+            <a:ln w="19050">
+              <a:tailEnd type="triangle"/>
+            </a:ln>
+          </p:spPr>
+          <p:style>
+            <a:lnRef idx="1">
+              <a:schemeClr val="dk1"/>
+            </a:lnRef>
+            <a:fillRef idx="0">
+              <a:schemeClr val="dk1"/>
+            </a:fillRef>
+            <a:effectRef idx="0">
+              <a:schemeClr val="dk1"/>
+            </a:effectRef>
+            <a:fontRef idx="minor">
+              <a:schemeClr val="tx1"/>
+            </a:fontRef>
+          </p:style>
+        </p:cxnSp>
+        <p:cxnSp>
+          <p:nvCxnSpPr>
+            <p:cNvPr id="111" name="直接箭头连接符 110">
+              <a:extLst>
+                <a:ext uri="{FF2B5EF4-FFF2-40B4-BE49-F238E27FC236}">
+                  <a16:creationId xmlns:a16="http://schemas.microsoft.com/office/drawing/2014/main" id="{602DFF68-6F40-4AEA-A413-E5DFDF8D2FBA}"/>
+                </a:ext>
+              </a:extLst>
+            </p:cNvPr>
+            <p:cNvCxnSpPr>
+              <a:cxnSpLocks/>
+              <a:stCxn id="102" idx="2"/>
+              <a:endCxn id="82" idx="0"/>
+            </p:cNvCxnSpPr>
+            <p:nvPr/>
+          </p:nvCxnSpPr>
+          <p:spPr>
+            <a:xfrm flipH="1">
+              <a:off x="5865094" y="1205357"/>
+              <a:ext cx="441907" cy="554167"/>
+            </a:xfrm>
+            <a:prstGeom prst="straightConnector1">
+              <a:avLst/>
+            </a:prstGeom>
+            <a:ln w="19050">
+              <a:tailEnd type="triangle"/>
+            </a:ln>
+          </p:spPr>
+          <p:style>
+            <a:lnRef idx="1">
+              <a:schemeClr val="dk1"/>
+            </a:lnRef>
+            <a:fillRef idx="0">
+              <a:schemeClr val="dk1"/>
+            </a:fillRef>
+            <a:effectRef idx="0">
+              <a:schemeClr val="dk1"/>
+            </a:effectRef>
+            <a:fontRef idx="minor">
+              <a:schemeClr val="tx1"/>
+            </a:fontRef>
+          </p:style>
+        </p:cxnSp>
+        <p:cxnSp>
+          <p:nvCxnSpPr>
+            <p:cNvPr id="115" name="直接箭头连接符 114">
+              <a:extLst>
+                <a:ext uri="{FF2B5EF4-FFF2-40B4-BE49-F238E27FC236}">
+                  <a16:creationId xmlns:a16="http://schemas.microsoft.com/office/drawing/2014/main" id="{45194697-EE73-4A55-A5E6-B9235238214D}"/>
+                </a:ext>
+              </a:extLst>
+            </p:cNvPr>
+            <p:cNvCxnSpPr>
+              <a:cxnSpLocks/>
+              <a:stCxn id="107" idx="0"/>
+              <a:endCxn id="102" idx="3"/>
+            </p:cNvCxnSpPr>
+            <p:nvPr/>
+          </p:nvCxnSpPr>
+          <p:spPr>
+            <a:xfrm flipH="1" flipV="1">
+              <a:off x="6445546" y="1094521"/>
+              <a:ext cx="599784" cy="775839"/>
+            </a:xfrm>
+            <a:prstGeom prst="straightConnector1">
+              <a:avLst/>
+            </a:prstGeom>
+            <a:ln w="19050">
+              <a:tailEnd type="triangle"/>
+            </a:ln>
+          </p:spPr>
+          <p:style>
+            <a:lnRef idx="1">
+              <a:schemeClr val="dk1"/>
+            </a:lnRef>
+            <a:fillRef idx="0">
+              <a:schemeClr val="dk1"/>
+            </a:fillRef>
+            <a:effectRef idx="0">
+              <a:schemeClr val="dk1"/>
+            </a:effectRef>
+            <a:fontRef idx="minor">
+              <a:schemeClr val="tx1"/>
+            </a:fontRef>
+          </p:style>
+        </p:cxnSp>
+        <p:cxnSp>
+          <p:nvCxnSpPr>
+            <p:cNvPr id="118" name="直接箭头连接符 117">
+              <a:extLst>
+                <a:ext uri="{FF2B5EF4-FFF2-40B4-BE49-F238E27FC236}">
+                  <a16:creationId xmlns:a16="http://schemas.microsoft.com/office/drawing/2014/main" id="{396351C7-5D81-4CFD-B82E-FBAB29EADD3E}"/>
+                </a:ext>
+              </a:extLst>
+            </p:cNvPr>
+            <p:cNvCxnSpPr>
+              <a:cxnSpLocks/>
+              <a:stCxn id="107" idx="1"/>
+              <a:endCxn id="82" idx="3"/>
+            </p:cNvCxnSpPr>
+            <p:nvPr/>
+          </p:nvCxnSpPr>
+          <p:spPr>
+            <a:xfrm flipH="1" flipV="1">
+              <a:off x="6003639" y="1870361"/>
+              <a:ext cx="903145" cy="110836"/>
+            </a:xfrm>
+            <a:prstGeom prst="straightConnector1">
+              <a:avLst/>
+            </a:prstGeom>
+            <a:ln w="19050">
+              <a:tailEnd type="triangle"/>
+            </a:ln>
+          </p:spPr>
+          <p:style>
+            <a:lnRef idx="1">
+              <a:schemeClr val="dk1"/>
+            </a:lnRef>
+            <a:fillRef idx="0">
+              <a:schemeClr val="dk1"/>
+            </a:fillRef>
+            <a:effectRef idx="0">
+              <a:schemeClr val="dk1"/>
+            </a:effectRef>
+            <a:fontRef idx="minor">
+              <a:schemeClr val="tx1"/>
+            </a:fontRef>
+          </p:style>
+        </p:cxnSp>
+        <p:cxnSp>
+          <p:nvCxnSpPr>
+            <p:cNvPr id="121" name="直接箭头连接符 120">
+              <a:extLst>
+                <a:ext uri="{FF2B5EF4-FFF2-40B4-BE49-F238E27FC236}">
+                  <a16:creationId xmlns:a16="http://schemas.microsoft.com/office/drawing/2014/main" id="{128C644E-4D96-402F-825B-12DFE37C7175}"/>
+                </a:ext>
+              </a:extLst>
+            </p:cNvPr>
+            <p:cNvCxnSpPr>
+              <a:cxnSpLocks/>
+              <a:stCxn id="106" idx="1"/>
+              <a:endCxn id="102" idx="3"/>
+            </p:cNvCxnSpPr>
+            <p:nvPr/>
+          </p:nvCxnSpPr>
+          <p:spPr>
+            <a:xfrm flipH="1" flipV="1">
+              <a:off x="6445546" y="1094521"/>
+              <a:ext cx="1071439" cy="17320"/>
+            </a:xfrm>
+            <a:prstGeom prst="straightConnector1">
+              <a:avLst/>
+            </a:prstGeom>
+            <a:ln w="19050">
+              <a:tailEnd type="triangle"/>
+            </a:ln>
+          </p:spPr>
+          <p:style>
+            <a:lnRef idx="1">
+              <a:schemeClr val="dk1"/>
+            </a:lnRef>
+            <a:fillRef idx="0">
+              <a:schemeClr val="dk1"/>
+            </a:fillRef>
+            <a:effectRef idx="0">
+              <a:schemeClr val="dk1"/>
+            </a:effectRef>
+            <a:fontRef idx="minor">
+              <a:schemeClr val="tx1"/>
+            </a:fontRef>
+          </p:style>
+        </p:cxnSp>
+        <p:cxnSp>
+          <p:nvCxnSpPr>
+            <p:cNvPr id="124" name="直接箭头连接符 123">
+              <a:extLst>
+                <a:ext uri="{FF2B5EF4-FFF2-40B4-BE49-F238E27FC236}">
+                  <a16:creationId xmlns:a16="http://schemas.microsoft.com/office/drawing/2014/main" id="{3F339A2B-8E7F-4882-9418-58D874D85D33}"/>
+                </a:ext>
+              </a:extLst>
+            </p:cNvPr>
+            <p:cNvCxnSpPr>
+              <a:cxnSpLocks/>
+              <a:stCxn id="106" idx="2"/>
+              <a:endCxn id="107" idx="0"/>
+            </p:cNvCxnSpPr>
+            <p:nvPr/>
+          </p:nvCxnSpPr>
+          <p:spPr>
+            <a:xfrm flipH="1">
+              <a:off x="7045330" y="1222677"/>
+              <a:ext cx="610201" cy="647683"/>
+            </a:xfrm>
+            <a:prstGeom prst="straightConnector1">
+              <a:avLst/>
+            </a:prstGeom>
+            <a:ln w="19050">
+              <a:tailEnd type="triangle"/>
+            </a:ln>
+          </p:spPr>
+          <p:style>
+            <a:lnRef idx="1">
+              <a:schemeClr val="dk1"/>
+            </a:lnRef>
+            <a:fillRef idx="0">
+              <a:schemeClr val="dk1"/>
+            </a:fillRef>
+            <a:effectRef idx="0">
+              <a:schemeClr val="dk1"/>
+            </a:effectRef>
+            <a:fontRef idx="minor">
+              <a:schemeClr val="tx1"/>
+            </a:fontRef>
+          </p:style>
+        </p:cxnSp>
+        <p:cxnSp>
+          <p:nvCxnSpPr>
+            <p:cNvPr id="127" name="直接箭头连接符 126">
+              <a:extLst>
+                <a:ext uri="{FF2B5EF4-FFF2-40B4-BE49-F238E27FC236}">
+                  <a16:creationId xmlns:a16="http://schemas.microsoft.com/office/drawing/2014/main" id="{8F9B93C4-7DDF-4AE9-B67A-E7A9B039ECF8}"/>
+                </a:ext>
+              </a:extLst>
+            </p:cNvPr>
+            <p:cNvCxnSpPr>
+              <a:cxnSpLocks/>
+              <a:stCxn id="105" idx="1"/>
+              <a:endCxn id="107" idx="3"/>
+            </p:cNvCxnSpPr>
+            <p:nvPr/>
+          </p:nvCxnSpPr>
+          <p:spPr>
+            <a:xfrm flipH="1">
+              <a:off x="7183875" y="1759524"/>
+              <a:ext cx="1186609" cy="221673"/>
+            </a:xfrm>
+            <a:prstGeom prst="straightConnector1">
+              <a:avLst/>
+            </a:prstGeom>
+            <a:ln w="19050">
+              <a:tailEnd type="triangle"/>
+            </a:ln>
+          </p:spPr>
+          <p:style>
+            <a:lnRef idx="1">
+              <a:schemeClr val="dk1"/>
+            </a:lnRef>
+            <a:fillRef idx="0">
+              <a:schemeClr val="dk1"/>
+            </a:fillRef>
+            <a:effectRef idx="0">
+              <a:schemeClr val="dk1"/>
+            </a:effectRef>
+            <a:fontRef idx="minor">
+              <a:schemeClr val="tx1"/>
+            </a:fontRef>
+          </p:style>
+        </p:cxnSp>
+        <p:cxnSp>
+          <p:nvCxnSpPr>
+            <p:cNvPr id="130" name="直接箭头连接符 129">
+              <a:extLst>
+                <a:ext uri="{FF2B5EF4-FFF2-40B4-BE49-F238E27FC236}">
+                  <a16:creationId xmlns:a16="http://schemas.microsoft.com/office/drawing/2014/main" id="{24550400-43D8-4AC6-9F97-3CD0C022FE62}"/>
+                </a:ext>
+              </a:extLst>
+            </p:cNvPr>
+            <p:cNvCxnSpPr>
+              <a:cxnSpLocks/>
+              <a:stCxn id="105" idx="0"/>
+              <a:endCxn id="106" idx="3"/>
+            </p:cNvCxnSpPr>
+            <p:nvPr/>
+          </p:nvCxnSpPr>
+          <p:spPr>
+            <a:xfrm flipH="1" flipV="1">
+              <a:off x="7794076" y="1111841"/>
+              <a:ext cx="714954" cy="536846"/>
+            </a:xfrm>
+            <a:prstGeom prst="straightConnector1">
+              <a:avLst/>
+            </a:prstGeom>
+            <a:ln w="19050">
+              <a:tailEnd type="triangle"/>
+            </a:ln>
+          </p:spPr>
+          <p:style>
+            <a:lnRef idx="1">
+              <a:schemeClr val="dk1"/>
+            </a:lnRef>
+            <a:fillRef idx="0">
+              <a:schemeClr val="dk1"/>
+            </a:fillRef>
+            <a:effectRef idx="0">
+              <a:schemeClr val="dk1"/>
+            </a:effectRef>
+            <a:fontRef idx="minor">
+              <a:schemeClr val="tx1"/>
+            </a:fontRef>
+          </p:style>
+        </p:cxnSp>
+        <p:cxnSp>
+          <p:nvCxnSpPr>
+            <p:cNvPr id="133" name="直接箭头连接符 132">
+              <a:extLst>
+                <a:ext uri="{FF2B5EF4-FFF2-40B4-BE49-F238E27FC236}">
+                  <a16:creationId xmlns:a16="http://schemas.microsoft.com/office/drawing/2014/main" id="{CBD9A870-FD4A-4648-90D9-FDFB0F167012}"/>
+                </a:ext>
+              </a:extLst>
+            </p:cNvPr>
+            <p:cNvCxnSpPr>
+              <a:cxnSpLocks/>
+              <a:stCxn id="95" idx="1"/>
+              <a:endCxn id="87" idx="3"/>
+            </p:cNvCxnSpPr>
+            <p:nvPr/>
+          </p:nvCxnSpPr>
+          <p:spPr>
+            <a:xfrm flipH="1">
+              <a:off x="5898033" y="2642759"/>
+              <a:ext cx="547513" cy="54264"/>
+            </a:xfrm>
+            <a:prstGeom prst="straightConnector1">
+              <a:avLst/>
+            </a:prstGeom>
+            <a:ln w="19050">
+              <a:tailEnd type="triangle"/>
+            </a:ln>
+          </p:spPr>
+          <p:style>
+            <a:lnRef idx="1">
+              <a:schemeClr val="dk1"/>
+            </a:lnRef>
+            <a:fillRef idx="0">
+              <a:schemeClr val="dk1"/>
+            </a:fillRef>
+            <a:effectRef idx="0">
+              <a:schemeClr val="dk1"/>
+            </a:effectRef>
+            <a:fontRef idx="minor">
+              <a:schemeClr val="tx1"/>
+            </a:fontRef>
+          </p:style>
+        </p:cxnSp>
+        <p:cxnSp>
+          <p:nvCxnSpPr>
+            <p:cNvPr id="136" name="直接箭头连接符 135">
+              <a:extLst>
+                <a:ext uri="{FF2B5EF4-FFF2-40B4-BE49-F238E27FC236}">
+                  <a16:creationId xmlns:a16="http://schemas.microsoft.com/office/drawing/2014/main" id="{9F579A00-CF65-44D5-960B-F57B349174B0}"/>
+                </a:ext>
+              </a:extLst>
+            </p:cNvPr>
+            <p:cNvCxnSpPr>
+              <a:cxnSpLocks/>
+              <a:stCxn id="95" idx="2"/>
+              <a:endCxn id="91" idx="3"/>
+            </p:cNvCxnSpPr>
+            <p:nvPr/>
+          </p:nvCxnSpPr>
+          <p:spPr>
+            <a:xfrm flipH="1">
+              <a:off x="6021556" y="2753595"/>
+              <a:ext cx="562536" cy="580742"/>
+            </a:xfrm>
+            <a:prstGeom prst="straightConnector1">
+              <a:avLst/>
+            </a:prstGeom>
+            <a:ln w="19050">
+              <a:tailEnd type="triangle"/>
+            </a:ln>
+          </p:spPr>
+          <p:style>
+            <a:lnRef idx="1">
+              <a:schemeClr val="dk1"/>
+            </a:lnRef>
+            <a:fillRef idx="0">
+              <a:schemeClr val="dk1"/>
+            </a:fillRef>
+            <a:effectRef idx="0">
+              <a:schemeClr val="dk1"/>
+            </a:effectRef>
+            <a:fontRef idx="minor">
+              <a:schemeClr val="tx1"/>
+            </a:fontRef>
+          </p:style>
+        </p:cxnSp>
+        <p:cxnSp>
+          <p:nvCxnSpPr>
+            <p:cNvPr id="139" name="直接箭头连接符 138">
+              <a:extLst>
+                <a:ext uri="{FF2B5EF4-FFF2-40B4-BE49-F238E27FC236}">
+                  <a16:creationId xmlns:a16="http://schemas.microsoft.com/office/drawing/2014/main" id="{BF5C4777-0D94-46C1-AC99-AEA9852B8A2D}"/>
+                </a:ext>
+              </a:extLst>
+            </p:cNvPr>
+            <p:cNvCxnSpPr>
+              <a:cxnSpLocks/>
+              <a:stCxn id="94" idx="0"/>
+              <a:endCxn id="95" idx="2"/>
+            </p:cNvCxnSpPr>
+            <p:nvPr/>
+          </p:nvCxnSpPr>
+          <p:spPr>
+            <a:xfrm flipH="1" flipV="1">
+              <a:off x="6584092" y="2753595"/>
+              <a:ext cx="322693" cy="606712"/>
+            </a:xfrm>
+            <a:prstGeom prst="straightConnector1">
+              <a:avLst/>
+            </a:prstGeom>
+            <a:ln w="19050">
+              <a:tailEnd type="triangle"/>
+            </a:ln>
+          </p:spPr>
+          <p:style>
+            <a:lnRef idx="1">
+              <a:schemeClr val="dk1"/>
+            </a:lnRef>
+            <a:fillRef idx="0">
+              <a:schemeClr val="dk1"/>
+            </a:fillRef>
+            <a:effectRef idx="0">
+              <a:schemeClr val="dk1"/>
+            </a:effectRef>
+            <a:fontRef idx="minor">
+              <a:schemeClr val="tx1"/>
+            </a:fontRef>
+          </p:style>
+        </p:cxnSp>
+        <p:cxnSp>
+          <p:nvCxnSpPr>
+            <p:cNvPr id="142" name="直接箭头连接符 141">
+              <a:extLst>
+                <a:ext uri="{FF2B5EF4-FFF2-40B4-BE49-F238E27FC236}">
+                  <a16:creationId xmlns:a16="http://schemas.microsoft.com/office/drawing/2014/main" id="{EF90EF87-A464-4959-9389-9BDDD4799405}"/>
+                </a:ext>
+              </a:extLst>
+            </p:cNvPr>
+            <p:cNvCxnSpPr>
+              <a:cxnSpLocks/>
+              <a:stCxn id="94" idx="1"/>
+              <a:endCxn id="91" idx="3"/>
+            </p:cNvCxnSpPr>
+            <p:nvPr/>
+          </p:nvCxnSpPr>
+          <p:spPr>
+            <a:xfrm flipH="1" flipV="1">
+              <a:off x="6021556" y="3334337"/>
+              <a:ext cx="746683" cy="136807"/>
+            </a:xfrm>
+            <a:prstGeom prst="straightConnector1">
+              <a:avLst/>
+            </a:prstGeom>
+            <a:ln w="19050">
+              <a:tailEnd type="triangle"/>
+            </a:ln>
+          </p:spPr>
+          <p:style>
+            <a:lnRef idx="1">
+              <a:schemeClr val="dk1"/>
+            </a:lnRef>
+            <a:fillRef idx="0">
+              <a:schemeClr val="dk1"/>
+            </a:fillRef>
+            <a:effectRef idx="0">
+              <a:schemeClr val="dk1"/>
+            </a:effectRef>
+            <a:fontRef idx="minor">
+              <a:schemeClr val="tx1"/>
+            </a:fontRef>
+          </p:style>
+        </p:cxnSp>
+        <p:cxnSp>
+          <p:nvCxnSpPr>
+            <p:cNvPr id="145" name="直接箭头连接符 144">
+              <a:extLst>
+                <a:ext uri="{FF2B5EF4-FFF2-40B4-BE49-F238E27FC236}">
+                  <a16:creationId xmlns:a16="http://schemas.microsoft.com/office/drawing/2014/main" id="{6141466C-D215-429B-B2C9-B55818BABD74}"/>
+                </a:ext>
+              </a:extLst>
+            </p:cNvPr>
+            <p:cNvCxnSpPr>
+              <a:cxnSpLocks/>
+              <a:stCxn id="93" idx="1"/>
+              <a:endCxn id="95" idx="3"/>
+            </p:cNvCxnSpPr>
+            <p:nvPr/>
+          </p:nvCxnSpPr>
+          <p:spPr>
+            <a:xfrm flipH="1" flipV="1">
+              <a:off x="6722637" y="2642759"/>
+              <a:ext cx="922780" cy="99286"/>
+            </a:xfrm>
+            <a:prstGeom prst="straightConnector1">
+              <a:avLst/>
+            </a:prstGeom>
+            <a:ln w="19050">
+              <a:tailEnd type="triangle"/>
+            </a:ln>
+          </p:spPr>
+          <p:style>
+            <a:lnRef idx="1">
+              <a:schemeClr val="dk1"/>
+            </a:lnRef>
+            <a:fillRef idx="0">
+              <a:schemeClr val="dk1"/>
+            </a:fillRef>
+            <a:effectRef idx="0">
+              <a:schemeClr val="dk1"/>
+            </a:effectRef>
+            <a:fontRef idx="minor">
+              <a:schemeClr val="tx1"/>
+            </a:fontRef>
+          </p:style>
+        </p:cxnSp>
+        <p:cxnSp>
+          <p:nvCxnSpPr>
+            <p:cNvPr id="148" name="直接箭头连接符 147">
+              <a:extLst>
+                <a:ext uri="{FF2B5EF4-FFF2-40B4-BE49-F238E27FC236}">
+                  <a16:creationId xmlns:a16="http://schemas.microsoft.com/office/drawing/2014/main" id="{397C4CBE-E2B4-4F29-9821-F940AE5A161B}"/>
+                </a:ext>
+              </a:extLst>
+            </p:cNvPr>
+            <p:cNvCxnSpPr>
+              <a:cxnSpLocks/>
+              <a:stCxn id="93" idx="2"/>
+              <a:endCxn id="94" idx="3"/>
+            </p:cNvCxnSpPr>
+            <p:nvPr/>
+          </p:nvCxnSpPr>
+          <p:spPr>
+            <a:xfrm flipH="1">
+              <a:off x="7045330" y="2852881"/>
+              <a:ext cx="738633" cy="618263"/>
+            </a:xfrm>
+            <a:prstGeom prst="straightConnector1">
+              <a:avLst/>
+            </a:prstGeom>
+            <a:ln w="19050">
+              <a:tailEnd type="triangle"/>
+            </a:ln>
+          </p:spPr>
+          <p:style>
+            <a:lnRef idx="1">
+              <a:schemeClr val="dk1"/>
+            </a:lnRef>
+            <a:fillRef idx="0">
+              <a:schemeClr val="dk1"/>
+            </a:fillRef>
+            <a:effectRef idx="0">
+              <a:schemeClr val="dk1"/>
+            </a:effectRef>
+            <a:fontRef idx="minor">
+              <a:schemeClr val="tx1"/>
+            </a:fontRef>
+          </p:style>
+        </p:cxnSp>
+        <p:cxnSp>
+          <p:nvCxnSpPr>
+            <p:cNvPr id="151" name="直接箭头连接符 150">
+              <a:extLst>
+                <a:ext uri="{FF2B5EF4-FFF2-40B4-BE49-F238E27FC236}">
+                  <a16:creationId xmlns:a16="http://schemas.microsoft.com/office/drawing/2014/main" id="{7E8FBC0D-29D9-4BD8-AFE7-D8DB7717C58F}"/>
+                </a:ext>
+              </a:extLst>
+            </p:cNvPr>
+            <p:cNvCxnSpPr>
+              <a:cxnSpLocks/>
+              <a:stCxn id="92" idx="0"/>
+              <a:endCxn id="93" idx="2"/>
+            </p:cNvCxnSpPr>
+            <p:nvPr/>
+          </p:nvCxnSpPr>
+          <p:spPr>
+            <a:xfrm flipH="1" flipV="1">
+              <a:off x="7783963" y="2852881"/>
+              <a:ext cx="404689" cy="645975"/>
+            </a:xfrm>
+            <a:prstGeom prst="straightConnector1">
+              <a:avLst/>
+            </a:prstGeom>
+            <a:ln w="19050">
+              <a:tailEnd type="triangle"/>
+            </a:ln>
+          </p:spPr>
+          <p:style>
+            <a:lnRef idx="1">
+              <a:schemeClr val="dk1"/>
+            </a:lnRef>
+            <a:fillRef idx="0">
+              <a:schemeClr val="dk1"/>
+            </a:fillRef>
+            <a:effectRef idx="0">
+              <a:schemeClr val="dk1"/>
+            </a:effectRef>
+            <a:fontRef idx="minor">
+              <a:schemeClr val="tx1"/>
+            </a:fontRef>
+          </p:style>
+        </p:cxnSp>
+        <p:cxnSp>
+          <p:nvCxnSpPr>
+            <p:cNvPr id="154" name="直接箭头连接符 153">
+              <a:extLst>
+                <a:ext uri="{FF2B5EF4-FFF2-40B4-BE49-F238E27FC236}">
+                  <a16:creationId xmlns:a16="http://schemas.microsoft.com/office/drawing/2014/main" id="{8B261827-C39A-46E5-B974-B10B851308DD}"/>
+                </a:ext>
+              </a:extLst>
+            </p:cNvPr>
+            <p:cNvCxnSpPr>
+              <a:cxnSpLocks/>
+              <a:stCxn id="92" idx="1"/>
+              <a:endCxn id="94" idx="3"/>
+            </p:cNvCxnSpPr>
+            <p:nvPr/>
+          </p:nvCxnSpPr>
+          <p:spPr>
+            <a:xfrm flipH="1" flipV="1">
+              <a:off x="7045330" y="3471144"/>
+              <a:ext cx="1004776" cy="138549"/>
+            </a:xfrm>
+            <a:prstGeom prst="straightConnector1">
+              <a:avLst/>
+            </a:prstGeom>
+            <a:ln w="19050">
+              <a:tailEnd type="triangle"/>
+            </a:ln>
+          </p:spPr>
+          <p:style>
+            <a:lnRef idx="1">
+              <a:schemeClr val="dk1"/>
+            </a:lnRef>
+            <a:fillRef idx="0">
+              <a:schemeClr val="dk1"/>
+            </a:fillRef>
+            <a:effectRef idx="0">
+              <a:schemeClr val="dk1"/>
+            </a:effectRef>
+            <a:fontRef idx="minor">
+              <a:schemeClr val="tx1"/>
+            </a:fontRef>
+          </p:style>
+        </p:cxnSp>
+        <p:sp>
+          <p:nvSpPr>
+            <p:cNvPr id="157" name="矩形 156">
+              <a:extLst>
+                <a:ext uri="{FF2B5EF4-FFF2-40B4-BE49-F238E27FC236}">
+                  <a16:creationId xmlns:a16="http://schemas.microsoft.com/office/drawing/2014/main" id="{616636A1-3FE0-4098-939E-71D1B91D673E}"/>
+                </a:ext>
+              </a:extLst>
+            </p:cNvPr>
+            <p:cNvSpPr/>
+            <p:nvPr/>
+          </p:nvSpPr>
+          <p:spPr>
+            <a:xfrm>
+              <a:off x="9033061" y="1177923"/>
+              <a:ext cx="277091" cy="221673"/>
+            </a:xfrm>
+            <a:prstGeom prst="rect">
+              <a:avLst/>
+            </a:prstGeom>
+          </p:spPr>
+          <p:style>
+            <a:lnRef idx="1">
+              <a:schemeClr val="accent1"/>
+            </a:lnRef>
+            <a:fillRef idx="2">
+              <a:schemeClr val="accent1"/>
+            </a:fillRef>
+            <a:effectRef idx="1">
+              <a:schemeClr val="accent1"/>
+            </a:effectRef>
+            <a:fontRef idx="minor">
+              <a:schemeClr val="dk1"/>
+            </a:fontRef>
+          </p:style>
+          <p:txBody>
+            <a:bodyPr rtlCol="0" anchor="ctr"/>
+            <a:lstStyle/>
+            <a:p>
+              <a:pPr algn="ctr"/>
+              <a:r>
+                <a:rPr lang="en-US" altLang="zh-CN" sz="1400" dirty="0">
+                  <a:latin typeface="Times New Roman" panose="02020603050405020304" pitchFamily="18" charset="0"/>
+                  <a:cs typeface="Times New Roman" panose="02020603050405020304" pitchFamily="18" charset="0"/>
+                </a:rPr>
+                <a:t>H</a:t>
+              </a:r>
+              <a:endParaRPr lang="zh-CN" altLang="en-US" sz="1400" dirty="0">
+                <a:latin typeface="Times New Roman" panose="02020603050405020304" pitchFamily="18" charset="0"/>
+                <a:cs typeface="Times New Roman" panose="02020603050405020304" pitchFamily="18" charset="0"/>
+              </a:endParaRPr>
+            </a:p>
+          </p:txBody>
+        </p:sp>
+        <p:cxnSp>
+          <p:nvCxnSpPr>
+            <p:cNvPr id="158" name="直接箭头连接符 157">
+              <a:extLst>
+                <a:ext uri="{FF2B5EF4-FFF2-40B4-BE49-F238E27FC236}">
+                  <a16:creationId xmlns:a16="http://schemas.microsoft.com/office/drawing/2014/main" id="{866B27F2-ED94-4F77-9B3F-F3A1BE772D5D}"/>
+                </a:ext>
+              </a:extLst>
+            </p:cNvPr>
+            <p:cNvCxnSpPr>
+              <a:cxnSpLocks/>
+              <a:stCxn id="157" idx="2"/>
+              <a:endCxn id="105" idx="3"/>
+            </p:cNvCxnSpPr>
+            <p:nvPr/>
+          </p:nvCxnSpPr>
+          <p:spPr>
+            <a:xfrm flipH="1">
+              <a:off x="8647575" y="1399596"/>
+              <a:ext cx="524032" cy="359928"/>
+            </a:xfrm>
+            <a:prstGeom prst="straightConnector1">
+              <a:avLst/>
+            </a:prstGeom>
+            <a:ln w="19050">
+              <a:tailEnd type="triangle"/>
+            </a:ln>
+          </p:spPr>
+          <p:style>
+            <a:lnRef idx="1">
+              <a:schemeClr val="dk1"/>
+            </a:lnRef>
+            <a:fillRef idx="0">
+              <a:schemeClr val="dk1"/>
+            </a:fillRef>
+            <a:effectRef idx="0">
+              <a:schemeClr val="dk1"/>
+            </a:effectRef>
+            <a:fontRef idx="minor">
+              <a:schemeClr val="tx1"/>
+            </a:fontRef>
+          </p:style>
+        </p:cxnSp>
+        <p:cxnSp>
+          <p:nvCxnSpPr>
+            <p:cNvPr id="159" name="直接箭头连接符 158">
+              <a:extLst>
+                <a:ext uri="{FF2B5EF4-FFF2-40B4-BE49-F238E27FC236}">
+                  <a16:creationId xmlns:a16="http://schemas.microsoft.com/office/drawing/2014/main" id="{02AFE995-8460-462C-8054-7C661BA10AC7}"/>
+                </a:ext>
+              </a:extLst>
+            </p:cNvPr>
+            <p:cNvCxnSpPr>
+              <a:cxnSpLocks/>
+              <a:stCxn id="157" idx="1"/>
+              <a:endCxn id="106" idx="3"/>
+            </p:cNvCxnSpPr>
+            <p:nvPr/>
+          </p:nvCxnSpPr>
+          <p:spPr>
+            <a:xfrm flipH="1" flipV="1">
+              <a:off x="7794076" y="1111841"/>
+              <a:ext cx="1238985" cy="176919"/>
+            </a:xfrm>
+            <a:prstGeom prst="straightConnector1">
+              <a:avLst/>
+            </a:prstGeom>
+            <a:ln w="19050">
+              <a:tailEnd type="triangle"/>
+            </a:ln>
+          </p:spPr>
+          <p:style>
+            <a:lnRef idx="1">
+              <a:schemeClr val="dk1"/>
+            </a:lnRef>
+            <a:fillRef idx="0">
+              <a:schemeClr val="dk1"/>
+            </a:fillRef>
+            <a:effectRef idx="0">
+              <a:schemeClr val="dk1"/>
+            </a:effectRef>
+            <a:fontRef idx="minor">
+              <a:schemeClr val="tx1"/>
+            </a:fontRef>
+          </p:style>
+        </p:cxnSp>
+        <p:grpSp>
+          <p:nvGrpSpPr>
+            <p:cNvPr id="168" name="组合 167">
+              <a:extLst>
+                <a:ext uri="{FF2B5EF4-FFF2-40B4-BE49-F238E27FC236}">
+                  <a16:creationId xmlns:a16="http://schemas.microsoft.com/office/drawing/2014/main" id="{7F77AD13-67A2-45F5-991F-FB4058661346}"/>
+                </a:ext>
+              </a:extLst>
+            </p:cNvPr>
+            <p:cNvGrpSpPr/>
+            <p:nvPr/>
+          </p:nvGrpSpPr>
+          <p:grpSpPr>
+            <a:xfrm>
+              <a:off x="674255" y="863612"/>
+              <a:ext cx="8829963" cy="3537530"/>
+              <a:chOff x="674255" y="1094521"/>
+              <a:chExt cx="8829963" cy="3537530"/>
+            </a:xfrm>
+          </p:grpSpPr>
+          <p:cxnSp>
+            <p:nvCxnSpPr>
+              <p:cNvPr id="47" name="直接连接符 46">
+                <a:extLst>
+                  <a:ext uri="{FF2B5EF4-FFF2-40B4-BE49-F238E27FC236}">
+                    <a16:creationId xmlns:a16="http://schemas.microsoft.com/office/drawing/2014/main" id="{C9D689A8-BA25-4379-AF83-CD4EF38F9149}"/>
+                  </a:ext>
+                </a:extLst>
+              </p:cNvPr>
+              <p:cNvCxnSpPr/>
+              <p:nvPr/>
+            </p:nvCxnSpPr>
+            <p:spPr>
+              <a:xfrm>
+                <a:off x="4055922" y="1094521"/>
+                <a:ext cx="0" cy="3315855"/>
+              </a:xfrm>
+              <a:prstGeom prst="line">
+                <a:avLst/>
+              </a:prstGeom>
+              <a:ln w="19050">
+                <a:prstDash val="dash"/>
+              </a:ln>
+            </p:spPr>
+            <p:style>
+              <a:lnRef idx="1">
+                <a:schemeClr val="accent1"/>
+              </a:lnRef>
+              <a:fillRef idx="0">
+                <a:schemeClr val="accent1"/>
+              </a:fillRef>
+              <a:effectRef idx="0">
+                <a:schemeClr val="accent1"/>
+              </a:effectRef>
+              <a:fontRef idx="minor">
+                <a:schemeClr val="tx1"/>
+              </a:fontRef>
+            </p:style>
+          </p:cxnSp>
+          <p:cxnSp>
+            <p:nvCxnSpPr>
+              <p:cNvPr id="49" name="直接箭头连接符 48">
+                <a:extLst>
+                  <a:ext uri="{FF2B5EF4-FFF2-40B4-BE49-F238E27FC236}">
+                    <a16:creationId xmlns:a16="http://schemas.microsoft.com/office/drawing/2014/main" id="{BECAFE39-40AD-4679-9C35-CF056FE40EF9}"/>
+                  </a:ext>
+                </a:extLst>
+              </p:cNvPr>
+              <p:cNvCxnSpPr/>
+              <p:nvPr/>
+            </p:nvCxnSpPr>
+            <p:spPr>
+              <a:xfrm>
+                <a:off x="674255" y="4396516"/>
+                <a:ext cx="8829963" cy="0"/>
+              </a:xfrm>
+              <a:prstGeom prst="straightConnector1">
+                <a:avLst/>
+              </a:prstGeom>
+              <a:ln w="25400">
+                <a:tailEnd type="triangle"/>
+              </a:ln>
+            </p:spPr>
+            <p:style>
+              <a:lnRef idx="1">
+                <a:schemeClr val="dk1"/>
+              </a:lnRef>
+              <a:fillRef idx="0">
+                <a:schemeClr val="dk1"/>
+              </a:fillRef>
+              <a:effectRef idx="0">
+                <a:schemeClr val="dk1"/>
+              </a:effectRef>
+              <a:fontRef idx="minor">
+                <a:schemeClr val="tx1"/>
+              </a:fontRef>
+            </p:style>
+          </p:cxnSp>
+          <mc:AlternateContent xmlns:mc="http://schemas.openxmlformats.org/markup-compatibility/2006" xmlns:a14="http://schemas.microsoft.com/office/drawing/2010/main">
+            <mc:Choice Requires="a14">
+              <p:sp>
+                <p:nvSpPr>
+                  <p:cNvPr id="50" name="矩形 49">
+                    <a:extLst>
+                      <a:ext uri="{FF2B5EF4-FFF2-40B4-BE49-F238E27FC236}">
+                        <a16:creationId xmlns:a16="http://schemas.microsoft.com/office/drawing/2014/main" id="{9EBB93BE-420C-4362-AA0B-C4556029C0D8}"/>
+                      </a:ext>
+                    </a:extLst>
+                  </p:cNvPr>
+                  <p:cNvSpPr/>
+                  <p:nvPr/>
+                </p:nvSpPr>
+                <p:spPr>
+                  <a:xfrm>
+                    <a:off x="3917381" y="4410376"/>
+                    <a:ext cx="277091" cy="221673"/>
+                  </a:xfrm>
+                  <a:prstGeom prst="rect">
+                    <a:avLst/>
+                  </a:prstGeom>
+                  <a:noFill/>
+                  <a:ln>
+                    <a:noFill/>
+                  </a:ln>
+                </p:spPr>
+                <p:style>
+                  <a:lnRef idx="1">
+                    <a:schemeClr val="accent1"/>
+                  </a:lnRef>
+                  <a:fillRef idx="2">
+                    <a:schemeClr val="accent1"/>
+                  </a:fillRef>
+                  <a:effectRef idx="1">
+                    <a:schemeClr val="accent1"/>
+                  </a:effectRef>
+                  <a:fontRef idx="minor">
+                    <a:schemeClr val="dk1"/>
+                  </a:fontRef>
+                </p:style>
+                <p:txBody>
+                  <a:bodyPr rtlCol="0" anchor="ctr"/>
+                  <a:lstStyle/>
+                  <a:p>
+                    <a:pPr algn="ctr"/>
+                    <a14:m>
+                      <m:oMathPara xmlns:m="http://schemas.openxmlformats.org/officeDocument/2006/math">
+                        <m:oMathParaPr>
+                          <m:jc m:val="centerGroup"/>
+                        </m:oMathParaPr>
+                        <m:oMath xmlns:m="http://schemas.openxmlformats.org/officeDocument/2006/math">
+                          <m:sSub>
+                            <m:sSubPr>
+                              <m:ctrlPr>
+                                <a:rPr lang="en-US" altLang="zh-CN" sz="1400" b="0" i="1" smtClean="0">
+                                  <a:latin typeface="Cambria Math" panose="02040503050406030204" pitchFamily="18" charset="0"/>
+                                  <a:cs typeface="Times New Roman" panose="02020603050405020304" pitchFamily="18" charset="0"/>
+                                </a:rPr>
+                              </m:ctrlPr>
+                            </m:sSubPr>
+                            <m:e>
+                              <m:r>
+                                <a:rPr lang="en-US" altLang="zh-CN" sz="1400" b="0" i="1" smtClean="0">
+                                  <a:latin typeface="Cambria Math" panose="02040503050406030204" pitchFamily="18" charset="0"/>
+                                  <a:cs typeface="Times New Roman" panose="02020603050405020304" pitchFamily="18" charset="0"/>
+                                </a:rPr>
+                                <m:t>𝑡</m:t>
+                              </m:r>
+                            </m:e>
+                            <m:sub>
+                              <m:r>
+                                <a:rPr lang="en-US" altLang="zh-CN" sz="1400" b="0" i="1" smtClean="0">
+                                  <a:latin typeface="Cambria Math" panose="02040503050406030204" pitchFamily="18" charset="0"/>
+                                  <a:cs typeface="Times New Roman" panose="02020603050405020304" pitchFamily="18" charset="0"/>
+                                </a:rPr>
+                                <m:t>0</m:t>
+                              </m:r>
+                            </m:sub>
+                          </m:sSub>
+                        </m:oMath>
+                      </m:oMathPara>
+                    </a14:m>
+                    <a:endParaRPr lang="zh-CN" altLang="en-US" sz="1400" dirty="0">
+                      <a:latin typeface="Times New Roman" panose="02020603050405020304" pitchFamily="18" charset="0"/>
+                      <a:cs typeface="Times New Roman" panose="02020603050405020304" pitchFamily="18" charset="0"/>
+                    </a:endParaRPr>
+                  </a:p>
+                </p:txBody>
+              </p:sp>
+            </mc:Choice>
+            <mc:Fallback xmlns="">
+              <p:sp>
+                <p:nvSpPr>
+                  <p:cNvPr id="50" name="矩形 49">
+                    <a:extLst>
+                      <a:ext uri="{FF2B5EF4-FFF2-40B4-BE49-F238E27FC236}">
+                        <a16:creationId xmlns:a16="http://schemas.microsoft.com/office/drawing/2014/main" id="{9EBB93BE-420C-4362-AA0B-C4556029C0D8}"/>
+                      </a:ext>
+                    </a:extLst>
+                  </p:cNvPr>
+                  <p:cNvSpPr>
+                    <a:spLocks noRot="1" noChangeAspect="1" noMove="1" noResize="1" noEditPoints="1" noAdjustHandles="1" noChangeArrowheads="1" noChangeShapeType="1" noTextEdit="1"/>
+                  </p:cNvSpPr>
+                  <p:nvPr/>
+                </p:nvSpPr>
+                <p:spPr>
+                  <a:xfrm>
+                    <a:off x="3917381" y="4410376"/>
+                    <a:ext cx="277091" cy="221673"/>
+                  </a:xfrm>
+                  <a:prstGeom prst="rect">
+                    <a:avLst/>
+                  </a:prstGeom>
+                  <a:blipFill>
+                    <a:blip r:embed="rId2"/>
+                    <a:stretch>
+                      <a:fillRect l="-6667" b="-13889"/>
+                    </a:stretch>
+                  </a:blipFill>
+                  <a:ln>
+                    <a:noFill/>
+                  </a:ln>
+                </p:spPr>
+                <p:txBody>
+                  <a:bodyPr/>
+                  <a:lstStyle/>
+                  <a:p>
+                    <a:r>
+                      <a:rPr lang="zh-CN" altLang="en-US">
+                        <a:noFill/>
+                      </a:rPr>
+                      <a:t> </a:t>
+                    </a:r>
+                  </a:p>
+                </p:txBody>
+              </p:sp>
+            </mc:Fallback>
+          </mc:AlternateContent>
+          <p:cxnSp>
+            <p:nvCxnSpPr>
+              <p:cNvPr id="64" name="直接连接符 63">
+                <a:extLst>
+                  <a:ext uri="{FF2B5EF4-FFF2-40B4-BE49-F238E27FC236}">
+                    <a16:creationId xmlns:a16="http://schemas.microsoft.com/office/drawing/2014/main" id="{0983FA56-8259-4F44-82C4-51D21B355740}"/>
+                  </a:ext>
+                </a:extLst>
+              </p:cNvPr>
+              <p:cNvCxnSpPr/>
+              <p:nvPr/>
+            </p:nvCxnSpPr>
+            <p:spPr>
+              <a:xfrm>
+                <a:off x="4863533" y="1094521"/>
+                <a:ext cx="0" cy="3315855"/>
+              </a:xfrm>
+              <a:prstGeom prst="line">
+                <a:avLst/>
+              </a:prstGeom>
+              <a:ln w="19050">
+                <a:prstDash val="dash"/>
+              </a:ln>
+            </p:spPr>
+            <p:style>
+              <a:lnRef idx="1">
+                <a:schemeClr val="accent1"/>
+              </a:lnRef>
+              <a:fillRef idx="0">
+                <a:schemeClr val="accent1"/>
+              </a:fillRef>
+              <a:effectRef idx="0">
+                <a:schemeClr val="accent1"/>
+              </a:effectRef>
+              <a:fontRef idx="minor">
+                <a:schemeClr val="tx1"/>
+              </a:fontRef>
+            </p:style>
+          </p:cxnSp>
+          <mc:AlternateContent xmlns:mc="http://schemas.openxmlformats.org/markup-compatibility/2006" xmlns:a14="http://schemas.microsoft.com/office/drawing/2010/main">
+            <mc:Choice Requires="a14">
+              <p:sp>
+                <p:nvSpPr>
+                  <p:cNvPr id="71" name="矩形 70">
+                    <a:extLst>
+                      <a:ext uri="{FF2B5EF4-FFF2-40B4-BE49-F238E27FC236}">
+                        <a16:creationId xmlns:a16="http://schemas.microsoft.com/office/drawing/2014/main" id="{D68522CD-2031-4261-B77D-F15D51E670EB}"/>
+                      </a:ext>
+                    </a:extLst>
+                  </p:cNvPr>
+                  <p:cNvSpPr/>
+                  <p:nvPr/>
+                </p:nvSpPr>
+                <p:spPr>
+                  <a:xfrm>
+                    <a:off x="4724987" y="4410378"/>
+                    <a:ext cx="277091" cy="221673"/>
+                  </a:xfrm>
+                  <a:prstGeom prst="rect">
+                    <a:avLst/>
+                  </a:prstGeom>
+                  <a:noFill/>
+                  <a:ln>
+                    <a:noFill/>
+                  </a:ln>
+                </p:spPr>
+                <p:style>
+                  <a:lnRef idx="1">
+                    <a:schemeClr val="accent1"/>
+                  </a:lnRef>
+                  <a:fillRef idx="2">
+                    <a:schemeClr val="accent1"/>
+                  </a:fillRef>
+                  <a:effectRef idx="1">
+                    <a:schemeClr val="accent1"/>
+                  </a:effectRef>
+                  <a:fontRef idx="minor">
+                    <a:schemeClr val="dk1"/>
+                  </a:fontRef>
+                </p:style>
+                <p:txBody>
+                  <a:bodyPr rtlCol="0" anchor="ctr"/>
+                  <a:lstStyle/>
+                  <a:p>
+                    <a:pPr algn="ctr"/>
+                    <a14:m>
+                      <m:oMathPara xmlns:m="http://schemas.openxmlformats.org/officeDocument/2006/math">
+                        <m:oMathParaPr>
+                          <m:jc m:val="centerGroup"/>
+                        </m:oMathParaPr>
+                        <m:oMath xmlns:m="http://schemas.openxmlformats.org/officeDocument/2006/math">
+                          <m:sSub>
+                            <m:sSubPr>
+                              <m:ctrlPr>
+                                <a:rPr lang="en-US" altLang="zh-CN" sz="1400" b="0" i="1" smtClean="0">
+                                  <a:latin typeface="Cambria Math" panose="02040503050406030204" pitchFamily="18" charset="0"/>
+                                  <a:cs typeface="Times New Roman" panose="02020603050405020304" pitchFamily="18" charset="0"/>
+                                </a:rPr>
+                              </m:ctrlPr>
+                            </m:sSubPr>
+                            <m:e>
+                              <m:r>
+                                <a:rPr lang="en-US" altLang="zh-CN" sz="1400" b="0" i="1" smtClean="0">
+                                  <a:latin typeface="Cambria Math" panose="02040503050406030204" pitchFamily="18" charset="0"/>
+                                  <a:cs typeface="Times New Roman" panose="02020603050405020304" pitchFamily="18" charset="0"/>
+                                </a:rPr>
+                                <m:t>𝑡</m:t>
+                              </m:r>
+                            </m:e>
+                            <m:sub>
+                              <m:r>
+                                <a:rPr lang="en-US" altLang="zh-CN" sz="1400" b="0" i="1" smtClean="0">
+                                  <a:latin typeface="Cambria Math" panose="02040503050406030204" pitchFamily="18" charset="0"/>
+                                  <a:cs typeface="Times New Roman" panose="02020603050405020304" pitchFamily="18" charset="0"/>
+                                </a:rPr>
+                                <m:t>1</m:t>
+                              </m:r>
+                            </m:sub>
+                          </m:sSub>
+                        </m:oMath>
+                      </m:oMathPara>
+                    </a14:m>
+                    <a:endParaRPr lang="zh-CN" altLang="en-US" sz="1400" dirty="0">
+                      <a:latin typeface="Times New Roman" panose="02020603050405020304" pitchFamily="18" charset="0"/>
+                      <a:cs typeface="Times New Roman" panose="02020603050405020304" pitchFamily="18" charset="0"/>
+                    </a:endParaRPr>
+                  </a:p>
+                </p:txBody>
+              </p:sp>
+            </mc:Choice>
+            <mc:Fallback xmlns="">
+              <p:sp>
+                <p:nvSpPr>
+                  <p:cNvPr id="71" name="矩形 70">
+                    <a:extLst>
+                      <a:ext uri="{FF2B5EF4-FFF2-40B4-BE49-F238E27FC236}">
+                        <a16:creationId xmlns:a16="http://schemas.microsoft.com/office/drawing/2014/main" id="{D68522CD-2031-4261-B77D-F15D51E670EB}"/>
+                      </a:ext>
+                    </a:extLst>
+                  </p:cNvPr>
+                  <p:cNvSpPr>
+                    <a:spLocks noRot="1" noChangeAspect="1" noMove="1" noResize="1" noEditPoints="1" noAdjustHandles="1" noChangeArrowheads="1" noChangeShapeType="1" noTextEdit="1"/>
+                  </p:cNvSpPr>
+                  <p:nvPr/>
+                </p:nvSpPr>
+                <p:spPr>
+                  <a:xfrm>
+                    <a:off x="4724987" y="4410378"/>
+                    <a:ext cx="277091" cy="221673"/>
+                  </a:xfrm>
+                  <a:prstGeom prst="rect">
+                    <a:avLst/>
+                  </a:prstGeom>
+                  <a:blipFill>
+                    <a:blip r:embed="rId3"/>
+                    <a:stretch>
+                      <a:fillRect l="-4348" b="-13889"/>
+                    </a:stretch>
+                  </a:blipFill>
+                  <a:ln>
+                    <a:noFill/>
+                  </a:ln>
+                </p:spPr>
+                <p:txBody>
+                  <a:bodyPr/>
+                  <a:lstStyle/>
+                  <a:p>
+                    <a:r>
+                      <a:rPr lang="zh-CN" altLang="en-US">
+                        <a:noFill/>
+                      </a:rPr>
+                      <a:t> </a:t>
+                    </a:r>
+                  </a:p>
+                </p:txBody>
+              </p:sp>
+            </mc:Fallback>
+          </mc:AlternateContent>
+          <p:cxnSp>
+            <p:nvCxnSpPr>
+              <p:cNvPr id="165" name="直接连接符 164">
+                <a:extLst>
+                  <a:ext uri="{FF2B5EF4-FFF2-40B4-BE49-F238E27FC236}">
+                    <a16:creationId xmlns:a16="http://schemas.microsoft.com/office/drawing/2014/main" id="{30AEC936-AAA7-4A82-94F1-B3D1481B34EA}"/>
+                  </a:ext>
+                </a:extLst>
+              </p:cNvPr>
+              <p:cNvCxnSpPr/>
+              <p:nvPr/>
+            </p:nvCxnSpPr>
+            <p:spPr>
+              <a:xfrm>
+                <a:off x="8812079" y="1111841"/>
+                <a:ext cx="0" cy="3315855"/>
+              </a:xfrm>
+              <a:prstGeom prst="line">
+                <a:avLst/>
+              </a:prstGeom>
+              <a:ln w="19050">
+                <a:prstDash val="dash"/>
+              </a:ln>
+            </p:spPr>
+            <p:style>
+              <a:lnRef idx="1">
+                <a:schemeClr val="accent1"/>
+              </a:lnRef>
+              <a:fillRef idx="0">
+                <a:schemeClr val="accent1"/>
+              </a:fillRef>
+              <a:effectRef idx="0">
+                <a:schemeClr val="accent1"/>
+              </a:effectRef>
+              <a:fontRef idx="minor">
+                <a:schemeClr val="tx1"/>
+              </a:fontRef>
+            </p:style>
+          </p:cxnSp>
+          <mc:AlternateContent xmlns:mc="http://schemas.openxmlformats.org/markup-compatibility/2006" xmlns:a14="http://schemas.microsoft.com/office/drawing/2010/main">
+            <mc:Choice Requires="a14">
+              <p:sp>
+                <p:nvSpPr>
+                  <p:cNvPr id="167" name="矩形 166">
+                    <a:extLst>
+                      <a:ext uri="{FF2B5EF4-FFF2-40B4-BE49-F238E27FC236}">
+                        <a16:creationId xmlns:a16="http://schemas.microsoft.com/office/drawing/2014/main" id="{091F0AC7-2E40-4AC6-86EA-0FF96C7D5F71}"/>
+                      </a:ext>
+                    </a:extLst>
+                  </p:cNvPr>
+                  <p:cNvSpPr/>
+                  <p:nvPr/>
+                </p:nvSpPr>
+                <p:spPr>
+                  <a:xfrm>
+                    <a:off x="8669444" y="4433483"/>
+                    <a:ext cx="277091" cy="166263"/>
+                  </a:xfrm>
+                  <a:prstGeom prst="rect">
+                    <a:avLst/>
+                  </a:prstGeom>
+                  <a:noFill/>
+                  <a:ln>
+                    <a:noFill/>
+                  </a:ln>
+                </p:spPr>
+                <p:style>
+                  <a:lnRef idx="1">
+                    <a:schemeClr val="accent1"/>
+                  </a:lnRef>
+                  <a:fillRef idx="2">
+                    <a:schemeClr val="accent1"/>
+                  </a:fillRef>
+                  <a:effectRef idx="1">
+                    <a:schemeClr val="accent1"/>
+                  </a:effectRef>
+                  <a:fontRef idx="minor">
+                    <a:schemeClr val="dk1"/>
+                  </a:fontRef>
+                </p:style>
+                <p:txBody>
+                  <a:bodyPr rtlCol="0" anchor="ctr"/>
+                  <a:lstStyle/>
+                  <a:p>
+                    <a:pPr algn="ctr"/>
+                    <a14:m>
+                      <m:oMathPara xmlns:m="http://schemas.openxmlformats.org/officeDocument/2006/math">
+                        <m:oMathParaPr>
+                          <m:jc m:val="centerGroup"/>
+                        </m:oMathParaPr>
+                        <m:oMath xmlns:m="http://schemas.openxmlformats.org/officeDocument/2006/math">
+                          <m:sSub>
+                            <m:sSubPr>
+                              <m:ctrlPr>
+                                <a:rPr lang="en-US" altLang="zh-CN" sz="1400" b="0" i="1" smtClean="0">
+                                  <a:latin typeface="Cambria Math" panose="02040503050406030204" pitchFamily="18" charset="0"/>
+                                  <a:cs typeface="Times New Roman" panose="02020603050405020304" pitchFamily="18" charset="0"/>
+                                </a:rPr>
+                              </m:ctrlPr>
+                            </m:sSubPr>
+                            <m:e>
+                              <m:r>
+                                <a:rPr lang="en-US" altLang="zh-CN" sz="1400" b="0" i="1" smtClean="0">
+                                  <a:latin typeface="Cambria Math" panose="02040503050406030204" pitchFamily="18" charset="0"/>
+                                  <a:cs typeface="Times New Roman" panose="02020603050405020304" pitchFamily="18" charset="0"/>
+                                </a:rPr>
+                                <m:t>𝑡</m:t>
+                              </m:r>
+                            </m:e>
+                            <m:sub>
+                              <m:r>
+                                <a:rPr lang="en-US" altLang="zh-CN" sz="1400" b="0" i="1" smtClean="0">
+                                  <a:latin typeface="Cambria Math" panose="02040503050406030204" pitchFamily="18" charset="0"/>
+                                  <a:cs typeface="Times New Roman" panose="02020603050405020304" pitchFamily="18" charset="0"/>
+                                </a:rPr>
+                                <m:t>2</m:t>
+                              </m:r>
+                            </m:sub>
+                          </m:sSub>
+                        </m:oMath>
+                      </m:oMathPara>
+                    </a14:m>
+                    <a:endParaRPr lang="zh-CN" altLang="en-US" sz="1400" dirty="0">
+                      <a:latin typeface="Times New Roman" panose="02020603050405020304" pitchFamily="18" charset="0"/>
+                      <a:cs typeface="Times New Roman" panose="02020603050405020304" pitchFamily="18" charset="0"/>
+                    </a:endParaRPr>
+                  </a:p>
+                </p:txBody>
+              </p:sp>
+            </mc:Choice>
+            <mc:Fallback xmlns="">
+              <p:sp>
+                <p:nvSpPr>
+                  <p:cNvPr id="167" name="矩形 166">
+                    <a:extLst>
+                      <a:ext uri="{FF2B5EF4-FFF2-40B4-BE49-F238E27FC236}">
+                        <a16:creationId xmlns:a16="http://schemas.microsoft.com/office/drawing/2014/main" id="{091F0AC7-2E40-4AC6-86EA-0FF96C7D5F71}"/>
+                      </a:ext>
+                    </a:extLst>
+                  </p:cNvPr>
+                  <p:cNvSpPr>
+                    <a:spLocks noRot="1" noChangeAspect="1" noMove="1" noResize="1" noEditPoints="1" noAdjustHandles="1" noChangeArrowheads="1" noChangeShapeType="1" noTextEdit="1"/>
+                  </p:cNvSpPr>
+                  <p:nvPr/>
+                </p:nvSpPr>
+                <p:spPr>
+                  <a:xfrm>
+                    <a:off x="8669444" y="4433483"/>
+                    <a:ext cx="277091" cy="166263"/>
+                  </a:xfrm>
+                  <a:prstGeom prst="rect">
+                    <a:avLst/>
+                  </a:prstGeom>
+                  <a:blipFill>
+                    <a:blip r:embed="rId4"/>
+                    <a:stretch>
+                      <a:fillRect l="-6522" b="-35714"/>
+                    </a:stretch>
+                  </a:blipFill>
+                  <a:ln>
+                    <a:noFill/>
+                  </a:ln>
+                </p:spPr>
+                <p:txBody>
+                  <a:bodyPr/>
+                  <a:lstStyle/>
+                  <a:p>
+                    <a:r>
+                      <a:rPr lang="zh-CN" altLang="en-US">
+                        <a:noFill/>
+                      </a:rPr>
+                      <a:t> </a:t>
+                    </a:r>
+                  </a:p>
+                </p:txBody>
+              </p:sp>
+            </mc:Fallback>
+          </mc:AlternateContent>
+        </p:grpSp>
+        <mc:AlternateContent xmlns:mc="http://schemas.openxmlformats.org/markup-compatibility/2006">
+          <mc:Choice xmlns:a14="http://schemas.microsoft.com/office/drawing/2010/main" Requires="a14">
             <p:sp>
               <p:nvSpPr>
-                <p:cNvPr id="50" name="矩形 49">
+                <p:cNvPr id="169" name="矩形 168">
                   <a:extLst>
                     <a:ext uri="{FF2B5EF4-FFF2-40B4-BE49-F238E27FC236}">
-                      <a16:creationId xmlns:a16="http://schemas.microsoft.com/office/drawing/2014/main" id="{9EBB93BE-420C-4362-AA0B-C4556029C0D8}"/>
+                      <a16:creationId xmlns:a16="http://schemas.microsoft.com/office/drawing/2014/main" id="{F9C04D74-2272-4E81-B4CE-2D24856379FD}"/>
                     </a:ext>
                   </a:extLst>
                 </p:cNvPr>
@@ -8500,7 +9016,7 @@
               </p:nvSpPr>
               <p:spPr>
                 <a:xfrm>
-                  <a:off x="3917381" y="4410376"/>
+                  <a:off x="535709" y="4179492"/>
                   <a:ext cx="277091" cy="221673"/>
                 </a:xfrm>
                 <a:prstGeom prst="rect">
@@ -8536,34 +9052,13 @@
                         <m:jc m:val="centerGroup"/>
                       </m:oMathParaPr>
                       <m:oMath xmlns:m="http://schemas.openxmlformats.org/officeDocument/2006/math">
-                        <m:sSub>
-                          <m:sSubPr>
-                            <m:ctrlPr>
-                              <a:rPr lang="en-US" altLang="zh-CN" sz="1400" b="0" i="1" smtClean="0">
-                                <a:latin typeface="Cambria Math" panose="02040503050406030204" pitchFamily="18" charset="0"/>
-                                <a:cs typeface="Times New Roman" panose="02020603050405020304" pitchFamily="18" charset="0"/>
-                              </a:rPr>
-                            </m:ctrlPr>
-                          </m:sSubPr>
-                          <m:e>
-                            <m:r>
-                              <a:rPr lang="en-US" altLang="zh-CN" sz="1400" b="0" i="1" smtClean="0">
-                                <a:latin typeface="Cambria Math" panose="02040503050406030204" pitchFamily="18" charset="0"/>
-                                <a:cs typeface="Times New Roman" panose="02020603050405020304" pitchFamily="18" charset="0"/>
-                              </a:rPr>
-                              <m:t>𝑡</m:t>
-                            </m:r>
-                          </m:e>
-                          <m:sub>
-                            <m:r>
-                              <a:rPr lang="en-US" altLang="zh-CN" sz="1400" b="0" i="1" smtClean="0">
-                                <a:latin typeface="Cambria Math" panose="02040503050406030204" pitchFamily="18" charset="0"/>
-                                <a:cs typeface="Times New Roman" panose="02020603050405020304" pitchFamily="18" charset="0"/>
-                              </a:rPr>
-                              <m:t>0</m:t>
-                            </m:r>
-                          </m:sub>
-                        </m:sSub>
+                        <m:r>
+                          <a:rPr lang="en-US" altLang="zh-CN" sz="1400" b="0" i="1" smtClean="0">
+                            <a:latin typeface="Cambria Math" panose="02040503050406030204" pitchFamily="18" charset="0"/>
+                            <a:cs typeface="Times New Roman" panose="02020603050405020304" pitchFamily="18" charset="0"/>
+                          </a:rPr>
+                          <m:t>0</m:t>
+                        </m:r>
                       </m:oMath>
                     </m:oMathPara>
                   </a14:m>
@@ -8575,13 +9070,13 @@
               </p:txBody>
             </p:sp>
           </mc:Choice>
-          <mc:Fallback xmlns="">
+          <mc:Fallback>
             <p:sp>
               <p:nvSpPr>
-                <p:cNvPr id="50" name="矩形 49">
+                <p:cNvPr id="169" name="矩形 168">
                   <a:extLst>
                     <a:ext uri="{FF2B5EF4-FFF2-40B4-BE49-F238E27FC236}">
-                      <a16:creationId xmlns:a16="http://schemas.microsoft.com/office/drawing/2014/main" id="{9EBB93BE-420C-4362-AA0B-C4556029C0D8}"/>
+                      <a16:creationId xmlns:a16="http://schemas.microsoft.com/office/drawing/2014/main" id="{F9C04D74-2272-4E81-B4CE-2D24856379FD}"/>
                     </a:ext>
                   </a:extLst>
                 </p:cNvPr>
@@ -8592,16 +9087,16 @@
               </p:nvSpPr>
               <p:spPr>
                 <a:xfrm>
-                  <a:off x="3917381" y="4410376"/>
+                  <a:off x="535709" y="4179492"/>
                   <a:ext cx="277091" cy="221673"/>
                 </a:xfrm>
                 <a:prstGeom prst="rect">
                   <a:avLst/>
                 </a:prstGeom>
                 <a:blipFill>
-                  <a:blip r:embed="rId2"/>
+                  <a:blip r:embed="rId5"/>
                   <a:stretch>
-                    <a:fillRect l="-6667" b="-13889"/>
+                    <a:fillRect b="-5556"/>
                   </a:stretch>
                 </a:blipFill>
                 <a:ln>
@@ -8623,53 +9118,14 @@
             </p:sp>
           </mc:Fallback>
         </mc:AlternateContent>
-        <p:cxnSp>
-          <p:nvCxnSpPr>
-            <p:cNvPr id="64" name="直接连接符 63">
-              <a:extLst>
-                <a:ext uri="{FF2B5EF4-FFF2-40B4-BE49-F238E27FC236}">
-                  <a16:creationId xmlns:a16="http://schemas.microsoft.com/office/drawing/2014/main" id="{0983FA56-8259-4F44-82C4-51D21B355740}"/>
-                </a:ext>
-              </a:extLst>
-            </p:cNvPr>
-            <p:cNvCxnSpPr/>
-            <p:nvPr/>
-          </p:nvCxnSpPr>
-          <p:spPr>
-            <a:xfrm>
-              <a:off x="4863533" y="1094521"/>
-              <a:ext cx="0" cy="3315855"/>
-            </a:xfrm>
-            <a:prstGeom prst="line">
-              <a:avLst/>
-            </a:prstGeom>
-            <a:ln w="19050">
-              <a:prstDash val="dash"/>
-            </a:ln>
-          </p:spPr>
-          <p:style>
-            <a:lnRef idx="1">
-              <a:schemeClr val="accent1"/>
-            </a:lnRef>
-            <a:fillRef idx="0">
-              <a:schemeClr val="accent1"/>
-            </a:fillRef>
-            <a:effectRef idx="0">
-              <a:schemeClr val="accent1"/>
-            </a:effectRef>
-            <a:fontRef idx="minor">
-              <a:schemeClr val="tx1"/>
-            </a:fontRef>
-          </p:style>
-        </p:cxnSp>
-        <mc:AlternateContent xmlns:mc="http://schemas.openxmlformats.org/markup-compatibility/2006" xmlns:a14="http://schemas.microsoft.com/office/drawing/2010/main">
-          <mc:Choice Requires="a14">
+        <mc:AlternateContent xmlns:mc="http://schemas.openxmlformats.org/markup-compatibility/2006">
+          <mc:Choice xmlns:a14="http://schemas.microsoft.com/office/drawing/2010/main" Requires="a14">
             <p:sp>
               <p:nvSpPr>
-                <p:cNvPr id="71" name="矩形 70">
+                <p:cNvPr id="170" name="矩形 169">
                   <a:extLst>
                     <a:ext uri="{FF2B5EF4-FFF2-40B4-BE49-F238E27FC236}">
-                      <a16:creationId xmlns:a16="http://schemas.microsoft.com/office/drawing/2014/main" id="{D68522CD-2031-4261-B77D-F15D51E670EB}"/>
+                      <a16:creationId xmlns:a16="http://schemas.microsoft.com/office/drawing/2014/main" id="{2F2FADE5-1092-4FFC-892B-BCF1CF2BC5E8}"/>
                     </a:ext>
                   </a:extLst>
                 </p:cNvPr>
@@ -8678,8 +9134,8 @@
               </p:nvSpPr>
               <p:spPr>
                 <a:xfrm>
-                  <a:off x="4724987" y="4410378"/>
-                  <a:ext cx="277091" cy="221673"/>
+                  <a:off x="9309124" y="4147164"/>
+                  <a:ext cx="277091" cy="253976"/>
                 </a:xfrm>
                 <a:prstGeom prst="rect">
                   <a:avLst/>
@@ -8714,34 +9170,13 @@
                         <m:jc m:val="centerGroup"/>
                       </m:oMathParaPr>
                       <m:oMath xmlns:m="http://schemas.openxmlformats.org/officeDocument/2006/math">
-                        <m:sSub>
-                          <m:sSubPr>
-                            <m:ctrlPr>
-                              <a:rPr lang="en-US" altLang="zh-CN" sz="1400" b="0" i="1" smtClean="0">
-                                <a:latin typeface="Cambria Math" panose="02040503050406030204" pitchFamily="18" charset="0"/>
-                                <a:cs typeface="Times New Roman" panose="02020603050405020304" pitchFamily="18" charset="0"/>
-                              </a:rPr>
-                            </m:ctrlPr>
-                          </m:sSubPr>
-                          <m:e>
-                            <m:r>
-                              <a:rPr lang="en-US" altLang="zh-CN" sz="1400" b="0" i="1" smtClean="0">
-                                <a:latin typeface="Cambria Math" panose="02040503050406030204" pitchFamily="18" charset="0"/>
-                                <a:cs typeface="Times New Roman" panose="02020603050405020304" pitchFamily="18" charset="0"/>
-                              </a:rPr>
-                              <m:t>𝑡</m:t>
-                            </m:r>
-                          </m:e>
-                          <m:sub>
-                            <m:r>
-                              <a:rPr lang="en-US" altLang="zh-CN" sz="1400" b="0" i="1" smtClean="0">
-                                <a:latin typeface="Cambria Math" panose="02040503050406030204" pitchFamily="18" charset="0"/>
-                                <a:cs typeface="Times New Roman" panose="02020603050405020304" pitchFamily="18" charset="0"/>
-                              </a:rPr>
-                              <m:t>1</m:t>
-                            </m:r>
-                          </m:sub>
-                        </m:sSub>
+                        <m:r>
+                          <a:rPr lang="en-US" altLang="zh-CN" sz="1400" b="0" i="1" smtClean="0">
+                            <a:latin typeface="Cambria Math" panose="02040503050406030204" pitchFamily="18" charset="0"/>
+                            <a:cs typeface="Times New Roman" panose="02020603050405020304" pitchFamily="18" charset="0"/>
+                          </a:rPr>
+                          <m:t>𝑡</m:t>
+                        </m:r>
                       </m:oMath>
                     </m:oMathPara>
                   </a14:m>
@@ -8753,13 +9188,13 @@
               </p:txBody>
             </p:sp>
           </mc:Choice>
-          <mc:Fallback xmlns="">
+          <mc:Fallback>
             <p:sp>
               <p:nvSpPr>
-                <p:cNvPr id="71" name="矩形 70">
+                <p:cNvPr id="170" name="矩形 169">
                   <a:extLst>
                     <a:ext uri="{FF2B5EF4-FFF2-40B4-BE49-F238E27FC236}">
-                      <a16:creationId xmlns:a16="http://schemas.microsoft.com/office/drawing/2014/main" id="{D68522CD-2031-4261-B77D-F15D51E670EB}"/>
+                      <a16:creationId xmlns:a16="http://schemas.microsoft.com/office/drawing/2014/main" id="{2F2FADE5-1092-4FFC-892B-BCF1CF2BC5E8}"/>
                     </a:ext>
                   </a:extLst>
                 </p:cNvPr>
@@ -8770,16 +9205,16 @@
               </p:nvSpPr>
               <p:spPr>
                 <a:xfrm>
-                  <a:off x="4724987" y="4410378"/>
-                  <a:ext cx="277091" cy="221673"/>
+                  <a:off x="9309124" y="4147164"/>
+                  <a:ext cx="277091" cy="253976"/>
                 </a:xfrm>
                 <a:prstGeom prst="rect">
                   <a:avLst/>
                 </a:prstGeom>
                 <a:blipFill>
-                  <a:blip r:embed="rId3"/>
+                  <a:blip r:embed="rId6"/>
                   <a:stretch>
-                    <a:fillRect l="-4348" b="-13889"/>
+                    <a:fillRect/>
                   </a:stretch>
                 </a:blipFill>
                 <a:ln>
@@ -8801,487 +9236,73 @@
             </p:sp>
           </mc:Fallback>
         </mc:AlternateContent>
-        <p:cxnSp>
-          <p:nvCxnSpPr>
-            <p:cNvPr id="165" name="直接连接符 164">
+        <p:sp>
+          <p:nvSpPr>
+            <p:cNvPr id="173" name="矩形 172">
               <a:extLst>
                 <a:ext uri="{FF2B5EF4-FFF2-40B4-BE49-F238E27FC236}">
-                  <a16:creationId xmlns:a16="http://schemas.microsoft.com/office/drawing/2014/main" id="{30AEC936-AAA7-4A82-94F1-B3D1481B34EA}"/>
+                  <a16:creationId xmlns:a16="http://schemas.microsoft.com/office/drawing/2014/main" id="{5C4DC74A-93AE-4F21-8549-FA0B622925EA}"/>
                 </a:ext>
               </a:extLst>
             </p:cNvPr>
-            <p:cNvCxnSpPr/>
+            <p:cNvSpPr/>
             <p:nvPr/>
-          </p:nvCxnSpPr>
+          </p:nvSpPr>
           <p:spPr>
             <a:xfrm>
-              <a:off x="8812079" y="1111841"/>
-              <a:ext cx="0" cy="3315855"/>
+              <a:off x="2175458" y="4424244"/>
+              <a:ext cx="7133666" cy="369450"/>
             </a:xfrm>
-            <a:prstGeom prst="line">
+            <a:prstGeom prst="rect">
               <a:avLst/>
             </a:prstGeom>
-            <a:ln w="19050">
-              <a:prstDash val="dash"/>
+            <a:noFill/>
+            <a:ln>
+              <a:noFill/>
             </a:ln>
           </p:spPr>
           <p:style>
-            <a:lnRef idx="1">
-              <a:schemeClr val="accent1"/>
+            <a:lnRef idx="2">
+              <a:schemeClr val="accent1">
+                <a:shade val="50000"/>
+              </a:schemeClr>
             </a:lnRef>
-            <a:fillRef idx="0">
+            <a:fillRef idx="1">
               <a:schemeClr val="accent1"/>
             </a:fillRef>
             <a:effectRef idx="0">
               <a:schemeClr val="accent1"/>
             </a:effectRef>
             <a:fontRef idx="minor">
-              <a:schemeClr val="tx1"/>
+              <a:schemeClr val="lt1"/>
             </a:fontRef>
           </p:style>
-        </p:cxnSp>
-        <mc:AlternateContent xmlns:mc="http://schemas.openxmlformats.org/markup-compatibility/2006" xmlns:a14="http://schemas.microsoft.com/office/drawing/2010/main">
-          <mc:Choice Requires="a14">
-            <p:sp>
-              <p:nvSpPr>
-                <p:cNvPr id="167" name="矩形 166">
-                  <a:extLst>
-                    <a:ext uri="{FF2B5EF4-FFF2-40B4-BE49-F238E27FC236}">
-                      <a16:creationId xmlns:a16="http://schemas.microsoft.com/office/drawing/2014/main" id="{091F0AC7-2E40-4AC6-86EA-0FF96C7D5F71}"/>
-                    </a:ext>
-                  </a:extLst>
-                </p:cNvPr>
-                <p:cNvSpPr/>
-                <p:nvPr/>
-              </p:nvSpPr>
-              <p:spPr>
-                <a:xfrm>
-                  <a:off x="8669444" y="4433483"/>
-                  <a:ext cx="277091" cy="166263"/>
-                </a:xfrm>
-                <a:prstGeom prst="rect">
-                  <a:avLst/>
-                </a:prstGeom>
-                <a:noFill/>
-                <a:ln>
-                  <a:noFill/>
-                </a:ln>
-              </p:spPr>
-              <p:style>
-                <a:lnRef idx="1">
-                  <a:schemeClr val="accent1"/>
-                </a:lnRef>
-                <a:fillRef idx="2">
-                  <a:schemeClr val="accent1"/>
-                </a:fillRef>
-                <a:effectRef idx="1">
-                  <a:schemeClr val="accent1"/>
-                </a:effectRef>
-                <a:fontRef idx="minor">
-                  <a:schemeClr val="dk1"/>
-                </a:fontRef>
-              </p:style>
-              <p:txBody>
-                <a:bodyPr rtlCol="0" anchor="ctr"/>
-                <a:lstStyle/>
-                <a:p>
-                  <a:pPr algn="ctr"/>
-                  <a14:m>
-                    <m:oMathPara xmlns:m="http://schemas.openxmlformats.org/officeDocument/2006/math">
-                      <m:oMathParaPr>
-                        <m:jc m:val="centerGroup"/>
-                      </m:oMathParaPr>
-                      <m:oMath xmlns:m="http://schemas.openxmlformats.org/officeDocument/2006/math">
-                        <m:sSub>
-                          <m:sSubPr>
-                            <m:ctrlPr>
-                              <a:rPr lang="en-US" altLang="zh-CN" sz="1400" b="0" i="1" smtClean="0">
-                                <a:latin typeface="Cambria Math" panose="02040503050406030204" pitchFamily="18" charset="0"/>
-                                <a:cs typeface="Times New Roman" panose="02020603050405020304" pitchFamily="18" charset="0"/>
-                              </a:rPr>
-                            </m:ctrlPr>
-                          </m:sSubPr>
-                          <m:e>
-                            <m:r>
-                              <a:rPr lang="en-US" altLang="zh-CN" sz="1400" b="0" i="1" smtClean="0">
-                                <a:latin typeface="Cambria Math" panose="02040503050406030204" pitchFamily="18" charset="0"/>
-                                <a:cs typeface="Times New Roman" panose="02020603050405020304" pitchFamily="18" charset="0"/>
-                              </a:rPr>
-                              <m:t>𝑡</m:t>
-                            </m:r>
-                          </m:e>
-                          <m:sub>
-                            <m:r>
-                              <a:rPr lang="en-US" altLang="zh-CN" sz="1400" b="0" i="1" smtClean="0">
-                                <a:latin typeface="Cambria Math" panose="02040503050406030204" pitchFamily="18" charset="0"/>
-                                <a:cs typeface="Times New Roman" panose="02020603050405020304" pitchFamily="18" charset="0"/>
-                              </a:rPr>
-                              <m:t>2</m:t>
-                            </m:r>
-                          </m:sub>
-                        </m:sSub>
-                      </m:oMath>
-                    </m:oMathPara>
-                  </a14:m>
-                  <a:endParaRPr lang="zh-CN" altLang="en-US" sz="1400" dirty="0">
-                    <a:latin typeface="Times New Roman" panose="02020603050405020304" pitchFamily="18" charset="0"/>
-                    <a:cs typeface="Times New Roman" panose="02020603050405020304" pitchFamily="18" charset="0"/>
-                  </a:endParaRPr>
-                </a:p>
-              </p:txBody>
-            </p:sp>
-          </mc:Choice>
-          <mc:Fallback xmlns="">
-            <p:sp>
-              <p:nvSpPr>
-                <p:cNvPr id="167" name="矩形 166">
-                  <a:extLst>
-                    <a:ext uri="{FF2B5EF4-FFF2-40B4-BE49-F238E27FC236}">
-                      <a16:creationId xmlns:a16="http://schemas.microsoft.com/office/drawing/2014/main" id="{091F0AC7-2E40-4AC6-86EA-0FF96C7D5F71}"/>
-                    </a:ext>
-                  </a:extLst>
-                </p:cNvPr>
-                <p:cNvSpPr>
-                  <a:spLocks noRot="1" noChangeAspect="1" noMove="1" noResize="1" noEditPoints="1" noAdjustHandles="1" noChangeArrowheads="1" noChangeShapeType="1" noTextEdit="1"/>
-                </p:cNvSpPr>
-                <p:nvPr/>
-              </p:nvSpPr>
-              <p:spPr>
-                <a:xfrm>
-                  <a:off x="8669444" y="4433483"/>
-                  <a:ext cx="277091" cy="166263"/>
-                </a:xfrm>
-                <a:prstGeom prst="rect">
-                  <a:avLst/>
-                </a:prstGeom>
-                <a:blipFill>
-                  <a:blip r:embed="rId4"/>
-                  <a:stretch>
-                    <a:fillRect l="-6522" b="-35714"/>
-                  </a:stretch>
-                </a:blipFill>
-                <a:ln>
-                  <a:noFill/>
-                </a:ln>
-              </p:spPr>
-              <p:txBody>
-                <a:bodyPr/>
-                <a:lstStyle/>
-                <a:p>
-                  <a:r>
-                    <a:rPr lang="zh-CN" altLang="en-US">
-                      <a:noFill/>
-                    </a:rPr>
-                    <a:t> </a:t>
-                  </a:r>
-                </a:p>
-              </p:txBody>
-            </p:sp>
-          </mc:Fallback>
-        </mc:AlternateContent>
-      </p:grpSp>
-      <mc:AlternateContent xmlns:mc="http://schemas.openxmlformats.org/markup-compatibility/2006" xmlns:a14="http://schemas.microsoft.com/office/drawing/2010/main">
-        <mc:Choice Requires="a14">
-          <p:sp>
-            <p:nvSpPr>
-              <p:cNvPr id="169" name="矩形 168">
-                <a:extLst>
-                  <a:ext uri="{FF2B5EF4-FFF2-40B4-BE49-F238E27FC236}">
-                    <a16:creationId xmlns:a16="http://schemas.microsoft.com/office/drawing/2014/main" id="{F9C04D74-2272-4E81-B4CE-2D24856379FD}"/>
-                  </a:ext>
-                </a:extLst>
-              </p:cNvPr>
-              <p:cNvSpPr/>
-              <p:nvPr/>
-            </p:nvSpPr>
-            <p:spPr>
-              <a:xfrm>
-                <a:off x="535709" y="4179492"/>
-                <a:ext cx="277091" cy="221673"/>
-              </a:xfrm>
-              <a:prstGeom prst="rect">
-                <a:avLst/>
-              </a:prstGeom>
-              <a:noFill/>
-              <a:ln>
-                <a:noFill/>
-              </a:ln>
-            </p:spPr>
-            <p:style>
-              <a:lnRef idx="1">
-                <a:schemeClr val="accent1"/>
-              </a:lnRef>
-              <a:fillRef idx="2">
-                <a:schemeClr val="accent1"/>
-              </a:fillRef>
-              <a:effectRef idx="1">
-                <a:schemeClr val="accent1"/>
-              </a:effectRef>
-              <a:fontRef idx="minor">
-                <a:schemeClr val="dk1"/>
-              </a:fontRef>
-            </p:style>
-            <p:txBody>
-              <a:bodyPr rtlCol="0" anchor="ctr"/>
-              <a:lstStyle/>
-              <a:p>
-                <a:pPr algn="ctr"/>
-                <a14:m>
-                  <m:oMathPara xmlns:m="http://schemas.openxmlformats.org/officeDocument/2006/math">
-                    <m:oMathParaPr>
-                      <m:jc m:val="centerGroup"/>
-                    </m:oMathParaPr>
-                    <m:oMath xmlns:m="http://schemas.openxmlformats.org/officeDocument/2006/math">
-                      <m:r>
-                        <a:rPr lang="en-US" altLang="zh-CN" sz="1400" b="0" i="1" smtClean="0">
-                          <a:latin typeface="Cambria Math" panose="02040503050406030204" pitchFamily="18" charset="0"/>
-                          <a:cs typeface="Times New Roman" panose="02020603050405020304" pitchFamily="18" charset="0"/>
-                        </a:rPr>
-                        <m:t>0</m:t>
-                      </m:r>
-                    </m:oMath>
-                  </m:oMathPara>
-                </a14:m>
-                <a:endParaRPr lang="zh-CN" altLang="en-US" sz="1400" dirty="0">
+          <p:txBody>
+            <a:bodyPr rtlCol="0" anchor="ctr"/>
+            <a:lstStyle/>
+            <a:p>
+              <a:pPr algn="ctr"/>
+              <a:r>
+                <a:rPr lang="en-US" altLang="zh-CN" b="1" dirty="0">
+                  <a:solidFill>
+                    <a:schemeClr val="tx1"/>
+                  </a:solidFill>
                   <a:latin typeface="Times New Roman" panose="02020603050405020304" pitchFamily="18" charset="0"/>
                   <a:cs typeface="Times New Roman" panose="02020603050405020304" pitchFamily="18" charset="0"/>
-                </a:endParaRPr>
-              </a:p>
-            </p:txBody>
-          </p:sp>
-        </mc:Choice>
-        <mc:Fallback xmlns="">
-          <p:sp>
-            <p:nvSpPr>
-              <p:cNvPr id="169" name="矩形 168">
-                <a:extLst>
-                  <a:ext uri="{FF2B5EF4-FFF2-40B4-BE49-F238E27FC236}">
-                    <a16:creationId xmlns:a16="http://schemas.microsoft.com/office/drawing/2014/main" id="{F9C04D74-2272-4E81-B4CE-2D24856379FD}"/>
-                  </a:ext>
-                </a:extLst>
-              </p:cNvPr>
-              <p:cNvSpPr>
-                <a:spLocks noRot="1" noChangeAspect="1" noMove="1" noResize="1" noEditPoints="1" noAdjustHandles="1" noChangeArrowheads="1" noChangeShapeType="1" noTextEdit="1"/>
-              </p:cNvSpPr>
-              <p:nvPr/>
-            </p:nvSpPr>
-            <p:spPr>
-              <a:xfrm>
-                <a:off x="535709" y="4179492"/>
-                <a:ext cx="277091" cy="221673"/>
-              </a:xfrm>
-              <a:prstGeom prst="rect">
-                <a:avLst/>
-              </a:prstGeom>
-              <a:blipFill>
-                <a:blip r:embed="rId5"/>
-                <a:stretch>
-                  <a:fillRect b="-5556"/>
-                </a:stretch>
-              </a:blipFill>
-              <a:ln>
-                <a:noFill/>
-              </a:ln>
-            </p:spPr>
-            <p:txBody>
-              <a:bodyPr/>
-              <a:lstStyle/>
-              <a:p>
-                <a:r>
-                  <a:rPr lang="zh-CN" altLang="en-US">
-                    <a:noFill/>
-                  </a:rPr>
-                  <a:t> </a:t>
-                </a:r>
-              </a:p>
-            </p:txBody>
-          </p:sp>
-        </mc:Fallback>
-      </mc:AlternateContent>
-      <mc:AlternateContent xmlns:mc="http://schemas.openxmlformats.org/markup-compatibility/2006" xmlns:a14="http://schemas.microsoft.com/office/drawing/2010/main">
-        <mc:Choice Requires="a14">
-          <p:sp>
-            <p:nvSpPr>
-              <p:cNvPr id="170" name="矩形 169">
-                <a:extLst>
-                  <a:ext uri="{FF2B5EF4-FFF2-40B4-BE49-F238E27FC236}">
-                    <a16:creationId xmlns:a16="http://schemas.microsoft.com/office/drawing/2014/main" id="{2F2FADE5-1092-4FFC-892B-BCF1CF2BC5E8}"/>
-                  </a:ext>
-                </a:extLst>
-              </p:cNvPr>
-              <p:cNvSpPr/>
-              <p:nvPr/>
-            </p:nvSpPr>
-            <p:spPr>
-              <a:xfrm>
-                <a:off x="9309124" y="4147164"/>
-                <a:ext cx="277091" cy="253976"/>
-              </a:xfrm>
-              <a:prstGeom prst="rect">
-                <a:avLst/>
-              </a:prstGeom>
-              <a:noFill/>
-              <a:ln>
-                <a:noFill/>
-              </a:ln>
-            </p:spPr>
-            <p:style>
-              <a:lnRef idx="1">
-                <a:schemeClr val="accent1"/>
-              </a:lnRef>
-              <a:fillRef idx="2">
-                <a:schemeClr val="accent1"/>
-              </a:fillRef>
-              <a:effectRef idx="1">
-                <a:schemeClr val="accent1"/>
-              </a:effectRef>
-              <a:fontRef idx="minor">
-                <a:schemeClr val="dk1"/>
-              </a:fontRef>
-            </p:style>
-            <p:txBody>
-              <a:bodyPr rtlCol="0" anchor="ctr"/>
-              <a:lstStyle/>
-              <a:p>
-                <a:pPr algn="ctr"/>
-                <a14:m>
-                  <m:oMathPara xmlns:m="http://schemas.openxmlformats.org/officeDocument/2006/math">
-                    <m:oMathParaPr>
-                      <m:jc m:val="centerGroup"/>
-                    </m:oMathParaPr>
-                    <m:oMath xmlns:m="http://schemas.openxmlformats.org/officeDocument/2006/math">
-                      <m:r>
-                        <a:rPr lang="en-US" altLang="zh-CN" sz="1400" b="0" i="1" smtClean="0">
-                          <a:latin typeface="Cambria Math" panose="02040503050406030204" pitchFamily="18" charset="0"/>
-                          <a:cs typeface="Times New Roman" panose="02020603050405020304" pitchFamily="18" charset="0"/>
-                        </a:rPr>
-                        <m:t>𝑡</m:t>
-                      </m:r>
-                    </m:oMath>
-                  </m:oMathPara>
-                </a14:m>
-                <a:endParaRPr lang="zh-CN" altLang="en-US" sz="1400" dirty="0">
-                  <a:latin typeface="Times New Roman" panose="02020603050405020304" pitchFamily="18" charset="0"/>
-                  <a:cs typeface="Times New Roman" panose="02020603050405020304" pitchFamily="18" charset="0"/>
-                </a:endParaRPr>
-              </a:p>
-            </p:txBody>
-          </p:sp>
-        </mc:Choice>
-        <mc:Fallback xmlns="">
-          <p:sp>
-            <p:nvSpPr>
-              <p:cNvPr id="170" name="矩形 169">
-                <a:extLst>
-                  <a:ext uri="{FF2B5EF4-FFF2-40B4-BE49-F238E27FC236}">
-                    <a16:creationId xmlns:a16="http://schemas.microsoft.com/office/drawing/2014/main" id="{2F2FADE5-1092-4FFC-892B-BCF1CF2BC5E8}"/>
-                  </a:ext>
-                </a:extLst>
-              </p:cNvPr>
-              <p:cNvSpPr>
-                <a:spLocks noRot="1" noChangeAspect="1" noMove="1" noResize="1" noEditPoints="1" noAdjustHandles="1" noChangeArrowheads="1" noChangeShapeType="1" noTextEdit="1"/>
-              </p:cNvSpPr>
-              <p:nvPr/>
-            </p:nvSpPr>
-            <p:spPr>
-              <a:xfrm>
-                <a:off x="9309124" y="4147164"/>
-                <a:ext cx="277091" cy="253976"/>
-              </a:xfrm>
-              <a:prstGeom prst="rect">
-                <a:avLst/>
-              </a:prstGeom>
-              <a:blipFill>
-                <a:blip r:embed="rId6"/>
-                <a:stretch>
-                  <a:fillRect/>
-                </a:stretch>
-              </a:blipFill>
-              <a:ln>
-                <a:noFill/>
-              </a:ln>
-            </p:spPr>
-            <p:txBody>
-              <a:bodyPr/>
-              <a:lstStyle/>
-              <a:p>
-                <a:r>
-                  <a:rPr lang="zh-CN" altLang="en-US">
-                    <a:noFill/>
-                  </a:rPr>
-                  <a:t> </a:t>
-                </a:r>
-              </a:p>
-            </p:txBody>
-          </p:sp>
-        </mc:Fallback>
-      </mc:AlternateContent>
-      <p:sp>
-        <p:nvSpPr>
-          <p:cNvPr id="173" name="矩形 172">
-            <a:extLst>
-              <a:ext uri="{FF2B5EF4-FFF2-40B4-BE49-F238E27FC236}">
-                <a16:creationId xmlns:a16="http://schemas.microsoft.com/office/drawing/2014/main" id="{5C4DC74A-93AE-4F21-8549-FA0B622925EA}"/>
-              </a:ext>
-            </a:extLst>
-          </p:cNvPr>
-          <p:cNvSpPr/>
-          <p:nvPr/>
-        </p:nvSpPr>
-        <p:spPr>
-          <a:xfrm>
-            <a:off x="2175458" y="4424244"/>
-            <a:ext cx="5769564" cy="369450"/>
-          </a:xfrm>
-          <a:prstGeom prst="rect">
-            <a:avLst/>
-          </a:prstGeom>
-          <a:noFill/>
-          <a:ln>
-            <a:noFill/>
-          </a:ln>
-        </p:spPr>
-        <p:style>
-          <a:lnRef idx="2">
-            <a:schemeClr val="accent1">
-              <a:shade val="50000"/>
-            </a:schemeClr>
-          </a:lnRef>
-          <a:fillRef idx="1">
-            <a:schemeClr val="accent1"/>
-          </a:fillRef>
-          <a:effectRef idx="0">
-            <a:schemeClr val="accent1"/>
-          </a:effectRef>
-          <a:fontRef idx="minor">
-            <a:schemeClr val="lt1"/>
-          </a:fontRef>
-        </p:style>
-        <p:txBody>
-          <a:bodyPr rtlCol="0" anchor="ctr"/>
-          <a:lstStyle/>
-          <a:p>
-            <a:pPr algn="ctr"/>
-            <a:r>
-              <a:rPr lang="en-US" altLang="zh-CN" b="1" dirty="0">
+                </a:rPr>
+                <a:t>Fraudulent chain for double-spending attack in DAG-based blockchain</a:t>
+              </a:r>
+              <a:endParaRPr lang="zh-CN" altLang="en-US" b="1" dirty="0">
                 <a:solidFill>
                   <a:schemeClr val="tx1"/>
                 </a:solidFill>
                 <a:latin typeface="Times New Roman" panose="02020603050405020304" pitchFamily="18" charset="0"/>
                 <a:cs typeface="Times New Roman" panose="02020603050405020304" pitchFamily="18" charset="0"/>
-              </a:rPr>
-              <a:t>Fraud chain for double-spending attack</a:t>
-            </a:r>
-            <a:endParaRPr lang="zh-CN" altLang="en-US" b="1" dirty="0">
-              <a:solidFill>
-                <a:schemeClr val="tx1"/>
-              </a:solidFill>
-              <a:latin typeface="Times New Roman" panose="02020603050405020304" pitchFamily="18" charset="0"/>
-              <a:cs typeface="Times New Roman" panose="02020603050405020304" pitchFamily="18" charset="0"/>
-            </a:endParaRPr>
-          </a:p>
-        </p:txBody>
-      </p:sp>
+              </a:endParaRPr>
+            </a:p>
+          </p:txBody>
+        </p:sp>
+      </p:grpSp>
     </p:spTree>
     <p:extLst>
       <p:ext uri="{BB962C8B-B14F-4D97-AF65-F5344CB8AC3E}">
@@ -11909,8 +11930,8 @@
           </a:p>
         </p:txBody>
       </p:sp>
-      <mc:AlternateContent xmlns:mc="http://schemas.openxmlformats.org/markup-compatibility/2006">
-        <mc:Choice xmlns:a14="http://schemas.microsoft.com/office/drawing/2010/main" Requires="a14">
+      <mc:AlternateContent xmlns:mc="http://schemas.openxmlformats.org/markup-compatibility/2006" xmlns:a14="http://schemas.microsoft.com/office/drawing/2010/main">
+        <mc:Choice Requires="a14">
           <p:sp>
             <p:nvSpPr>
               <p:cNvPr id="47" name="矩形 46">
@@ -11994,7 +12015,7 @@
             </p:txBody>
           </p:sp>
         </mc:Choice>
-        <mc:Fallback>
+        <mc:Fallback xmlns="">
           <p:sp>
             <p:nvSpPr>
               <p:cNvPr id="47" name="矩形 46">
@@ -12042,8 +12063,8 @@
           </p:sp>
         </mc:Fallback>
       </mc:AlternateContent>
-      <mc:AlternateContent xmlns:mc="http://schemas.openxmlformats.org/markup-compatibility/2006">
-        <mc:Choice xmlns:a14="http://schemas.microsoft.com/office/drawing/2010/main" Requires="a14">
+      <mc:AlternateContent xmlns:mc="http://schemas.openxmlformats.org/markup-compatibility/2006" xmlns:a14="http://schemas.microsoft.com/office/drawing/2010/main">
+        <mc:Choice Requires="a14">
           <p:sp>
             <p:nvSpPr>
               <p:cNvPr id="48" name="矩形 47">
@@ -12299,7 +12320,7 @@
             </p:txBody>
           </p:sp>
         </mc:Choice>
-        <mc:Fallback>
+        <mc:Fallback xmlns="">
           <p:sp>
             <p:nvSpPr>
               <p:cNvPr id="48" name="矩形 47">
